--- a/Presentation1.pptx
+++ b/Presentation1.pptx
@@ -5,25 +5,24 @@
     <p:sldMasterId id="2147483648" r:id="rId4"/>
   </p:sldMasterIdLst>
   <p:notesMasterIdLst>
-    <p:notesMasterId r:id="rId18"/>
+    <p:notesMasterId r:id="rId17"/>
   </p:notesMasterIdLst>
   <p:handoutMasterIdLst>
-    <p:handoutMasterId r:id="rId19"/>
+    <p:handoutMasterId r:id="rId18"/>
   </p:handoutMasterIdLst>
   <p:sldIdLst>
     <p:sldId id="256" r:id="rId5"/>
     <p:sldId id="257" r:id="rId6"/>
     <p:sldId id="303" r:id="rId7"/>
     <p:sldId id="258" r:id="rId8"/>
-    <p:sldId id="304" r:id="rId9"/>
-    <p:sldId id="306" r:id="rId10"/>
-    <p:sldId id="282" r:id="rId11"/>
-    <p:sldId id="287" r:id="rId12"/>
-    <p:sldId id="302" r:id="rId13"/>
-    <p:sldId id="289" r:id="rId14"/>
-    <p:sldId id="291" r:id="rId15"/>
-    <p:sldId id="288" r:id="rId16"/>
-    <p:sldId id="280" r:id="rId17"/>
+    <p:sldId id="306" r:id="rId9"/>
+    <p:sldId id="282" r:id="rId10"/>
+    <p:sldId id="287" r:id="rId11"/>
+    <p:sldId id="302" r:id="rId12"/>
+    <p:sldId id="289" r:id="rId13"/>
+    <p:sldId id="291" r:id="rId14"/>
+    <p:sldId id="288" r:id="rId15"/>
+    <p:sldId id="280" r:id="rId16"/>
   </p:sldIdLst>
   <p:sldSz cx="12192000" cy="6858000"/>
   <p:notesSz cx="6858000" cy="9144000"/>
@@ -880,1547 +879,7 @@
 </dgm:colorsDef>
 </file>
 
-<file path=ppt/diagrams/colors2.xml><?xml version="1.0" encoding="utf-8"?>
-<dgm:colorsDef xmlns:dgm="http://schemas.openxmlformats.org/drawingml/2006/diagram" xmlns:a="http://schemas.openxmlformats.org/drawingml/2006/main" uniqueId="urn:microsoft.com/office/officeart/2005/8/colors/accent1_2">
-  <dgm:title val=""/>
-  <dgm:desc val=""/>
-  <dgm:catLst>
-    <dgm:cat type="accent1" pri="11200"/>
-  </dgm:catLst>
-  <dgm:styleLbl name="node0">
-    <dgm:fillClrLst meth="repeat">
-      <a:schemeClr val="accent1"/>
-    </dgm:fillClrLst>
-    <dgm:linClrLst meth="repeat">
-      <a:schemeClr val="lt1"/>
-    </dgm:linClrLst>
-    <dgm:effectClrLst/>
-    <dgm:txLinClrLst/>
-    <dgm:txFillClrLst/>
-    <dgm:txEffectClrLst/>
-  </dgm:styleLbl>
-  <dgm:styleLbl name="alignNode1">
-    <dgm:fillClrLst meth="repeat">
-      <a:schemeClr val="accent1"/>
-    </dgm:fillClrLst>
-    <dgm:linClrLst meth="repeat">
-      <a:schemeClr val="accent1"/>
-    </dgm:linClrLst>
-    <dgm:effectClrLst/>
-    <dgm:txLinClrLst/>
-    <dgm:txFillClrLst/>
-    <dgm:txEffectClrLst/>
-  </dgm:styleLbl>
-  <dgm:styleLbl name="node1">
-    <dgm:fillClrLst meth="repeat">
-      <a:schemeClr val="accent1"/>
-    </dgm:fillClrLst>
-    <dgm:linClrLst meth="repeat">
-      <a:schemeClr val="lt1"/>
-    </dgm:linClrLst>
-    <dgm:effectClrLst/>
-    <dgm:txLinClrLst/>
-    <dgm:txFillClrLst/>
-    <dgm:txEffectClrLst/>
-  </dgm:styleLbl>
-  <dgm:styleLbl name="lnNode1">
-    <dgm:fillClrLst meth="repeat">
-      <a:schemeClr val="accent1"/>
-    </dgm:fillClrLst>
-    <dgm:linClrLst meth="repeat">
-      <a:schemeClr val="lt1"/>
-    </dgm:linClrLst>
-    <dgm:effectClrLst/>
-    <dgm:txLinClrLst/>
-    <dgm:txFillClrLst/>
-    <dgm:txEffectClrLst/>
-  </dgm:styleLbl>
-  <dgm:styleLbl name="vennNode1">
-    <dgm:fillClrLst meth="repeat">
-      <a:schemeClr val="accent1">
-        <a:alpha val="50000"/>
-      </a:schemeClr>
-    </dgm:fillClrLst>
-    <dgm:linClrLst meth="repeat">
-      <a:schemeClr val="lt1"/>
-    </dgm:linClrLst>
-    <dgm:effectClrLst/>
-    <dgm:txLinClrLst/>
-    <dgm:txFillClrLst/>
-    <dgm:txEffectClrLst/>
-  </dgm:styleLbl>
-  <dgm:styleLbl name="node2">
-    <dgm:fillClrLst meth="repeat">
-      <a:schemeClr val="accent1"/>
-    </dgm:fillClrLst>
-    <dgm:linClrLst meth="repeat">
-      <a:schemeClr val="lt1"/>
-    </dgm:linClrLst>
-    <dgm:effectClrLst/>
-    <dgm:txLinClrLst/>
-    <dgm:txFillClrLst/>
-    <dgm:txEffectClrLst/>
-  </dgm:styleLbl>
-  <dgm:styleLbl name="node3">
-    <dgm:fillClrLst meth="repeat">
-      <a:schemeClr val="accent1"/>
-    </dgm:fillClrLst>
-    <dgm:linClrLst meth="repeat">
-      <a:schemeClr val="lt1"/>
-    </dgm:linClrLst>
-    <dgm:effectClrLst/>
-    <dgm:txLinClrLst/>
-    <dgm:txFillClrLst/>
-    <dgm:txEffectClrLst/>
-  </dgm:styleLbl>
-  <dgm:styleLbl name="node4">
-    <dgm:fillClrLst meth="repeat">
-      <a:schemeClr val="accent1"/>
-    </dgm:fillClrLst>
-    <dgm:linClrLst meth="repeat">
-      <a:schemeClr val="lt1"/>
-    </dgm:linClrLst>
-    <dgm:effectClrLst/>
-    <dgm:txLinClrLst/>
-    <dgm:txFillClrLst/>
-    <dgm:txEffectClrLst/>
-  </dgm:styleLbl>
-  <dgm:styleLbl name="fgImgPlace1">
-    <dgm:fillClrLst meth="repeat">
-      <a:schemeClr val="accent1">
-        <a:tint val="50000"/>
-      </a:schemeClr>
-    </dgm:fillClrLst>
-    <dgm:linClrLst meth="repeat">
-      <a:schemeClr val="lt1"/>
-    </dgm:linClrLst>
-    <dgm:effectClrLst/>
-    <dgm:txLinClrLst/>
-    <dgm:txFillClrLst meth="repeat">
-      <a:schemeClr val="lt1"/>
-    </dgm:txFillClrLst>
-    <dgm:txEffectClrLst/>
-  </dgm:styleLbl>
-  <dgm:styleLbl name="alignImgPlace1">
-    <dgm:fillClrLst meth="repeat">
-      <a:schemeClr val="accent1">
-        <a:tint val="50000"/>
-      </a:schemeClr>
-    </dgm:fillClrLst>
-    <dgm:linClrLst meth="repeat">
-      <a:schemeClr val="lt1"/>
-    </dgm:linClrLst>
-    <dgm:effectClrLst/>
-    <dgm:txLinClrLst/>
-    <dgm:txFillClrLst meth="repeat">
-      <a:schemeClr val="lt1"/>
-    </dgm:txFillClrLst>
-    <dgm:txEffectClrLst/>
-  </dgm:styleLbl>
-  <dgm:styleLbl name="bgImgPlace1">
-    <dgm:fillClrLst meth="repeat">
-      <a:schemeClr val="accent1">
-        <a:tint val="50000"/>
-      </a:schemeClr>
-    </dgm:fillClrLst>
-    <dgm:linClrLst meth="repeat">
-      <a:schemeClr val="lt1"/>
-    </dgm:linClrLst>
-    <dgm:effectClrLst/>
-    <dgm:txLinClrLst/>
-    <dgm:txFillClrLst meth="repeat">
-      <a:schemeClr val="lt1"/>
-    </dgm:txFillClrLst>
-    <dgm:txEffectClrLst/>
-  </dgm:styleLbl>
-  <dgm:styleLbl name="sibTrans2D1">
-    <dgm:fillClrLst meth="repeat">
-      <a:schemeClr val="accent1">
-        <a:tint val="60000"/>
-      </a:schemeClr>
-    </dgm:fillClrLst>
-    <dgm:linClrLst meth="repeat">
-      <a:schemeClr val="accent1">
-        <a:tint val="60000"/>
-      </a:schemeClr>
-    </dgm:linClrLst>
-    <dgm:effectClrLst/>
-    <dgm:txLinClrLst/>
-    <dgm:txFillClrLst/>
-    <dgm:txEffectClrLst/>
-  </dgm:styleLbl>
-  <dgm:styleLbl name="fgSibTrans2D1">
-    <dgm:fillClrLst meth="repeat">
-      <a:schemeClr val="accent1">
-        <a:tint val="60000"/>
-      </a:schemeClr>
-    </dgm:fillClrLst>
-    <dgm:linClrLst meth="repeat">
-      <a:schemeClr val="accent1">
-        <a:tint val="60000"/>
-      </a:schemeClr>
-    </dgm:linClrLst>
-    <dgm:effectClrLst/>
-    <dgm:txLinClrLst/>
-    <dgm:txFillClrLst/>
-    <dgm:txEffectClrLst/>
-  </dgm:styleLbl>
-  <dgm:styleLbl name="bgSibTrans2D1">
-    <dgm:fillClrLst meth="repeat">
-      <a:schemeClr val="accent1">
-        <a:tint val="60000"/>
-      </a:schemeClr>
-    </dgm:fillClrLst>
-    <dgm:linClrLst meth="repeat">
-      <a:schemeClr val="accent1">
-        <a:tint val="60000"/>
-      </a:schemeClr>
-    </dgm:linClrLst>
-    <dgm:effectClrLst/>
-    <dgm:txLinClrLst/>
-    <dgm:txFillClrLst/>
-    <dgm:txEffectClrLst/>
-  </dgm:styleLbl>
-  <dgm:styleLbl name="sibTrans1D1">
-    <dgm:fillClrLst meth="repeat">
-      <a:schemeClr val="accent1"/>
-    </dgm:fillClrLst>
-    <dgm:linClrLst meth="repeat">
-      <a:schemeClr val="accent1"/>
-    </dgm:linClrLst>
-    <dgm:effectClrLst/>
-    <dgm:txLinClrLst/>
-    <dgm:txFillClrLst meth="repeat">
-      <a:schemeClr val="tx1"/>
-    </dgm:txFillClrLst>
-    <dgm:txEffectClrLst/>
-  </dgm:styleLbl>
-  <dgm:styleLbl name="callout">
-    <dgm:fillClrLst meth="repeat">
-      <a:schemeClr val="accent1"/>
-    </dgm:fillClrLst>
-    <dgm:linClrLst meth="repeat">
-      <a:schemeClr val="accent1">
-        <a:tint val="50000"/>
-      </a:schemeClr>
-    </dgm:linClrLst>
-    <dgm:effectClrLst/>
-    <dgm:txLinClrLst/>
-    <dgm:txFillClrLst meth="repeat">
-      <a:schemeClr val="tx1"/>
-    </dgm:txFillClrLst>
-    <dgm:txEffectClrLst/>
-  </dgm:styleLbl>
-  <dgm:styleLbl name="asst0">
-    <dgm:fillClrLst meth="repeat">
-      <a:schemeClr val="accent1"/>
-    </dgm:fillClrLst>
-    <dgm:linClrLst meth="repeat">
-      <a:schemeClr val="lt1"/>
-    </dgm:linClrLst>
-    <dgm:effectClrLst/>
-    <dgm:txLinClrLst/>
-    <dgm:txFillClrLst/>
-    <dgm:txEffectClrLst/>
-  </dgm:styleLbl>
-  <dgm:styleLbl name="asst1">
-    <dgm:fillClrLst meth="repeat">
-      <a:schemeClr val="accent1"/>
-    </dgm:fillClrLst>
-    <dgm:linClrLst meth="repeat">
-      <a:schemeClr val="lt1"/>
-    </dgm:linClrLst>
-    <dgm:effectClrLst/>
-    <dgm:txLinClrLst/>
-    <dgm:txFillClrLst/>
-    <dgm:txEffectClrLst/>
-  </dgm:styleLbl>
-  <dgm:styleLbl name="asst2">
-    <dgm:fillClrLst meth="repeat">
-      <a:schemeClr val="accent1"/>
-    </dgm:fillClrLst>
-    <dgm:linClrLst meth="repeat">
-      <a:schemeClr val="lt1"/>
-    </dgm:linClrLst>
-    <dgm:effectClrLst/>
-    <dgm:txLinClrLst/>
-    <dgm:txFillClrLst/>
-    <dgm:txEffectClrLst/>
-  </dgm:styleLbl>
-  <dgm:styleLbl name="asst3">
-    <dgm:fillClrLst meth="repeat">
-      <a:schemeClr val="accent1"/>
-    </dgm:fillClrLst>
-    <dgm:linClrLst meth="repeat">
-      <a:schemeClr val="lt1"/>
-    </dgm:linClrLst>
-    <dgm:effectClrLst/>
-    <dgm:txLinClrLst/>
-    <dgm:txFillClrLst/>
-    <dgm:txEffectClrLst/>
-  </dgm:styleLbl>
-  <dgm:styleLbl name="asst4">
-    <dgm:fillClrLst meth="repeat">
-      <a:schemeClr val="accent1"/>
-    </dgm:fillClrLst>
-    <dgm:linClrLst meth="repeat">
-      <a:schemeClr val="lt1"/>
-    </dgm:linClrLst>
-    <dgm:effectClrLst/>
-    <dgm:txLinClrLst/>
-    <dgm:txFillClrLst/>
-    <dgm:txEffectClrLst/>
-  </dgm:styleLbl>
-  <dgm:styleLbl name="parChTrans2D1">
-    <dgm:fillClrLst meth="repeat">
-      <a:schemeClr val="accent1">
-        <a:tint val="60000"/>
-      </a:schemeClr>
-    </dgm:fillClrLst>
-    <dgm:linClrLst meth="repeat">
-      <a:schemeClr val="accent1">
-        <a:tint val="60000"/>
-      </a:schemeClr>
-    </dgm:linClrLst>
-    <dgm:effectClrLst/>
-    <dgm:txLinClrLst/>
-    <dgm:txFillClrLst meth="repeat">
-      <a:schemeClr val="lt1"/>
-    </dgm:txFillClrLst>
-    <dgm:txEffectClrLst/>
-  </dgm:styleLbl>
-  <dgm:styleLbl name="parChTrans2D2">
-    <dgm:fillClrLst meth="repeat">
-      <a:schemeClr val="accent1"/>
-    </dgm:fillClrLst>
-    <dgm:linClrLst meth="repeat">
-      <a:schemeClr val="accent1"/>
-    </dgm:linClrLst>
-    <dgm:effectClrLst/>
-    <dgm:txLinClrLst/>
-    <dgm:txFillClrLst meth="repeat">
-      <a:schemeClr val="lt1"/>
-    </dgm:txFillClrLst>
-    <dgm:txEffectClrLst/>
-  </dgm:styleLbl>
-  <dgm:styleLbl name="parChTrans2D3">
-    <dgm:fillClrLst meth="repeat">
-      <a:schemeClr val="accent1"/>
-    </dgm:fillClrLst>
-    <dgm:linClrLst meth="repeat">
-      <a:schemeClr val="accent1"/>
-    </dgm:linClrLst>
-    <dgm:effectClrLst/>
-    <dgm:txLinClrLst/>
-    <dgm:txFillClrLst meth="repeat">
-      <a:schemeClr val="lt1"/>
-    </dgm:txFillClrLst>
-    <dgm:txEffectClrLst/>
-  </dgm:styleLbl>
-  <dgm:styleLbl name="parChTrans2D4">
-    <dgm:fillClrLst meth="repeat">
-      <a:schemeClr val="accent1"/>
-    </dgm:fillClrLst>
-    <dgm:linClrLst meth="repeat">
-      <a:schemeClr val="accent1"/>
-    </dgm:linClrLst>
-    <dgm:effectClrLst/>
-    <dgm:txLinClrLst/>
-    <dgm:txFillClrLst meth="repeat">
-      <a:schemeClr val="lt1"/>
-    </dgm:txFillClrLst>
-    <dgm:txEffectClrLst/>
-  </dgm:styleLbl>
-  <dgm:styleLbl name="parChTrans1D1">
-    <dgm:fillClrLst meth="repeat">
-      <a:schemeClr val="accent1"/>
-    </dgm:fillClrLst>
-    <dgm:linClrLst meth="repeat">
-      <a:schemeClr val="accent1">
-        <a:shade val="60000"/>
-      </a:schemeClr>
-    </dgm:linClrLst>
-    <dgm:effectClrLst/>
-    <dgm:txLinClrLst/>
-    <dgm:txFillClrLst meth="repeat">
-      <a:schemeClr val="tx1"/>
-    </dgm:txFillClrLst>
-    <dgm:txEffectClrLst/>
-  </dgm:styleLbl>
-  <dgm:styleLbl name="parChTrans1D2">
-    <dgm:fillClrLst meth="repeat">
-      <a:schemeClr val="accent1"/>
-    </dgm:fillClrLst>
-    <dgm:linClrLst meth="repeat">
-      <a:schemeClr val="accent1">
-        <a:shade val="60000"/>
-      </a:schemeClr>
-    </dgm:linClrLst>
-    <dgm:effectClrLst/>
-    <dgm:txLinClrLst/>
-    <dgm:txFillClrLst meth="repeat">
-      <a:schemeClr val="tx1"/>
-    </dgm:txFillClrLst>
-    <dgm:txEffectClrLst/>
-  </dgm:styleLbl>
-  <dgm:styleLbl name="parChTrans1D3">
-    <dgm:fillClrLst meth="repeat">
-      <a:schemeClr val="accent1"/>
-    </dgm:fillClrLst>
-    <dgm:linClrLst meth="repeat">
-      <a:schemeClr val="accent1">
-        <a:shade val="80000"/>
-      </a:schemeClr>
-    </dgm:linClrLst>
-    <dgm:effectClrLst/>
-    <dgm:txLinClrLst/>
-    <dgm:txFillClrLst meth="repeat">
-      <a:schemeClr val="tx1"/>
-    </dgm:txFillClrLst>
-    <dgm:txEffectClrLst/>
-  </dgm:styleLbl>
-  <dgm:styleLbl name="parChTrans1D4">
-    <dgm:fillClrLst meth="repeat">
-      <a:schemeClr val="accent1"/>
-    </dgm:fillClrLst>
-    <dgm:linClrLst meth="repeat">
-      <a:schemeClr val="accent1">
-        <a:shade val="80000"/>
-      </a:schemeClr>
-    </dgm:linClrLst>
-    <dgm:effectClrLst/>
-    <dgm:txLinClrLst/>
-    <dgm:txFillClrLst meth="repeat">
-      <a:schemeClr val="tx1"/>
-    </dgm:txFillClrLst>
-    <dgm:txEffectClrLst/>
-  </dgm:styleLbl>
-  <dgm:styleLbl name="fgAcc1">
-    <dgm:fillClrLst meth="repeat">
-      <a:schemeClr val="lt1">
-        <a:alpha val="90000"/>
-      </a:schemeClr>
-    </dgm:fillClrLst>
-    <dgm:linClrLst meth="repeat">
-      <a:schemeClr val="accent1"/>
-    </dgm:linClrLst>
-    <dgm:effectClrLst/>
-    <dgm:txLinClrLst/>
-    <dgm:txFillClrLst meth="repeat">
-      <a:schemeClr val="dk1"/>
-    </dgm:txFillClrLst>
-    <dgm:txEffectClrLst/>
-  </dgm:styleLbl>
-  <dgm:styleLbl name="conFgAcc1">
-    <dgm:fillClrLst meth="repeat">
-      <a:schemeClr val="lt1">
-        <a:alpha val="90000"/>
-      </a:schemeClr>
-    </dgm:fillClrLst>
-    <dgm:linClrLst meth="repeat">
-      <a:schemeClr val="accent1"/>
-    </dgm:linClrLst>
-    <dgm:effectClrLst/>
-    <dgm:txLinClrLst/>
-    <dgm:txFillClrLst meth="repeat">
-      <a:schemeClr val="dk1"/>
-    </dgm:txFillClrLst>
-    <dgm:txEffectClrLst/>
-  </dgm:styleLbl>
-  <dgm:styleLbl name="alignAcc1">
-    <dgm:fillClrLst meth="repeat">
-      <a:schemeClr val="lt1">
-        <a:alpha val="90000"/>
-      </a:schemeClr>
-    </dgm:fillClrLst>
-    <dgm:linClrLst meth="repeat">
-      <a:schemeClr val="accent1"/>
-    </dgm:linClrLst>
-    <dgm:effectClrLst/>
-    <dgm:txLinClrLst/>
-    <dgm:txFillClrLst meth="repeat">
-      <a:schemeClr val="dk1"/>
-    </dgm:txFillClrLst>
-    <dgm:txEffectClrLst/>
-  </dgm:styleLbl>
-  <dgm:styleLbl name="trAlignAcc1">
-    <dgm:fillClrLst meth="repeat">
-      <a:schemeClr val="lt1">
-        <a:alpha val="40000"/>
-      </a:schemeClr>
-    </dgm:fillClrLst>
-    <dgm:linClrLst meth="repeat">
-      <a:schemeClr val="accent1"/>
-    </dgm:linClrLst>
-    <dgm:effectClrLst/>
-    <dgm:txLinClrLst/>
-    <dgm:txFillClrLst meth="repeat">
-      <a:schemeClr val="dk1"/>
-    </dgm:txFillClrLst>
-    <dgm:txEffectClrLst/>
-  </dgm:styleLbl>
-  <dgm:styleLbl name="bgAcc1">
-    <dgm:fillClrLst meth="repeat">
-      <a:schemeClr val="lt1">
-        <a:alpha val="90000"/>
-      </a:schemeClr>
-    </dgm:fillClrLst>
-    <dgm:linClrLst meth="repeat">
-      <a:schemeClr val="accent1"/>
-    </dgm:linClrLst>
-    <dgm:effectClrLst/>
-    <dgm:txLinClrLst/>
-    <dgm:txFillClrLst meth="repeat">
-      <a:schemeClr val="dk1"/>
-    </dgm:txFillClrLst>
-    <dgm:txEffectClrLst/>
-  </dgm:styleLbl>
-  <dgm:styleLbl name="solidFgAcc1">
-    <dgm:fillClrLst meth="repeat">
-      <a:schemeClr val="lt1"/>
-    </dgm:fillClrLst>
-    <dgm:linClrLst meth="repeat">
-      <a:schemeClr val="accent1"/>
-    </dgm:linClrLst>
-    <dgm:effectClrLst/>
-    <dgm:txLinClrLst/>
-    <dgm:txFillClrLst meth="repeat">
-      <a:schemeClr val="dk1"/>
-    </dgm:txFillClrLst>
-    <dgm:txEffectClrLst/>
-  </dgm:styleLbl>
-  <dgm:styleLbl name="solidAlignAcc1">
-    <dgm:fillClrLst meth="repeat">
-      <a:schemeClr val="lt1"/>
-    </dgm:fillClrLst>
-    <dgm:linClrLst meth="repeat">
-      <a:schemeClr val="accent1"/>
-    </dgm:linClrLst>
-    <dgm:effectClrLst/>
-    <dgm:txLinClrLst/>
-    <dgm:txFillClrLst meth="repeat">
-      <a:schemeClr val="dk1"/>
-    </dgm:txFillClrLst>
-    <dgm:txEffectClrLst/>
-  </dgm:styleLbl>
-  <dgm:styleLbl name="solidBgAcc1">
-    <dgm:fillClrLst meth="repeat">
-      <a:schemeClr val="lt1"/>
-    </dgm:fillClrLst>
-    <dgm:linClrLst meth="repeat">
-      <a:schemeClr val="accent1"/>
-    </dgm:linClrLst>
-    <dgm:effectClrLst/>
-    <dgm:txLinClrLst/>
-    <dgm:txFillClrLst meth="repeat">
-      <a:schemeClr val="dk1"/>
-    </dgm:txFillClrLst>
-    <dgm:txEffectClrLst/>
-  </dgm:styleLbl>
-  <dgm:styleLbl name="fgAccFollowNode1">
-    <dgm:fillClrLst meth="repeat">
-      <a:schemeClr val="accent1">
-        <a:alpha val="90000"/>
-        <a:tint val="40000"/>
-      </a:schemeClr>
-    </dgm:fillClrLst>
-    <dgm:linClrLst meth="repeat">
-      <a:schemeClr val="accent1">
-        <a:alpha val="90000"/>
-        <a:tint val="40000"/>
-      </a:schemeClr>
-    </dgm:linClrLst>
-    <dgm:effectClrLst/>
-    <dgm:txLinClrLst/>
-    <dgm:txFillClrLst meth="repeat">
-      <a:schemeClr val="dk1"/>
-    </dgm:txFillClrLst>
-    <dgm:txEffectClrLst/>
-  </dgm:styleLbl>
-  <dgm:styleLbl name="alignAccFollowNode1">
-    <dgm:fillClrLst meth="repeat">
-      <a:schemeClr val="accent1">
-        <a:alpha val="90000"/>
-        <a:tint val="40000"/>
-      </a:schemeClr>
-    </dgm:fillClrLst>
-    <dgm:linClrLst meth="repeat">
-      <a:schemeClr val="accent1">
-        <a:alpha val="90000"/>
-        <a:tint val="40000"/>
-      </a:schemeClr>
-    </dgm:linClrLst>
-    <dgm:effectClrLst/>
-    <dgm:txLinClrLst/>
-    <dgm:txFillClrLst meth="repeat">
-      <a:schemeClr val="dk1"/>
-    </dgm:txFillClrLst>
-    <dgm:txEffectClrLst/>
-  </dgm:styleLbl>
-  <dgm:styleLbl name="bgAccFollowNode1">
-    <dgm:fillClrLst meth="repeat">
-      <a:schemeClr val="accent1">
-        <a:alpha val="90000"/>
-        <a:tint val="40000"/>
-      </a:schemeClr>
-    </dgm:fillClrLst>
-    <dgm:linClrLst meth="repeat">
-      <a:schemeClr val="accent1">
-        <a:alpha val="90000"/>
-        <a:tint val="40000"/>
-      </a:schemeClr>
-    </dgm:linClrLst>
-    <dgm:effectClrLst/>
-    <dgm:txLinClrLst/>
-    <dgm:txFillClrLst meth="repeat">
-      <a:schemeClr val="dk1"/>
-    </dgm:txFillClrLst>
-    <dgm:txEffectClrLst/>
-  </dgm:styleLbl>
-  <dgm:styleLbl name="fgAcc0">
-    <dgm:fillClrLst meth="repeat">
-      <a:schemeClr val="lt1">
-        <a:alpha val="90000"/>
-      </a:schemeClr>
-    </dgm:fillClrLst>
-    <dgm:linClrLst meth="repeat">
-      <a:schemeClr val="accent1"/>
-    </dgm:linClrLst>
-    <dgm:effectClrLst/>
-    <dgm:txLinClrLst/>
-    <dgm:txFillClrLst meth="repeat">
-      <a:schemeClr val="dk1"/>
-    </dgm:txFillClrLst>
-    <dgm:txEffectClrLst/>
-  </dgm:styleLbl>
-  <dgm:styleLbl name="fgAcc2">
-    <dgm:fillClrLst meth="repeat">
-      <a:schemeClr val="lt1">
-        <a:alpha val="90000"/>
-      </a:schemeClr>
-    </dgm:fillClrLst>
-    <dgm:linClrLst meth="repeat">
-      <a:schemeClr val="accent1"/>
-    </dgm:linClrLst>
-    <dgm:effectClrLst/>
-    <dgm:txLinClrLst/>
-    <dgm:txFillClrLst meth="repeat">
-      <a:schemeClr val="dk1"/>
-    </dgm:txFillClrLst>
-    <dgm:txEffectClrLst/>
-  </dgm:styleLbl>
-  <dgm:styleLbl name="fgAcc3">
-    <dgm:fillClrLst meth="repeat">
-      <a:schemeClr val="lt1">
-        <a:alpha val="90000"/>
-      </a:schemeClr>
-    </dgm:fillClrLst>
-    <dgm:linClrLst meth="repeat">
-      <a:schemeClr val="accent1"/>
-    </dgm:linClrLst>
-    <dgm:effectClrLst/>
-    <dgm:txLinClrLst/>
-    <dgm:txFillClrLst meth="repeat">
-      <a:schemeClr val="dk1"/>
-    </dgm:txFillClrLst>
-    <dgm:txEffectClrLst/>
-  </dgm:styleLbl>
-  <dgm:styleLbl name="fgAcc4">
-    <dgm:fillClrLst meth="repeat">
-      <a:schemeClr val="lt1">
-        <a:alpha val="90000"/>
-      </a:schemeClr>
-    </dgm:fillClrLst>
-    <dgm:linClrLst meth="repeat">
-      <a:schemeClr val="accent1"/>
-    </dgm:linClrLst>
-    <dgm:effectClrLst/>
-    <dgm:txLinClrLst/>
-    <dgm:txFillClrLst meth="repeat">
-      <a:schemeClr val="dk1"/>
-    </dgm:txFillClrLst>
-    <dgm:txEffectClrLst/>
-  </dgm:styleLbl>
-  <dgm:styleLbl name="bgShp">
-    <dgm:fillClrLst meth="repeat">
-      <a:schemeClr val="accent1">
-        <a:tint val="40000"/>
-      </a:schemeClr>
-    </dgm:fillClrLst>
-    <dgm:linClrLst meth="repeat">
-      <a:schemeClr val="accent1"/>
-    </dgm:linClrLst>
-    <dgm:effectClrLst/>
-    <dgm:txLinClrLst/>
-    <dgm:txFillClrLst meth="repeat">
-      <a:schemeClr val="dk1"/>
-    </dgm:txFillClrLst>
-    <dgm:txEffectClrLst/>
-  </dgm:styleLbl>
-  <dgm:styleLbl name="dkBgShp">
-    <dgm:fillClrLst meth="repeat">
-      <a:schemeClr val="accent1">
-        <a:shade val="80000"/>
-      </a:schemeClr>
-    </dgm:fillClrLst>
-    <dgm:linClrLst meth="repeat">
-      <a:schemeClr val="accent1"/>
-    </dgm:linClrLst>
-    <dgm:effectClrLst/>
-    <dgm:txLinClrLst/>
-    <dgm:txFillClrLst meth="repeat">
-      <a:schemeClr val="lt1"/>
-    </dgm:txFillClrLst>
-    <dgm:txEffectClrLst/>
-  </dgm:styleLbl>
-  <dgm:styleLbl name="trBgShp">
-    <dgm:fillClrLst meth="repeat">
-      <a:schemeClr val="accent1">
-        <a:tint val="50000"/>
-        <a:alpha val="40000"/>
-      </a:schemeClr>
-    </dgm:fillClrLst>
-    <dgm:linClrLst meth="repeat">
-      <a:schemeClr val="accent1"/>
-    </dgm:linClrLst>
-    <dgm:effectClrLst/>
-    <dgm:txLinClrLst/>
-    <dgm:txFillClrLst meth="repeat">
-      <a:schemeClr val="lt1"/>
-    </dgm:txFillClrLst>
-    <dgm:txEffectClrLst/>
-  </dgm:styleLbl>
-  <dgm:styleLbl name="fgShp">
-    <dgm:fillClrLst meth="repeat">
-      <a:schemeClr val="accent1">
-        <a:tint val="60000"/>
-      </a:schemeClr>
-    </dgm:fillClrLst>
-    <dgm:linClrLst meth="repeat">
-      <a:schemeClr val="lt1"/>
-    </dgm:linClrLst>
-    <dgm:effectClrLst/>
-    <dgm:txLinClrLst/>
-    <dgm:txFillClrLst meth="repeat">
-      <a:schemeClr val="dk1"/>
-    </dgm:txFillClrLst>
-    <dgm:txEffectClrLst/>
-  </dgm:styleLbl>
-  <dgm:styleLbl name="revTx">
-    <dgm:fillClrLst meth="repeat">
-      <a:schemeClr val="lt1">
-        <a:alpha val="0"/>
-      </a:schemeClr>
-    </dgm:fillClrLst>
-    <dgm:linClrLst meth="repeat">
-      <a:schemeClr val="dk1">
-        <a:alpha val="0"/>
-      </a:schemeClr>
-    </dgm:linClrLst>
-    <dgm:effectClrLst/>
-    <dgm:txLinClrLst/>
-    <dgm:txFillClrLst meth="repeat">
-      <a:schemeClr val="tx1"/>
-    </dgm:txFillClrLst>
-    <dgm:txEffectClrLst/>
-  </dgm:styleLbl>
-</dgm:colorsDef>
-</file>
-
 <file path=ppt/diagrams/data1.xml><?xml version="1.0" encoding="utf-8"?>
-<dgm:dataModel xmlns:dgm="http://schemas.openxmlformats.org/drawingml/2006/diagram" xmlns:a="http://schemas.openxmlformats.org/drawingml/2006/main">
-  <dgm:ptLst>
-    <dgm:pt modelId="{995E4B59-CED0-544D-A093-F4E09CFA17D5}" type="doc">
-      <dgm:prSet loTypeId="urn:microsoft.com/office/officeart/2005/8/layout/bProcess4" loCatId="" qsTypeId="urn:microsoft.com/office/officeart/2005/8/quickstyle/simple1" qsCatId="simple" csTypeId="urn:microsoft.com/office/officeart/2005/8/colors/accent1_2" csCatId="accent1" phldr="1"/>
-      <dgm:spPr/>
-      <dgm:t>
-        <a:bodyPr/>
-        <a:lstStyle/>
-        <a:p>
-          <a:endParaRPr lang="en-US"/>
-        </a:p>
-      </dgm:t>
-    </dgm:pt>
-    <dgm:pt modelId="{BB157FEC-451C-E248-BF34-693F091F5238}">
-      <dgm:prSet phldrT="[Text]"/>
-      <dgm:spPr/>
-      <dgm:t>
-        <a:bodyPr/>
-        <a:lstStyle/>
-        <a:p>
-          <a:r>
-            <a:rPr lang="en-CA" b="0" dirty="0"/>
-            <a:t>Web Scraper</a:t>
-          </a:r>
-          <a:endParaRPr lang="en-US" dirty="0"/>
-        </a:p>
-      </dgm:t>
-    </dgm:pt>
-    <dgm:pt modelId="{478FB784-E163-AD49-97BC-8AFA3F785BBF}" type="parTrans" cxnId="{33957E1C-6A42-AC48-8127-1107730003D4}">
-      <dgm:prSet/>
-      <dgm:spPr/>
-      <dgm:t>
-        <a:bodyPr/>
-        <a:lstStyle/>
-        <a:p>
-          <a:endParaRPr lang="en-US"/>
-        </a:p>
-      </dgm:t>
-    </dgm:pt>
-    <dgm:pt modelId="{EEFD6170-6F5D-5B44-8077-4801816EEE8C}" type="sibTrans" cxnId="{33957E1C-6A42-AC48-8127-1107730003D4}">
-      <dgm:prSet/>
-      <dgm:spPr/>
-      <dgm:t>
-        <a:bodyPr/>
-        <a:lstStyle/>
-        <a:p>
-          <a:endParaRPr lang="en-US"/>
-        </a:p>
-      </dgm:t>
-    </dgm:pt>
-    <dgm:pt modelId="{A9E90486-4DDE-7C48-A211-ED355243E008}">
-      <dgm:prSet phldrT="[Text]"/>
-      <dgm:spPr/>
-      <dgm:t>
-        <a:bodyPr/>
-        <a:lstStyle/>
-        <a:p>
-          <a:r>
-            <a:rPr lang="en-CA" b="0" dirty="0"/>
-            <a:t>Product Data</a:t>
-          </a:r>
-          <a:endParaRPr lang="en-US" dirty="0"/>
-        </a:p>
-      </dgm:t>
-    </dgm:pt>
-    <dgm:pt modelId="{0FCD83BD-B56A-3641-80FA-9F2F7EDEB9CE}" type="parTrans" cxnId="{475E8559-CA61-2D47-949D-DEEC27B623CF}">
-      <dgm:prSet/>
-      <dgm:spPr/>
-      <dgm:t>
-        <a:bodyPr/>
-        <a:lstStyle/>
-        <a:p>
-          <a:endParaRPr lang="en-US"/>
-        </a:p>
-      </dgm:t>
-    </dgm:pt>
-    <dgm:pt modelId="{60C8AFAD-30EA-DE4D-AE7E-4F68023FEA90}" type="sibTrans" cxnId="{475E8559-CA61-2D47-949D-DEEC27B623CF}">
-      <dgm:prSet/>
-      <dgm:spPr/>
-      <dgm:t>
-        <a:bodyPr/>
-        <a:lstStyle/>
-        <a:p>
-          <a:endParaRPr lang="en-US"/>
-        </a:p>
-      </dgm:t>
-    </dgm:pt>
-    <dgm:pt modelId="{8955FDFF-DB1E-4B41-9949-777FCEF1328B}">
-      <dgm:prSet phldrT="[Text]"/>
-      <dgm:spPr/>
-      <dgm:t>
-        <a:bodyPr/>
-        <a:lstStyle/>
-        <a:p>
-          <a:r>
-            <a:rPr lang="en-CA" b="0" dirty="0"/>
-            <a:t>LLM Processor</a:t>
-          </a:r>
-          <a:endParaRPr lang="en-US" dirty="0"/>
-        </a:p>
-      </dgm:t>
-    </dgm:pt>
-    <dgm:pt modelId="{DB11307A-6B10-BE4A-B79B-C3D710952024}" type="parTrans" cxnId="{22BEEA2C-D5C9-614E-91E8-CD2145B120F9}">
-      <dgm:prSet/>
-      <dgm:spPr/>
-      <dgm:t>
-        <a:bodyPr/>
-        <a:lstStyle/>
-        <a:p>
-          <a:endParaRPr lang="en-US"/>
-        </a:p>
-      </dgm:t>
-    </dgm:pt>
-    <dgm:pt modelId="{27ABB5D3-E224-254B-B0DE-F202DCF443A2}" type="sibTrans" cxnId="{22BEEA2C-D5C9-614E-91E8-CD2145B120F9}">
-      <dgm:prSet/>
-      <dgm:spPr/>
-      <dgm:t>
-        <a:bodyPr/>
-        <a:lstStyle/>
-        <a:p>
-          <a:endParaRPr lang="en-US"/>
-        </a:p>
-      </dgm:t>
-    </dgm:pt>
-    <dgm:pt modelId="{3E0DB174-E07E-354B-BC1C-53065DAADA77}">
-      <dgm:prSet phldrT="[Text]"/>
-      <dgm:spPr/>
-      <dgm:t>
-        <a:bodyPr/>
-        <a:lstStyle/>
-        <a:p>
-          <a:r>
-            <a:rPr lang="en-CA" b="0" dirty="0" err="1"/>
-            <a:t>FastAPI</a:t>
-          </a:r>
-          <a:r>
-            <a:rPr lang="en-CA" b="0" dirty="0"/>
-            <a:t>\</a:t>
-          </a:r>
-          <a:r>
-            <a:rPr lang="en-CA" b="0" dirty="0" err="1"/>
-            <a:t>nREST</a:t>
-          </a:r>
-          <a:r>
-            <a:rPr lang="en-CA" b="0" dirty="0"/>
-            <a:t> Endpoints</a:t>
-          </a:r>
-          <a:endParaRPr lang="en-US" dirty="0"/>
-        </a:p>
-      </dgm:t>
-    </dgm:pt>
-    <dgm:pt modelId="{E455BE1B-2CD3-C14E-85D7-5F3EEB7FA6C4}" type="parTrans" cxnId="{AE85F4B7-7985-9C46-9D46-F2748F500523}">
-      <dgm:prSet/>
-      <dgm:spPr/>
-      <dgm:t>
-        <a:bodyPr/>
-        <a:lstStyle/>
-        <a:p>
-          <a:endParaRPr lang="en-US"/>
-        </a:p>
-      </dgm:t>
-    </dgm:pt>
-    <dgm:pt modelId="{A78476BC-9DEE-D047-8858-64459EFB040D}" type="sibTrans" cxnId="{AE85F4B7-7985-9C46-9D46-F2748F500523}">
-      <dgm:prSet/>
-      <dgm:spPr>
-        <a:solidFill>
-          <a:schemeClr val="accent1">
-            <a:tint val="60000"/>
-            <a:hueOff val="0"/>
-            <a:satOff val="0"/>
-            <a:lumOff val="0"/>
-            <a:alpha val="0"/>
-          </a:schemeClr>
-        </a:solidFill>
-      </dgm:spPr>
-      <dgm:t>
-        <a:bodyPr/>
-        <a:lstStyle/>
-        <a:p>
-          <a:endParaRPr lang="en-US"/>
-        </a:p>
-      </dgm:t>
-    </dgm:pt>
-    <dgm:pt modelId="{8850F454-5D9F-CD43-80EC-BE73AFC761B5}">
-      <dgm:prSet phldrT="[Text]" phldr="1"/>
-      <dgm:spPr/>
-      <dgm:t>
-        <a:bodyPr/>
-        <a:lstStyle/>
-        <a:p>
-          <a:endParaRPr lang="en-US" dirty="0"/>
-        </a:p>
-      </dgm:t>
-    </dgm:pt>
-    <dgm:pt modelId="{F1672D2E-E261-6042-8123-163EF1EBD7CE}" type="parTrans" cxnId="{1ED97195-92EA-BD49-B323-4CF81B154C24}">
-      <dgm:prSet/>
-      <dgm:spPr/>
-      <dgm:t>
-        <a:bodyPr/>
-        <a:lstStyle/>
-        <a:p>
-          <a:endParaRPr lang="en-US"/>
-        </a:p>
-      </dgm:t>
-    </dgm:pt>
-    <dgm:pt modelId="{7286B088-DD81-AF49-B7A3-14748BBC4742}" type="sibTrans" cxnId="{1ED97195-92EA-BD49-B323-4CF81B154C24}">
-      <dgm:prSet/>
-      <dgm:spPr/>
-      <dgm:t>
-        <a:bodyPr/>
-        <a:lstStyle/>
-        <a:p>
-          <a:endParaRPr lang="en-US"/>
-        </a:p>
-      </dgm:t>
-    </dgm:pt>
-    <dgm:pt modelId="{B4E7B64D-A229-374D-8E35-F0C7C7D800FA}">
-      <dgm:prSet phldrT="[Text]" phldr="1"/>
-      <dgm:spPr/>
-      <dgm:t>
-        <a:bodyPr/>
-        <a:lstStyle/>
-        <a:p>
-          <a:endParaRPr lang="en-US" dirty="0"/>
-        </a:p>
-      </dgm:t>
-    </dgm:pt>
-    <dgm:pt modelId="{CAC03072-76A1-A048-9245-1113673CD0C7}" type="parTrans" cxnId="{C2A8DF6D-28CA-EC49-AA7E-FF1FAC414DFD}">
-      <dgm:prSet/>
-      <dgm:spPr/>
-      <dgm:t>
-        <a:bodyPr/>
-        <a:lstStyle/>
-        <a:p>
-          <a:endParaRPr lang="en-US"/>
-        </a:p>
-      </dgm:t>
-    </dgm:pt>
-    <dgm:pt modelId="{25A93479-7103-0546-AE30-8185474F3789}" type="sibTrans" cxnId="{C2A8DF6D-28CA-EC49-AA7E-FF1FAC414DFD}">
-      <dgm:prSet/>
-      <dgm:spPr/>
-      <dgm:t>
-        <a:bodyPr/>
-        <a:lstStyle/>
-        <a:p>
-          <a:endParaRPr lang="en-US"/>
-        </a:p>
-      </dgm:t>
-    </dgm:pt>
-    <dgm:pt modelId="{64A197E5-D66A-B747-ABD8-A5BDB4D0AD2F}">
-      <dgm:prSet phldrT="[Text]" phldr="1"/>
-      <dgm:spPr/>
-      <dgm:t>
-        <a:bodyPr/>
-        <a:lstStyle/>
-        <a:p>
-          <a:endParaRPr lang="en-US" dirty="0"/>
-        </a:p>
-      </dgm:t>
-    </dgm:pt>
-    <dgm:pt modelId="{FD9153CE-1C02-2141-B267-330414B9EC4C}" type="parTrans" cxnId="{9FEC0197-5F26-854D-B9D7-CFDCB70AC28A}">
-      <dgm:prSet/>
-      <dgm:spPr/>
-      <dgm:t>
-        <a:bodyPr/>
-        <a:lstStyle/>
-        <a:p>
-          <a:endParaRPr lang="en-US"/>
-        </a:p>
-      </dgm:t>
-    </dgm:pt>
-    <dgm:pt modelId="{4230FD72-96D7-534E-B33A-5118618C69AB}" type="sibTrans" cxnId="{9FEC0197-5F26-854D-B9D7-CFDCB70AC28A}">
-      <dgm:prSet/>
-      <dgm:spPr/>
-      <dgm:t>
-        <a:bodyPr/>
-        <a:lstStyle/>
-        <a:p>
-          <a:endParaRPr lang="en-US"/>
-        </a:p>
-      </dgm:t>
-    </dgm:pt>
-    <dgm:pt modelId="{CE8F0E2C-161F-FB47-BFB7-32552CBD5524}">
-      <dgm:prSet phldrT="[Text]" phldr="1"/>
-      <dgm:spPr/>
-      <dgm:t>
-        <a:bodyPr/>
-        <a:lstStyle/>
-        <a:p>
-          <a:endParaRPr lang="en-US" dirty="0"/>
-        </a:p>
-      </dgm:t>
-    </dgm:pt>
-    <dgm:pt modelId="{A566F2E2-8894-EC4F-B74F-9A6A958A4627}" type="parTrans" cxnId="{5732C590-861C-4947-A31F-A66C5EFFEC7B}">
-      <dgm:prSet/>
-      <dgm:spPr/>
-      <dgm:t>
-        <a:bodyPr/>
-        <a:lstStyle/>
-        <a:p>
-          <a:endParaRPr lang="en-US"/>
-        </a:p>
-      </dgm:t>
-    </dgm:pt>
-    <dgm:pt modelId="{C607C9AE-CA76-D645-8D52-C0488B52E1B2}" type="sibTrans" cxnId="{5732C590-861C-4947-A31F-A66C5EFFEC7B}">
-      <dgm:prSet/>
-      <dgm:spPr/>
-      <dgm:t>
-        <a:bodyPr/>
-        <a:lstStyle/>
-        <a:p>
-          <a:endParaRPr lang="en-US"/>
-        </a:p>
-      </dgm:t>
-    </dgm:pt>
-    <dgm:pt modelId="{27723EBF-C9A4-084A-AD25-6D7ACE4ECA98}">
-      <dgm:prSet phldrT="[Text]" phldr="1"/>
-      <dgm:spPr/>
-      <dgm:t>
-        <a:bodyPr/>
-        <a:lstStyle/>
-        <a:p>
-          <a:endParaRPr lang="en-US" dirty="0"/>
-        </a:p>
-      </dgm:t>
-    </dgm:pt>
-    <dgm:pt modelId="{F99091D0-7F6A-EC4A-88FA-F1EE6B05010A}" type="parTrans" cxnId="{A9467E91-4B19-3446-B3F0-E7CEBB0FB7CD}">
-      <dgm:prSet/>
-      <dgm:spPr/>
-      <dgm:t>
-        <a:bodyPr/>
-        <a:lstStyle/>
-        <a:p>
-          <a:endParaRPr lang="en-US"/>
-        </a:p>
-      </dgm:t>
-    </dgm:pt>
-    <dgm:pt modelId="{3AF05A44-F591-6C4E-8A4A-2C9BDA5FF23E}" type="sibTrans" cxnId="{A9467E91-4B19-3446-B3F0-E7CEBB0FB7CD}">
-      <dgm:prSet/>
-      <dgm:spPr/>
-      <dgm:t>
-        <a:bodyPr/>
-        <a:lstStyle/>
-        <a:p>
-          <a:endParaRPr lang="en-US"/>
-        </a:p>
-      </dgm:t>
-    </dgm:pt>
-    <dgm:pt modelId="{43F22897-82F6-A84D-BE76-ECA489BD80CC}">
-      <dgm:prSet/>
-      <dgm:spPr/>
-      <dgm:t>
-        <a:bodyPr/>
-        <a:lstStyle/>
-        <a:p>
-          <a:endParaRPr lang="en-US" dirty="0"/>
-        </a:p>
-      </dgm:t>
-    </dgm:pt>
-    <dgm:pt modelId="{C5DC3E4B-98DA-934F-8841-C6D53FD3897A}" type="parTrans" cxnId="{316CF953-040F-8841-9C07-FAFE5373D683}">
-      <dgm:prSet/>
-      <dgm:spPr/>
-      <dgm:t>
-        <a:bodyPr/>
-        <a:lstStyle/>
-        <a:p>
-          <a:endParaRPr lang="en-US"/>
-        </a:p>
-      </dgm:t>
-    </dgm:pt>
-    <dgm:pt modelId="{D2C29003-0E3D-1246-9F92-48151A4EB4FF}" type="sibTrans" cxnId="{316CF953-040F-8841-9C07-FAFE5373D683}">
-      <dgm:prSet/>
-      <dgm:spPr/>
-      <dgm:t>
-        <a:bodyPr/>
-        <a:lstStyle/>
-        <a:p>
-          <a:endParaRPr lang="en-US"/>
-        </a:p>
-      </dgm:t>
-    </dgm:pt>
-    <dgm:pt modelId="{1FC147C8-F35C-9E43-A6DF-13961EC8A761}">
-      <dgm:prSet/>
-      <dgm:spPr/>
-      <dgm:t>
-        <a:bodyPr/>
-        <a:lstStyle/>
-        <a:p>
-          <a:endParaRPr lang="en-US" dirty="0"/>
-        </a:p>
-      </dgm:t>
-    </dgm:pt>
-    <dgm:pt modelId="{123EA0E6-B0BB-0945-9B6F-238692233413}" type="parTrans" cxnId="{3CA42672-1DA4-5D43-9D1D-8C6F97C46DCA}">
-      <dgm:prSet/>
-      <dgm:spPr/>
-      <dgm:t>
-        <a:bodyPr/>
-        <a:lstStyle/>
-        <a:p>
-          <a:endParaRPr lang="en-US"/>
-        </a:p>
-      </dgm:t>
-    </dgm:pt>
-    <dgm:pt modelId="{2035F12C-C3B0-9F41-BF1D-81C4FACB5630}" type="sibTrans" cxnId="{3CA42672-1DA4-5D43-9D1D-8C6F97C46DCA}">
-      <dgm:prSet/>
-      <dgm:spPr/>
-      <dgm:t>
-        <a:bodyPr/>
-        <a:lstStyle/>
-        <a:p>
-          <a:endParaRPr lang="en-US"/>
-        </a:p>
-      </dgm:t>
-    </dgm:pt>
-    <dgm:pt modelId="{F7B33FE2-BF92-D640-802D-C38F118A709B}">
-      <dgm:prSet/>
-      <dgm:spPr/>
-      <dgm:t>
-        <a:bodyPr/>
-        <a:lstStyle/>
-        <a:p>
-          <a:endParaRPr lang="en-US" dirty="0"/>
-        </a:p>
-      </dgm:t>
-    </dgm:pt>
-    <dgm:pt modelId="{A41BCF4F-A007-5749-B546-628D5A7DF4CE}" type="parTrans" cxnId="{539EBB2E-DF3A-9A4F-9B2A-7FB23372725D}">
-      <dgm:prSet/>
-      <dgm:spPr/>
-      <dgm:t>
-        <a:bodyPr/>
-        <a:lstStyle/>
-        <a:p>
-          <a:endParaRPr lang="en-US"/>
-        </a:p>
-      </dgm:t>
-    </dgm:pt>
-    <dgm:pt modelId="{E38DDAC0-B186-D64D-BBFF-41F4F74E1F11}" type="sibTrans" cxnId="{539EBB2E-DF3A-9A4F-9B2A-7FB23372725D}">
-      <dgm:prSet/>
-      <dgm:spPr/>
-      <dgm:t>
-        <a:bodyPr/>
-        <a:lstStyle/>
-        <a:p>
-          <a:endParaRPr lang="en-US"/>
-        </a:p>
-      </dgm:t>
-    </dgm:pt>
-    <dgm:pt modelId="{FE1B2F30-60F8-0E44-BBC2-6CE044ABAA42}" type="pres">
-      <dgm:prSet presAssocID="{995E4B59-CED0-544D-A093-F4E09CFA17D5}" presName="Name0" presStyleCnt="0">
-        <dgm:presLayoutVars>
-          <dgm:dir/>
-          <dgm:resizeHandles/>
-        </dgm:presLayoutVars>
-      </dgm:prSet>
-      <dgm:spPr/>
-    </dgm:pt>
-    <dgm:pt modelId="{4D33C864-4AC4-A141-9A20-9E4595DC26CE}" type="pres">
-      <dgm:prSet presAssocID="{BB157FEC-451C-E248-BF34-693F091F5238}" presName="compNode" presStyleCnt="0"/>
-      <dgm:spPr/>
-    </dgm:pt>
-    <dgm:pt modelId="{BAFD7C60-476A-904C-97DC-807EAC360382}" type="pres">
-      <dgm:prSet presAssocID="{BB157FEC-451C-E248-BF34-693F091F5238}" presName="dummyConnPt" presStyleCnt="0"/>
-      <dgm:spPr/>
-    </dgm:pt>
-    <dgm:pt modelId="{3A68B527-8C11-9A4A-B091-2A55FB930CFE}" type="pres">
-      <dgm:prSet presAssocID="{BB157FEC-451C-E248-BF34-693F091F5238}" presName="node" presStyleLbl="node1" presStyleIdx="0" presStyleCnt="12">
-        <dgm:presLayoutVars>
-          <dgm:bulletEnabled val="1"/>
-        </dgm:presLayoutVars>
-      </dgm:prSet>
-      <dgm:spPr/>
-    </dgm:pt>
-    <dgm:pt modelId="{CA36C76D-ED4B-CB44-A93D-94360E7CF03D}" type="pres">
-      <dgm:prSet presAssocID="{EEFD6170-6F5D-5B44-8077-4801816EEE8C}" presName="sibTrans" presStyleLbl="bgSibTrans2D1" presStyleIdx="0" presStyleCnt="11"/>
-      <dgm:spPr/>
-    </dgm:pt>
-    <dgm:pt modelId="{0E25E37B-7AED-5949-8C1E-ACCF87E8CCB5}" type="pres">
-      <dgm:prSet presAssocID="{A9E90486-4DDE-7C48-A211-ED355243E008}" presName="compNode" presStyleCnt="0"/>
-      <dgm:spPr/>
-    </dgm:pt>
-    <dgm:pt modelId="{78E2347F-1AFC-F945-BBD0-4D677A1F4E17}" type="pres">
-      <dgm:prSet presAssocID="{A9E90486-4DDE-7C48-A211-ED355243E008}" presName="dummyConnPt" presStyleCnt="0"/>
-      <dgm:spPr/>
-    </dgm:pt>
-    <dgm:pt modelId="{59A5F9D2-7948-1643-B5D2-D11B95FCAA62}" type="pres">
-      <dgm:prSet presAssocID="{A9E90486-4DDE-7C48-A211-ED355243E008}" presName="node" presStyleLbl="node1" presStyleIdx="1" presStyleCnt="12">
-        <dgm:presLayoutVars>
-          <dgm:bulletEnabled val="1"/>
-        </dgm:presLayoutVars>
-      </dgm:prSet>
-      <dgm:spPr/>
-    </dgm:pt>
-    <dgm:pt modelId="{2C101C19-46FF-5D46-B9B6-F44E4661EFFC}" type="pres">
-      <dgm:prSet presAssocID="{60C8AFAD-30EA-DE4D-AE7E-4F68023FEA90}" presName="sibTrans" presStyleLbl="bgSibTrans2D1" presStyleIdx="1" presStyleCnt="11"/>
-      <dgm:spPr/>
-    </dgm:pt>
-    <dgm:pt modelId="{0980EF03-0A7E-7048-9F82-1CA26CAE0623}" type="pres">
-      <dgm:prSet presAssocID="{8955FDFF-DB1E-4B41-9949-777FCEF1328B}" presName="compNode" presStyleCnt="0"/>
-      <dgm:spPr/>
-    </dgm:pt>
-    <dgm:pt modelId="{EA7C6C63-009C-F14D-BB0A-80D1DCDCBE14}" type="pres">
-      <dgm:prSet presAssocID="{8955FDFF-DB1E-4B41-9949-777FCEF1328B}" presName="dummyConnPt" presStyleCnt="0"/>
-      <dgm:spPr/>
-    </dgm:pt>
-    <dgm:pt modelId="{A81CA471-20AA-FF48-987E-BB9A0C139891}" type="pres">
-      <dgm:prSet presAssocID="{8955FDFF-DB1E-4B41-9949-777FCEF1328B}" presName="node" presStyleLbl="node1" presStyleIdx="2" presStyleCnt="12">
-        <dgm:presLayoutVars>
-          <dgm:bulletEnabled val="1"/>
-        </dgm:presLayoutVars>
-      </dgm:prSet>
-      <dgm:spPr/>
-    </dgm:pt>
-    <dgm:pt modelId="{56085650-A495-B94E-9D7B-5623B62646BD}" type="pres">
-      <dgm:prSet presAssocID="{27ABB5D3-E224-254B-B0DE-F202DCF443A2}" presName="sibTrans" presStyleLbl="bgSibTrans2D1" presStyleIdx="2" presStyleCnt="11"/>
-      <dgm:spPr/>
-    </dgm:pt>
-    <dgm:pt modelId="{53231FBD-8E52-8048-AC27-88C853C57077}" type="pres">
-      <dgm:prSet presAssocID="{3E0DB174-E07E-354B-BC1C-53065DAADA77}" presName="compNode" presStyleCnt="0"/>
-      <dgm:spPr/>
-    </dgm:pt>
-    <dgm:pt modelId="{48860922-1B9D-9A4D-8B17-7D0658E7D05F}" type="pres">
-      <dgm:prSet presAssocID="{3E0DB174-E07E-354B-BC1C-53065DAADA77}" presName="dummyConnPt" presStyleCnt="0"/>
-      <dgm:spPr/>
-    </dgm:pt>
-    <dgm:pt modelId="{D97711AE-0199-9949-B51B-5CA0662561BD}" type="pres">
-      <dgm:prSet presAssocID="{3E0DB174-E07E-354B-BC1C-53065DAADA77}" presName="node" presStyleLbl="node1" presStyleIdx="3" presStyleCnt="12">
-        <dgm:presLayoutVars>
-          <dgm:bulletEnabled val="1"/>
-        </dgm:presLayoutVars>
-      </dgm:prSet>
-      <dgm:spPr/>
-    </dgm:pt>
-    <dgm:pt modelId="{41C40777-05C0-D24D-9826-992BCFB7D103}" type="pres">
-      <dgm:prSet presAssocID="{A78476BC-9DEE-D047-8858-64459EFB040D}" presName="sibTrans" presStyleLbl="bgSibTrans2D1" presStyleIdx="3" presStyleCnt="11" custLinFactX="111112" custLinFactY="-900000" custLinFactNeighborX="200000" custLinFactNeighborY="-947824"/>
-      <dgm:spPr>
-        <a:prstGeom prst="upDownArrow">
-          <a:avLst/>
-        </a:prstGeom>
-      </dgm:spPr>
-    </dgm:pt>
-    <dgm:pt modelId="{24E5ECBC-4819-104E-AC0A-923C778387EF}" type="pres">
-      <dgm:prSet presAssocID="{8850F454-5D9F-CD43-80EC-BE73AFC761B5}" presName="compNode" presStyleCnt="0"/>
-      <dgm:spPr/>
-    </dgm:pt>
-    <dgm:pt modelId="{211F63FE-D341-1846-BC9F-3080C781EF17}" type="pres">
-      <dgm:prSet presAssocID="{8850F454-5D9F-CD43-80EC-BE73AFC761B5}" presName="dummyConnPt" presStyleCnt="0"/>
-      <dgm:spPr/>
-    </dgm:pt>
-    <dgm:pt modelId="{DC1F194B-4A5D-E844-8934-365C02ED1E0B}" type="pres">
-      <dgm:prSet presAssocID="{8850F454-5D9F-CD43-80EC-BE73AFC761B5}" presName="node" presStyleLbl="node1" presStyleIdx="4" presStyleCnt="12">
-        <dgm:presLayoutVars>
-          <dgm:bulletEnabled val="1"/>
-        </dgm:presLayoutVars>
-      </dgm:prSet>
-      <dgm:spPr/>
-    </dgm:pt>
-    <dgm:pt modelId="{B2E754F7-5ABB-3148-A0F9-C5B301C9BCDE}" type="pres">
-      <dgm:prSet presAssocID="{7286B088-DD81-AF49-B7A3-14748BBC4742}" presName="sibTrans" presStyleLbl="bgSibTrans2D1" presStyleIdx="4" presStyleCnt="11"/>
-      <dgm:spPr/>
-    </dgm:pt>
-    <dgm:pt modelId="{FE26927B-4B75-EB4A-A232-67EBD765B566}" type="pres">
-      <dgm:prSet presAssocID="{B4E7B64D-A229-374D-8E35-F0C7C7D800FA}" presName="compNode" presStyleCnt="0"/>
-      <dgm:spPr/>
-    </dgm:pt>
-    <dgm:pt modelId="{1FBFD4CF-A129-2D49-8FE2-32DB412F89BB}" type="pres">
-      <dgm:prSet presAssocID="{B4E7B64D-A229-374D-8E35-F0C7C7D800FA}" presName="dummyConnPt" presStyleCnt="0"/>
-      <dgm:spPr/>
-    </dgm:pt>
-    <dgm:pt modelId="{D3B38B25-FFBD-B041-9149-CFDA88060905}" type="pres">
-      <dgm:prSet presAssocID="{B4E7B64D-A229-374D-8E35-F0C7C7D800FA}" presName="node" presStyleLbl="node1" presStyleIdx="5" presStyleCnt="12">
-        <dgm:presLayoutVars>
-          <dgm:bulletEnabled val="1"/>
-        </dgm:presLayoutVars>
-      </dgm:prSet>
-      <dgm:spPr/>
-    </dgm:pt>
-    <dgm:pt modelId="{2A5B09BD-AA13-1F45-A24D-952F329EF60F}" type="pres">
-      <dgm:prSet presAssocID="{25A93479-7103-0546-AE30-8185474F3789}" presName="sibTrans" presStyleLbl="bgSibTrans2D1" presStyleIdx="5" presStyleCnt="11"/>
-      <dgm:spPr/>
-    </dgm:pt>
-    <dgm:pt modelId="{308CF390-0E33-684D-9C56-6EE0B5853267}" type="pres">
-      <dgm:prSet presAssocID="{64A197E5-D66A-B747-ABD8-A5BDB4D0AD2F}" presName="compNode" presStyleCnt="0"/>
-      <dgm:spPr/>
-    </dgm:pt>
-    <dgm:pt modelId="{C16546B7-6952-6A48-8A32-D5DDC7E50710}" type="pres">
-      <dgm:prSet presAssocID="{64A197E5-D66A-B747-ABD8-A5BDB4D0AD2F}" presName="dummyConnPt" presStyleCnt="0"/>
-      <dgm:spPr/>
-    </dgm:pt>
-    <dgm:pt modelId="{77BF5ACA-605A-2D4E-8288-64CEE6B24AED}" type="pres">
-      <dgm:prSet presAssocID="{64A197E5-D66A-B747-ABD8-A5BDB4D0AD2F}" presName="node" presStyleLbl="node1" presStyleIdx="6" presStyleCnt="12">
-        <dgm:presLayoutVars>
-          <dgm:bulletEnabled val="1"/>
-        </dgm:presLayoutVars>
-      </dgm:prSet>
-      <dgm:spPr/>
-    </dgm:pt>
-    <dgm:pt modelId="{8A099122-4081-6D41-A5ED-A374F89E354C}" type="pres">
-      <dgm:prSet presAssocID="{4230FD72-96D7-534E-B33A-5118618C69AB}" presName="sibTrans" presStyleLbl="bgSibTrans2D1" presStyleIdx="6" presStyleCnt="11"/>
-      <dgm:spPr/>
-    </dgm:pt>
-    <dgm:pt modelId="{3BC54E34-06DF-534B-8AE7-37D187804A13}" type="pres">
-      <dgm:prSet presAssocID="{CE8F0E2C-161F-FB47-BFB7-32552CBD5524}" presName="compNode" presStyleCnt="0"/>
-      <dgm:spPr/>
-    </dgm:pt>
-    <dgm:pt modelId="{B62B9DD4-8D46-5D42-8A22-E218088F0EE5}" type="pres">
-      <dgm:prSet presAssocID="{CE8F0E2C-161F-FB47-BFB7-32552CBD5524}" presName="dummyConnPt" presStyleCnt="0"/>
-      <dgm:spPr/>
-    </dgm:pt>
-    <dgm:pt modelId="{E30F42A2-ECF0-1542-B244-4BE836759B03}" type="pres">
-      <dgm:prSet presAssocID="{CE8F0E2C-161F-FB47-BFB7-32552CBD5524}" presName="node" presStyleLbl="node1" presStyleIdx="7" presStyleCnt="12">
-        <dgm:presLayoutVars>
-          <dgm:bulletEnabled val="1"/>
-        </dgm:presLayoutVars>
-      </dgm:prSet>
-      <dgm:spPr/>
-    </dgm:pt>
-    <dgm:pt modelId="{14BB4830-DBD7-BA4C-BC0E-E3771B8FC880}" type="pres">
-      <dgm:prSet presAssocID="{C607C9AE-CA76-D645-8D52-C0488B52E1B2}" presName="sibTrans" presStyleLbl="bgSibTrans2D1" presStyleIdx="7" presStyleCnt="11"/>
-      <dgm:spPr/>
-    </dgm:pt>
-    <dgm:pt modelId="{8C0C6993-F271-3749-9860-93C76CCCCA4F}" type="pres">
-      <dgm:prSet presAssocID="{27723EBF-C9A4-084A-AD25-6D7ACE4ECA98}" presName="compNode" presStyleCnt="0"/>
-      <dgm:spPr/>
-    </dgm:pt>
-    <dgm:pt modelId="{D1B08FF2-4E1E-B347-A3A0-22CE92F779A6}" type="pres">
-      <dgm:prSet presAssocID="{27723EBF-C9A4-084A-AD25-6D7ACE4ECA98}" presName="dummyConnPt" presStyleCnt="0"/>
-      <dgm:spPr/>
-    </dgm:pt>
-    <dgm:pt modelId="{E33B10F8-E1A9-B54A-9B5A-BBA9A1168ECA}" type="pres">
-      <dgm:prSet presAssocID="{27723EBF-C9A4-084A-AD25-6D7ACE4ECA98}" presName="node" presStyleLbl="node1" presStyleIdx="8" presStyleCnt="12" custLinFactNeighborY="1368">
-        <dgm:presLayoutVars>
-          <dgm:bulletEnabled val="1"/>
-        </dgm:presLayoutVars>
-      </dgm:prSet>
-      <dgm:spPr/>
-    </dgm:pt>
-    <dgm:pt modelId="{FF1352D4-ADF7-0240-92F6-4BEE30FF694D}" type="pres">
-      <dgm:prSet presAssocID="{3AF05A44-F591-6C4E-8A4A-2C9BDA5FF23E}" presName="sibTrans" presStyleLbl="bgSibTrans2D1" presStyleIdx="8" presStyleCnt="11"/>
-      <dgm:spPr/>
-    </dgm:pt>
-    <dgm:pt modelId="{C6D4B839-AC4D-0544-85CA-45B353C3D7BC}" type="pres">
-      <dgm:prSet presAssocID="{43F22897-82F6-A84D-BE76-ECA489BD80CC}" presName="compNode" presStyleCnt="0"/>
-      <dgm:spPr/>
-    </dgm:pt>
-    <dgm:pt modelId="{B38803CA-A9FD-E843-B79D-325C085491E2}" type="pres">
-      <dgm:prSet presAssocID="{43F22897-82F6-A84D-BE76-ECA489BD80CC}" presName="dummyConnPt" presStyleCnt="0"/>
-      <dgm:spPr/>
-    </dgm:pt>
-    <dgm:pt modelId="{2C4ADBDC-5CF7-3C40-8FC1-F4DDB277AC71}" type="pres">
-      <dgm:prSet presAssocID="{43F22897-82F6-A84D-BE76-ECA489BD80CC}" presName="node" presStyleLbl="node1" presStyleIdx="9" presStyleCnt="12">
-        <dgm:presLayoutVars>
-          <dgm:bulletEnabled val="1"/>
-        </dgm:presLayoutVars>
-      </dgm:prSet>
-      <dgm:spPr/>
-    </dgm:pt>
-    <dgm:pt modelId="{00864C02-C94B-9845-9473-CF8DB6AB0F07}" type="pres">
-      <dgm:prSet presAssocID="{D2C29003-0E3D-1246-9F92-48151A4EB4FF}" presName="sibTrans" presStyleLbl="bgSibTrans2D1" presStyleIdx="9" presStyleCnt="11"/>
-      <dgm:spPr/>
-    </dgm:pt>
-    <dgm:pt modelId="{65D78BD1-20EE-B54A-BF44-74316AFFF02A}" type="pres">
-      <dgm:prSet presAssocID="{1FC147C8-F35C-9E43-A6DF-13961EC8A761}" presName="compNode" presStyleCnt="0"/>
-      <dgm:spPr/>
-    </dgm:pt>
-    <dgm:pt modelId="{8860696A-BD3B-0649-93E1-1C5E7E8B82F8}" type="pres">
-      <dgm:prSet presAssocID="{1FC147C8-F35C-9E43-A6DF-13961EC8A761}" presName="dummyConnPt" presStyleCnt="0"/>
-      <dgm:spPr/>
-    </dgm:pt>
-    <dgm:pt modelId="{DCEDF309-7F35-1342-A063-667F18B18430}" type="pres">
-      <dgm:prSet presAssocID="{1FC147C8-F35C-9E43-A6DF-13961EC8A761}" presName="node" presStyleLbl="node1" presStyleIdx="10" presStyleCnt="12">
-        <dgm:presLayoutVars>
-          <dgm:bulletEnabled val="1"/>
-        </dgm:presLayoutVars>
-      </dgm:prSet>
-      <dgm:spPr/>
-    </dgm:pt>
-    <dgm:pt modelId="{15B1577B-B08A-3D43-A9DC-C945E3804E11}" type="pres">
-      <dgm:prSet presAssocID="{2035F12C-C3B0-9F41-BF1D-81C4FACB5630}" presName="sibTrans" presStyleLbl="bgSibTrans2D1" presStyleIdx="10" presStyleCnt="11"/>
-      <dgm:spPr/>
-    </dgm:pt>
-    <dgm:pt modelId="{E6372991-C664-0145-81BB-72EFB4DF7573}" type="pres">
-      <dgm:prSet presAssocID="{F7B33FE2-BF92-D640-802D-C38F118A709B}" presName="compNode" presStyleCnt="0"/>
-      <dgm:spPr/>
-    </dgm:pt>
-    <dgm:pt modelId="{F9D0BD33-6917-094B-9664-78CFE10E449C}" type="pres">
-      <dgm:prSet presAssocID="{F7B33FE2-BF92-D640-802D-C38F118A709B}" presName="dummyConnPt" presStyleCnt="0"/>
-      <dgm:spPr/>
-    </dgm:pt>
-    <dgm:pt modelId="{44595E4D-9A1F-BA45-85D1-E66B3A8B5FC4}" type="pres">
-      <dgm:prSet presAssocID="{F7B33FE2-BF92-D640-802D-C38F118A709B}" presName="node" presStyleLbl="node1" presStyleIdx="11" presStyleCnt="12">
-        <dgm:presLayoutVars>
-          <dgm:bulletEnabled val="1"/>
-        </dgm:presLayoutVars>
-      </dgm:prSet>
-      <dgm:spPr/>
-    </dgm:pt>
-  </dgm:ptLst>
-  <dgm:cxnLst>
-    <dgm:cxn modelId="{CA1B7400-5F29-B440-9B1F-620C2A3CA45D}" type="presOf" srcId="{A9E90486-4DDE-7C48-A211-ED355243E008}" destId="{59A5F9D2-7948-1643-B5D2-D11B95FCAA62}" srcOrd="0" destOrd="0" presId="urn:microsoft.com/office/officeart/2005/8/layout/bProcess4"/>
-    <dgm:cxn modelId="{49C8E405-06EE-FB4C-B4BE-F15FF6FA9B40}" type="presOf" srcId="{C607C9AE-CA76-D645-8D52-C0488B52E1B2}" destId="{14BB4830-DBD7-BA4C-BC0E-E3771B8FC880}" srcOrd="0" destOrd="0" presId="urn:microsoft.com/office/officeart/2005/8/layout/bProcess4"/>
-    <dgm:cxn modelId="{B9500106-DC26-BF4E-9E2A-D6681E1F0C96}" type="presOf" srcId="{7286B088-DD81-AF49-B7A3-14748BBC4742}" destId="{B2E754F7-5ABB-3148-A0F9-C5B301C9BCDE}" srcOrd="0" destOrd="0" presId="urn:microsoft.com/office/officeart/2005/8/layout/bProcess4"/>
-    <dgm:cxn modelId="{3EB3EA07-5D48-154A-9891-9D21B9E5C28E}" type="presOf" srcId="{27723EBF-C9A4-084A-AD25-6D7ACE4ECA98}" destId="{E33B10F8-E1A9-B54A-9B5A-BBA9A1168ECA}" srcOrd="0" destOrd="0" presId="urn:microsoft.com/office/officeart/2005/8/layout/bProcess4"/>
-    <dgm:cxn modelId="{D9D08F0D-2FA5-034C-8243-53FC2C64237A}" type="presOf" srcId="{64A197E5-D66A-B747-ABD8-A5BDB4D0AD2F}" destId="{77BF5ACA-605A-2D4E-8288-64CEE6B24AED}" srcOrd="0" destOrd="0" presId="urn:microsoft.com/office/officeart/2005/8/layout/bProcess4"/>
-    <dgm:cxn modelId="{33957E1C-6A42-AC48-8127-1107730003D4}" srcId="{995E4B59-CED0-544D-A093-F4E09CFA17D5}" destId="{BB157FEC-451C-E248-BF34-693F091F5238}" srcOrd="0" destOrd="0" parTransId="{478FB784-E163-AD49-97BC-8AFA3F785BBF}" sibTransId="{EEFD6170-6F5D-5B44-8077-4801816EEE8C}"/>
-    <dgm:cxn modelId="{80DB7026-260C-E244-A4A4-D7AEA9B3BB18}" type="presOf" srcId="{995E4B59-CED0-544D-A093-F4E09CFA17D5}" destId="{FE1B2F30-60F8-0E44-BBC2-6CE044ABAA42}" srcOrd="0" destOrd="0" presId="urn:microsoft.com/office/officeart/2005/8/layout/bProcess4"/>
-    <dgm:cxn modelId="{22BEEA2C-D5C9-614E-91E8-CD2145B120F9}" srcId="{995E4B59-CED0-544D-A093-F4E09CFA17D5}" destId="{8955FDFF-DB1E-4B41-9949-777FCEF1328B}" srcOrd="2" destOrd="0" parTransId="{DB11307A-6B10-BE4A-B79B-C3D710952024}" sibTransId="{27ABB5D3-E224-254B-B0DE-F202DCF443A2}"/>
-    <dgm:cxn modelId="{539EBB2E-DF3A-9A4F-9B2A-7FB23372725D}" srcId="{995E4B59-CED0-544D-A093-F4E09CFA17D5}" destId="{F7B33FE2-BF92-D640-802D-C38F118A709B}" srcOrd="11" destOrd="0" parTransId="{A41BCF4F-A007-5749-B546-628D5A7DF4CE}" sibTransId="{E38DDAC0-B186-D64D-BBFF-41F4F74E1F11}"/>
-    <dgm:cxn modelId="{6D9E1835-834E-4F4C-A246-987E35791456}" type="presOf" srcId="{D2C29003-0E3D-1246-9F92-48151A4EB4FF}" destId="{00864C02-C94B-9845-9473-CF8DB6AB0F07}" srcOrd="0" destOrd="0" presId="urn:microsoft.com/office/officeart/2005/8/layout/bProcess4"/>
-    <dgm:cxn modelId="{316CF953-040F-8841-9C07-FAFE5373D683}" srcId="{995E4B59-CED0-544D-A093-F4E09CFA17D5}" destId="{43F22897-82F6-A84D-BE76-ECA489BD80CC}" srcOrd="9" destOrd="0" parTransId="{C5DC3E4B-98DA-934F-8841-C6D53FD3897A}" sibTransId="{D2C29003-0E3D-1246-9F92-48151A4EB4FF}"/>
-    <dgm:cxn modelId="{475E8559-CA61-2D47-949D-DEEC27B623CF}" srcId="{995E4B59-CED0-544D-A093-F4E09CFA17D5}" destId="{A9E90486-4DDE-7C48-A211-ED355243E008}" srcOrd="1" destOrd="0" parTransId="{0FCD83BD-B56A-3641-80FA-9F2F7EDEB9CE}" sibTransId="{60C8AFAD-30EA-DE4D-AE7E-4F68023FEA90}"/>
-    <dgm:cxn modelId="{52915060-6A46-A34D-AE62-5852BEF84C7D}" type="presOf" srcId="{8955FDFF-DB1E-4B41-9949-777FCEF1328B}" destId="{A81CA471-20AA-FF48-987E-BB9A0C139891}" srcOrd="0" destOrd="0" presId="urn:microsoft.com/office/officeart/2005/8/layout/bProcess4"/>
-    <dgm:cxn modelId="{C2A8DF6D-28CA-EC49-AA7E-FF1FAC414DFD}" srcId="{995E4B59-CED0-544D-A093-F4E09CFA17D5}" destId="{B4E7B64D-A229-374D-8E35-F0C7C7D800FA}" srcOrd="5" destOrd="0" parTransId="{CAC03072-76A1-A048-9245-1113673CD0C7}" sibTransId="{25A93479-7103-0546-AE30-8185474F3789}"/>
-    <dgm:cxn modelId="{3CA42672-1DA4-5D43-9D1D-8C6F97C46DCA}" srcId="{995E4B59-CED0-544D-A093-F4E09CFA17D5}" destId="{1FC147C8-F35C-9E43-A6DF-13961EC8A761}" srcOrd="10" destOrd="0" parTransId="{123EA0E6-B0BB-0945-9B6F-238692233413}" sibTransId="{2035F12C-C3B0-9F41-BF1D-81C4FACB5630}"/>
-    <dgm:cxn modelId="{63AF7879-E916-544E-B6BC-7594CD229BAC}" type="presOf" srcId="{8850F454-5D9F-CD43-80EC-BE73AFC761B5}" destId="{DC1F194B-4A5D-E844-8934-365C02ED1E0B}" srcOrd="0" destOrd="0" presId="urn:microsoft.com/office/officeart/2005/8/layout/bProcess4"/>
-    <dgm:cxn modelId="{D4C64089-7F2B-D245-8056-148C4E197F9E}" type="presOf" srcId="{25A93479-7103-0546-AE30-8185474F3789}" destId="{2A5B09BD-AA13-1F45-A24D-952F329EF60F}" srcOrd="0" destOrd="0" presId="urn:microsoft.com/office/officeart/2005/8/layout/bProcess4"/>
-    <dgm:cxn modelId="{5732C590-861C-4947-A31F-A66C5EFFEC7B}" srcId="{995E4B59-CED0-544D-A093-F4E09CFA17D5}" destId="{CE8F0E2C-161F-FB47-BFB7-32552CBD5524}" srcOrd="7" destOrd="0" parTransId="{A566F2E2-8894-EC4F-B74F-9A6A958A4627}" sibTransId="{C607C9AE-CA76-D645-8D52-C0488B52E1B2}"/>
-    <dgm:cxn modelId="{A9467E91-4B19-3446-B3F0-E7CEBB0FB7CD}" srcId="{995E4B59-CED0-544D-A093-F4E09CFA17D5}" destId="{27723EBF-C9A4-084A-AD25-6D7ACE4ECA98}" srcOrd="8" destOrd="0" parTransId="{F99091D0-7F6A-EC4A-88FA-F1EE6B05010A}" sibTransId="{3AF05A44-F591-6C4E-8A4A-2C9BDA5FF23E}"/>
-    <dgm:cxn modelId="{A4833893-5A9C-7F4B-9890-337C1E236F33}" type="presOf" srcId="{BB157FEC-451C-E248-BF34-693F091F5238}" destId="{3A68B527-8C11-9A4A-B091-2A55FB930CFE}" srcOrd="0" destOrd="0" presId="urn:microsoft.com/office/officeart/2005/8/layout/bProcess4"/>
-    <dgm:cxn modelId="{1ED97195-92EA-BD49-B323-4CF81B154C24}" srcId="{995E4B59-CED0-544D-A093-F4E09CFA17D5}" destId="{8850F454-5D9F-CD43-80EC-BE73AFC761B5}" srcOrd="4" destOrd="0" parTransId="{F1672D2E-E261-6042-8123-163EF1EBD7CE}" sibTransId="{7286B088-DD81-AF49-B7A3-14748BBC4742}"/>
-    <dgm:cxn modelId="{9FEC0197-5F26-854D-B9D7-CFDCB70AC28A}" srcId="{995E4B59-CED0-544D-A093-F4E09CFA17D5}" destId="{64A197E5-D66A-B747-ABD8-A5BDB4D0AD2F}" srcOrd="6" destOrd="0" parTransId="{FD9153CE-1C02-2141-B267-330414B9EC4C}" sibTransId="{4230FD72-96D7-534E-B33A-5118618C69AB}"/>
-    <dgm:cxn modelId="{2BE671AA-EBA5-2644-9745-2A545A499A79}" type="presOf" srcId="{F7B33FE2-BF92-D640-802D-C38F118A709B}" destId="{44595E4D-9A1F-BA45-85D1-E66B3A8B5FC4}" srcOrd="0" destOrd="0" presId="urn:microsoft.com/office/officeart/2005/8/layout/bProcess4"/>
-    <dgm:cxn modelId="{E60AA8B7-01E8-FA4A-A682-659CD8B623F2}" type="presOf" srcId="{3AF05A44-F591-6C4E-8A4A-2C9BDA5FF23E}" destId="{FF1352D4-ADF7-0240-92F6-4BEE30FF694D}" srcOrd="0" destOrd="0" presId="urn:microsoft.com/office/officeart/2005/8/layout/bProcess4"/>
-    <dgm:cxn modelId="{AE85F4B7-7985-9C46-9D46-F2748F500523}" srcId="{995E4B59-CED0-544D-A093-F4E09CFA17D5}" destId="{3E0DB174-E07E-354B-BC1C-53065DAADA77}" srcOrd="3" destOrd="0" parTransId="{E455BE1B-2CD3-C14E-85D7-5F3EEB7FA6C4}" sibTransId="{A78476BC-9DEE-D047-8858-64459EFB040D}"/>
-    <dgm:cxn modelId="{B40376BD-A6A6-9D46-BC06-8BD9D2D89714}" type="presOf" srcId="{60C8AFAD-30EA-DE4D-AE7E-4F68023FEA90}" destId="{2C101C19-46FF-5D46-B9B6-F44E4661EFFC}" srcOrd="0" destOrd="0" presId="urn:microsoft.com/office/officeart/2005/8/layout/bProcess4"/>
-    <dgm:cxn modelId="{A85C2DBE-2A98-2C46-B022-4B50C0DCAFBD}" type="presOf" srcId="{4230FD72-96D7-534E-B33A-5118618C69AB}" destId="{8A099122-4081-6D41-A5ED-A374F89E354C}" srcOrd="0" destOrd="0" presId="urn:microsoft.com/office/officeart/2005/8/layout/bProcess4"/>
-    <dgm:cxn modelId="{660449C2-2880-284E-B4A2-48AD529AA92A}" type="presOf" srcId="{CE8F0E2C-161F-FB47-BFB7-32552CBD5524}" destId="{E30F42A2-ECF0-1542-B244-4BE836759B03}" srcOrd="0" destOrd="0" presId="urn:microsoft.com/office/officeart/2005/8/layout/bProcess4"/>
-    <dgm:cxn modelId="{2A6703CC-4680-8D43-9AAF-FE755CDD1F70}" type="presOf" srcId="{3E0DB174-E07E-354B-BC1C-53065DAADA77}" destId="{D97711AE-0199-9949-B51B-5CA0662561BD}" srcOrd="0" destOrd="0" presId="urn:microsoft.com/office/officeart/2005/8/layout/bProcess4"/>
-    <dgm:cxn modelId="{15D3A8D8-91F0-3D48-9EE9-BA8F541C4536}" type="presOf" srcId="{2035F12C-C3B0-9F41-BF1D-81C4FACB5630}" destId="{15B1577B-B08A-3D43-A9DC-C945E3804E11}" srcOrd="0" destOrd="0" presId="urn:microsoft.com/office/officeart/2005/8/layout/bProcess4"/>
-    <dgm:cxn modelId="{EB78CFE2-AD6B-D94A-9D46-8A44BD73E71D}" type="presOf" srcId="{B4E7B64D-A229-374D-8E35-F0C7C7D800FA}" destId="{D3B38B25-FFBD-B041-9149-CFDA88060905}" srcOrd="0" destOrd="0" presId="urn:microsoft.com/office/officeart/2005/8/layout/bProcess4"/>
-    <dgm:cxn modelId="{D359D0EC-8D91-F94B-920F-7D093249A022}" type="presOf" srcId="{1FC147C8-F35C-9E43-A6DF-13961EC8A761}" destId="{DCEDF309-7F35-1342-A063-667F18B18430}" srcOrd="0" destOrd="0" presId="urn:microsoft.com/office/officeart/2005/8/layout/bProcess4"/>
-    <dgm:cxn modelId="{53A56EED-B05B-0E48-95D9-E7E23B0FA68E}" type="presOf" srcId="{43F22897-82F6-A84D-BE76-ECA489BD80CC}" destId="{2C4ADBDC-5CF7-3C40-8FC1-F4DDB277AC71}" srcOrd="0" destOrd="0" presId="urn:microsoft.com/office/officeart/2005/8/layout/bProcess4"/>
-    <dgm:cxn modelId="{E56E33F2-41F5-534E-B863-9782EFC4A723}" type="presOf" srcId="{EEFD6170-6F5D-5B44-8077-4801816EEE8C}" destId="{CA36C76D-ED4B-CB44-A93D-94360E7CF03D}" srcOrd="0" destOrd="0" presId="urn:microsoft.com/office/officeart/2005/8/layout/bProcess4"/>
-    <dgm:cxn modelId="{0313D0F4-978F-5040-83D8-E8C4AC0896AE}" type="presOf" srcId="{A78476BC-9DEE-D047-8858-64459EFB040D}" destId="{41C40777-05C0-D24D-9826-992BCFB7D103}" srcOrd="0" destOrd="0" presId="urn:microsoft.com/office/officeart/2005/8/layout/bProcess4"/>
-    <dgm:cxn modelId="{6F0C86FF-E1E7-8342-B923-627A9249FA3C}" type="presOf" srcId="{27ABB5D3-E224-254B-B0DE-F202DCF443A2}" destId="{56085650-A495-B94E-9D7B-5623B62646BD}" srcOrd="0" destOrd="0" presId="urn:microsoft.com/office/officeart/2005/8/layout/bProcess4"/>
-    <dgm:cxn modelId="{A18C2194-DCCD-4C4A-A389-BC13824B2BAD}" type="presParOf" srcId="{FE1B2F30-60F8-0E44-BBC2-6CE044ABAA42}" destId="{4D33C864-4AC4-A141-9A20-9E4595DC26CE}" srcOrd="0" destOrd="0" presId="urn:microsoft.com/office/officeart/2005/8/layout/bProcess4"/>
-    <dgm:cxn modelId="{57908B68-6A4C-354F-BCA4-393377188B1C}" type="presParOf" srcId="{4D33C864-4AC4-A141-9A20-9E4595DC26CE}" destId="{BAFD7C60-476A-904C-97DC-807EAC360382}" srcOrd="0" destOrd="0" presId="urn:microsoft.com/office/officeart/2005/8/layout/bProcess4"/>
-    <dgm:cxn modelId="{DC77352A-914D-214D-8265-62BD136BC954}" type="presParOf" srcId="{4D33C864-4AC4-A141-9A20-9E4595DC26CE}" destId="{3A68B527-8C11-9A4A-B091-2A55FB930CFE}" srcOrd="1" destOrd="0" presId="urn:microsoft.com/office/officeart/2005/8/layout/bProcess4"/>
-    <dgm:cxn modelId="{FF783DC6-5411-9F4C-9AF5-11D32677F60D}" type="presParOf" srcId="{FE1B2F30-60F8-0E44-BBC2-6CE044ABAA42}" destId="{CA36C76D-ED4B-CB44-A93D-94360E7CF03D}" srcOrd="1" destOrd="0" presId="urn:microsoft.com/office/officeart/2005/8/layout/bProcess4"/>
-    <dgm:cxn modelId="{0C93A6EF-A0F4-AB4E-A523-D0333410074D}" type="presParOf" srcId="{FE1B2F30-60F8-0E44-BBC2-6CE044ABAA42}" destId="{0E25E37B-7AED-5949-8C1E-ACCF87E8CCB5}" srcOrd="2" destOrd="0" presId="urn:microsoft.com/office/officeart/2005/8/layout/bProcess4"/>
-    <dgm:cxn modelId="{7D33EEAD-9C68-B043-9364-E86625A31043}" type="presParOf" srcId="{0E25E37B-7AED-5949-8C1E-ACCF87E8CCB5}" destId="{78E2347F-1AFC-F945-BBD0-4D677A1F4E17}" srcOrd="0" destOrd="0" presId="urn:microsoft.com/office/officeart/2005/8/layout/bProcess4"/>
-    <dgm:cxn modelId="{ECA407D4-B52A-A44D-B921-7F1F897BBC3A}" type="presParOf" srcId="{0E25E37B-7AED-5949-8C1E-ACCF87E8CCB5}" destId="{59A5F9D2-7948-1643-B5D2-D11B95FCAA62}" srcOrd="1" destOrd="0" presId="urn:microsoft.com/office/officeart/2005/8/layout/bProcess4"/>
-    <dgm:cxn modelId="{C6A15838-A39A-CE4A-B5B8-47D08A49EF15}" type="presParOf" srcId="{FE1B2F30-60F8-0E44-BBC2-6CE044ABAA42}" destId="{2C101C19-46FF-5D46-B9B6-F44E4661EFFC}" srcOrd="3" destOrd="0" presId="urn:microsoft.com/office/officeart/2005/8/layout/bProcess4"/>
-    <dgm:cxn modelId="{4252B2D1-474B-2743-83E5-3C7510D77AA9}" type="presParOf" srcId="{FE1B2F30-60F8-0E44-BBC2-6CE044ABAA42}" destId="{0980EF03-0A7E-7048-9F82-1CA26CAE0623}" srcOrd="4" destOrd="0" presId="urn:microsoft.com/office/officeart/2005/8/layout/bProcess4"/>
-    <dgm:cxn modelId="{BF470634-E13C-1646-AA69-72E1CBF75A04}" type="presParOf" srcId="{0980EF03-0A7E-7048-9F82-1CA26CAE0623}" destId="{EA7C6C63-009C-F14D-BB0A-80D1DCDCBE14}" srcOrd="0" destOrd="0" presId="urn:microsoft.com/office/officeart/2005/8/layout/bProcess4"/>
-    <dgm:cxn modelId="{EAC73EA3-F792-1141-9FDD-F1B1AFB4E0B5}" type="presParOf" srcId="{0980EF03-0A7E-7048-9F82-1CA26CAE0623}" destId="{A81CA471-20AA-FF48-987E-BB9A0C139891}" srcOrd="1" destOrd="0" presId="urn:microsoft.com/office/officeart/2005/8/layout/bProcess4"/>
-    <dgm:cxn modelId="{CFB252D1-3103-DF46-9E8B-0B8FEEC080A3}" type="presParOf" srcId="{FE1B2F30-60F8-0E44-BBC2-6CE044ABAA42}" destId="{56085650-A495-B94E-9D7B-5623B62646BD}" srcOrd="5" destOrd="0" presId="urn:microsoft.com/office/officeart/2005/8/layout/bProcess4"/>
-    <dgm:cxn modelId="{58BBE1D7-ED64-0244-B467-CE46AD9724F9}" type="presParOf" srcId="{FE1B2F30-60F8-0E44-BBC2-6CE044ABAA42}" destId="{53231FBD-8E52-8048-AC27-88C853C57077}" srcOrd="6" destOrd="0" presId="urn:microsoft.com/office/officeart/2005/8/layout/bProcess4"/>
-    <dgm:cxn modelId="{3DF58243-862E-F74C-8E86-37064140A33E}" type="presParOf" srcId="{53231FBD-8E52-8048-AC27-88C853C57077}" destId="{48860922-1B9D-9A4D-8B17-7D0658E7D05F}" srcOrd="0" destOrd="0" presId="urn:microsoft.com/office/officeart/2005/8/layout/bProcess4"/>
-    <dgm:cxn modelId="{3EE6480B-CD5A-7248-8C52-CB05AF5C6894}" type="presParOf" srcId="{53231FBD-8E52-8048-AC27-88C853C57077}" destId="{D97711AE-0199-9949-B51B-5CA0662561BD}" srcOrd="1" destOrd="0" presId="urn:microsoft.com/office/officeart/2005/8/layout/bProcess4"/>
-    <dgm:cxn modelId="{A35CE124-1C7C-3340-97F5-EC8A2DA9FCC1}" type="presParOf" srcId="{FE1B2F30-60F8-0E44-BBC2-6CE044ABAA42}" destId="{41C40777-05C0-D24D-9826-992BCFB7D103}" srcOrd="7" destOrd="0" presId="urn:microsoft.com/office/officeart/2005/8/layout/bProcess4"/>
-    <dgm:cxn modelId="{AE941B34-E695-1749-AB0F-D44A5E971C07}" type="presParOf" srcId="{FE1B2F30-60F8-0E44-BBC2-6CE044ABAA42}" destId="{24E5ECBC-4819-104E-AC0A-923C778387EF}" srcOrd="8" destOrd="0" presId="urn:microsoft.com/office/officeart/2005/8/layout/bProcess4"/>
-    <dgm:cxn modelId="{D128AF15-961D-1249-9318-78846506C2F0}" type="presParOf" srcId="{24E5ECBC-4819-104E-AC0A-923C778387EF}" destId="{211F63FE-D341-1846-BC9F-3080C781EF17}" srcOrd="0" destOrd="0" presId="urn:microsoft.com/office/officeart/2005/8/layout/bProcess4"/>
-    <dgm:cxn modelId="{A2A8ADDB-7742-4644-B231-5F91CD31922A}" type="presParOf" srcId="{24E5ECBC-4819-104E-AC0A-923C778387EF}" destId="{DC1F194B-4A5D-E844-8934-365C02ED1E0B}" srcOrd="1" destOrd="0" presId="urn:microsoft.com/office/officeart/2005/8/layout/bProcess4"/>
-    <dgm:cxn modelId="{C58E8F78-009E-0F41-A500-D54A9A7831FC}" type="presParOf" srcId="{FE1B2F30-60F8-0E44-BBC2-6CE044ABAA42}" destId="{B2E754F7-5ABB-3148-A0F9-C5B301C9BCDE}" srcOrd="9" destOrd="0" presId="urn:microsoft.com/office/officeart/2005/8/layout/bProcess4"/>
-    <dgm:cxn modelId="{9CEBB6A0-7351-C54F-A8F7-7F18783AB393}" type="presParOf" srcId="{FE1B2F30-60F8-0E44-BBC2-6CE044ABAA42}" destId="{FE26927B-4B75-EB4A-A232-67EBD765B566}" srcOrd="10" destOrd="0" presId="urn:microsoft.com/office/officeart/2005/8/layout/bProcess4"/>
-    <dgm:cxn modelId="{91FF4A0C-BACE-1045-ADEF-A7E8D1B16ACC}" type="presParOf" srcId="{FE26927B-4B75-EB4A-A232-67EBD765B566}" destId="{1FBFD4CF-A129-2D49-8FE2-32DB412F89BB}" srcOrd="0" destOrd="0" presId="urn:microsoft.com/office/officeart/2005/8/layout/bProcess4"/>
-    <dgm:cxn modelId="{AFE6668C-A167-5346-8FCB-0F417F4F4F5F}" type="presParOf" srcId="{FE26927B-4B75-EB4A-A232-67EBD765B566}" destId="{D3B38B25-FFBD-B041-9149-CFDA88060905}" srcOrd="1" destOrd="0" presId="urn:microsoft.com/office/officeart/2005/8/layout/bProcess4"/>
-    <dgm:cxn modelId="{541E5A18-4A9C-4F46-865E-023D2B624957}" type="presParOf" srcId="{FE1B2F30-60F8-0E44-BBC2-6CE044ABAA42}" destId="{2A5B09BD-AA13-1F45-A24D-952F329EF60F}" srcOrd="11" destOrd="0" presId="urn:microsoft.com/office/officeart/2005/8/layout/bProcess4"/>
-    <dgm:cxn modelId="{A4CB06DA-616E-D94A-BCC1-54050B80C00C}" type="presParOf" srcId="{FE1B2F30-60F8-0E44-BBC2-6CE044ABAA42}" destId="{308CF390-0E33-684D-9C56-6EE0B5853267}" srcOrd="12" destOrd="0" presId="urn:microsoft.com/office/officeart/2005/8/layout/bProcess4"/>
-    <dgm:cxn modelId="{818B21CD-3F65-9244-8A00-FC777C2A242B}" type="presParOf" srcId="{308CF390-0E33-684D-9C56-6EE0B5853267}" destId="{C16546B7-6952-6A48-8A32-D5DDC7E50710}" srcOrd="0" destOrd="0" presId="urn:microsoft.com/office/officeart/2005/8/layout/bProcess4"/>
-    <dgm:cxn modelId="{E83049AE-039D-6045-8730-ED6EE7A05341}" type="presParOf" srcId="{308CF390-0E33-684D-9C56-6EE0B5853267}" destId="{77BF5ACA-605A-2D4E-8288-64CEE6B24AED}" srcOrd="1" destOrd="0" presId="urn:microsoft.com/office/officeart/2005/8/layout/bProcess4"/>
-    <dgm:cxn modelId="{1DE3EDD6-9EE8-FF40-922B-86CE26C3A743}" type="presParOf" srcId="{FE1B2F30-60F8-0E44-BBC2-6CE044ABAA42}" destId="{8A099122-4081-6D41-A5ED-A374F89E354C}" srcOrd="13" destOrd="0" presId="urn:microsoft.com/office/officeart/2005/8/layout/bProcess4"/>
-    <dgm:cxn modelId="{E40D8147-B1F5-D646-B747-9A1BE7CBB57F}" type="presParOf" srcId="{FE1B2F30-60F8-0E44-BBC2-6CE044ABAA42}" destId="{3BC54E34-06DF-534B-8AE7-37D187804A13}" srcOrd="14" destOrd="0" presId="urn:microsoft.com/office/officeart/2005/8/layout/bProcess4"/>
-    <dgm:cxn modelId="{8D9C705C-8955-284B-8309-F92177E73012}" type="presParOf" srcId="{3BC54E34-06DF-534B-8AE7-37D187804A13}" destId="{B62B9DD4-8D46-5D42-8A22-E218088F0EE5}" srcOrd="0" destOrd="0" presId="urn:microsoft.com/office/officeart/2005/8/layout/bProcess4"/>
-    <dgm:cxn modelId="{37FA42DB-1EDB-9B4E-8B2B-8A347757659D}" type="presParOf" srcId="{3BC54E34-06DF-534B-8AE7-37D187804A13}" destId="{E30F42A2-ECF0-1542-B244-4BE836759B03}" srcOrd="1" destOrd="0" presId="urn:microsoft.com/office/officeart/2005/8/layout/bProcess4"/>
-    <dgm:cxn modelId="{06560047-AC72-9944-9A85-AD21F93086AE}" type="presParOf" srcId="{FE1B2F30-60F8-0E44-BBC2-6CE044ABAA42}" destId="{14BB4830-DBD7-BA4C-BC0E-E3771B8FC880}" srcOrd="15" destOrd="0" presId="urn:microsoft.com/office/officeart/2005/8/layout/bProcess4"/>
-    <dgm:cxn modelId="{E2622C0D-6B97-0148-A6CB-57A23E82E197}" type="presParOf" srcId="{FE1B2F30-60F8-0E44-BBC2-6CE044ABAA42}" destId="{8C0C6993-F271-3749-9860-93C76CCCCA4F}" srcOrd="16" destOrd="0" presId="urn:microsoft.com/office/officeart/2005/8/layout/bProcess4"/>
-    <dgm:cxn modelId="{313A8F82-7861-2247-89E3-E8E6038081CB}" type="presParOf" srcId="{8C0C6993-F271-3749-9860-93C76CCCCA4F}" destId="{D1B08FF2-4E1E-B347-A3A0-22CE92F779A6}" srcOrd="0" destOrd="0" presId="urn:microsoft.com/office/officeart/2005/8/layout/bProcess4"/>
-    <dgm:cxn modelId="{9F300222-5D89-CD4B-8D5A-77EDBC4EB60C}" type="presParOf" srcId="{8C0C6993-F271-3749-9860-93C76CCCCA4F}" destId="{E33B10F8-E1A9-B54A-9B5A-BBA9A1168ECA}" srcOrd="1" destOrd="0" presId="urn:microsoft.com/office/officeart/2005/8/layout/bProcess4"/>
-    <dgm:cxn modelId="{36DCF368-6793-8849-8102-E79F3CD71EAD}" type="presParOf" srcId="{FE1B2F30-60F8-0E44-BBC2-6CE044ABAA42}" destId="{FF1352D4-ADF7-0240-92F6-4BEE30FF694D}" srcOrd="17" destOrd="0" presId="urn:microsoft.com/office/officeart/2005/8/layout/bProcess4"/>
-    <dgm:cxn modelId="{E96F8797-D02B-004F-9F9F-AFCF20EEE293}" type="presParOf" srcId="{FE1B2F30-60F8-0E44-BBC2-6CE044ABAA42}" destId="{C6D4B839-AC4D-0544-85CA-45B353C3D7BC}" srcOrd="18" destOrd="0" presId="urn:microsoft.com/office/officeart/2005/8/layout/bProcess4"/>
-    <dgm:cxn modelId="{4C625DA3-8ED6-8146-8B4B-1CC29624174E}" type="presParOf" srcId="{C6D4B839-AC4D-0544-85CA-45B353C3D7BC}" destId="{B38803CA-A9FD-E843-B79D-325C085491E2}" srcOrd="0" destOrd="0" presId="urn:microsoft.com/office/officeart/2005/8/layout/bProcess4"/>
-    <dgm:cxn modelId="{F264AB51-B683-B448-B0F4-5CC3A8C58186}" type="presParOf" srcId="{C6D4B839-AC4D-0544-85CA-45B353C3D7BC}" destId="{2C4ADBDC-5CF7-3C40-8FC1-F4DDB277AC71}" srcOrd="1" destOrd="0" presId="urn:microsoft.com/office/officeart/2005/8/layout/bProcess4"/>
-    <dgm:cxn modelId="{EAED656C-9335-924D-915A-AB9FFA4A2E6B}" type="presParOf" srcId="{FE1B2F30-60F8-0E44-BBC2-6CE044ABAA42}" destId="{00864C02-C94B-9845-9473-CF8DB6AB0F07}" srcOrd="19" destOrd="0" presId="urn:microsoft.com/office/officeart/2005/8/layout/bProcess4"/>
-    <dgm:cxn modelId="{FC392326-193F-A841-BD62-34098C242754}" type="presParOf" srcId="{FE1B2F30-60F8-0E44-BBC2-6CE044ABAA42}" destId="{65D78BD1-20EE-B54A-BF44-74316AFFF02A}" srcOrd="20" destOrd="0" presId="urn:microsoft.com/office/officeart/2005/8/layout/bProcess4"/>
-    <dgm:cxn modelId="{9B9CE4E8-A65D-624A-98A6-A34E057A91A0}" type="presParOf" srcId="{65D78BD1-20EE-B54A-BF44-74316AFFF02A}" destId="{8860696A-BD3B-0649-93E1-1C5E7E8B82F8}" srcOrd="0" destOrd="0" presId="urn:microsoft.com/office/officeart/2005/8/layout/bProcess4"/>
-    <dgm:cxn modelId="{D3A0839B-661E-924A-9C94-652A890DD5D4}" type="presParOf" srcId="{65D78BD1-20EE-B54A-BF44-74316AFFF02A}" destId="{DCEDF309-7F35-1342-A063-667F18B18430}" srcOrd="1" destOrd="0" presId="urn:microsoft.com/office/officeart/2005/8/layout/bProcess4"/>
-    <dgm:cxn modelId="{3DFB60DE-3544-944A-805C-AF39A7095FBA}" type="presParOf" srcId="{FE1B2F30-60F8-0E44-BBC2-6CE044ABAA42}" destId="{15B1577B-B08A-3D43-A9DC-C945E3804E11}" srcOrd="21" destOrd="0" presId="urn:microsoft.com/office/officeart/2005/8/layout/bProcess4"/>
-    <dgm:cxn modelId="{3F64F306-283B-EE4D-B5CE-EADA5D975E63}" type="presParOf" srcId="{FE1B2F30-60F8-0E44-BBC2-6CE044ABAA42}" destId="{E6372991-C664-0145-81BB-72EFB4DF7573}" srcOrd="22" destOrd="0" presId="urn:microsoft.com/office/officeart/2005/8/layout/bProcess4"/>
-    <dgm:cxn modelId="{4BB02F9D-8D30-3542-80B4-CCA2F087AE80}" type="presParOf" srcId="{E6372991-C664-0145-81BB-72EFB4DF7573}" destId="{F9D0BD33-6917-094B-9664-78CFE10E449C}" srcOrd="0" destOrd="0" presId="urn:microsoft.com/office/officeart/2005/8/layout/bProcess4"/>
-    <dgm:cxn modelId="{60150946-D634-7543-8C44-DAEE4C13035D}" type="presParOf" srcId="{E6372991-C664-0145-81BB-72EFB4DF7573}" destId="{44595E4D-9A1F-BA45-85D1-E66B3A8B5FC4}" srcOrd="1" destOrd="0" presId="urn:microsoft.com/office/officeart/2005/8/layout/bProcess4"/>
-  </dgm:cxnLst>
-  <dgm:bg/>
-  <dgm:whole/>
-  <dgm:extLst>
-    <a:ext uri="http://schemas.microsoft.com/office/drawing/2008/diagram">
-      <dsp:dataModelExt xmlns:dsp="http://schemas.microsoft.com/office/drawing/2008/diagram" relId="rId6" minVer="http://schemas.openxmlformats.org/drawingml/2006/diagram"/>
-    </a:ext>
-  </dgm:extLst>
-</dgm:dataModel>
-</file>
-
-<file path=ppt/diagrams/data2.xml><?xml version="1.0" encoding="utf-8"?>
 <dgm:dataModel xmlns:dgm="http://schemas.openxmlformats.org/drawingml/2006/diagram" xmlns:a="http://schemas.openxmlformats.org/drawingml/2006/main">
   <dgm:ptLst>
     <dgm:pt modelId="{3EFB0A58-5F81-C048-BCE4-C700CA427133}" type="doc">
@@ -3193,1432 +1652,6 @@
 </file>
 
 <file path=ppt/diagrams/drawing1.xml><?xml version="1.0" encoding="utf-8"?>
-<dsp:drawing xmlns:dgm="http://schemas.openxmlformats.org/drawingml/2006/diagram" xmlns:dsp="http://schemas.microsoft.com/office/drawing/2008/diagram" xmlns:a="http://schemas.openxmlformats.org/drawingml/2006/main">
-  <dsp:spTree>
-    <dsp:nvGrpSpPr>
-      <dsp:cNvPr id="0" name=""/>
-      <dsp:cNvGrpSpPr/>
-    </dsp:nvGrpSpPr>
-    <dsp:grpSpPr/>
-    <dsp:sp modelId="{CA36C76D-ED4B-CB44-A93D-94360E7CF03D}">
-      <dsp:nvSpPr>
-        <dsp:cNvPr id="0" name=""/>
-        <dsp:cNvSpPr/>
-      </dsp:nvSpPr>
-      <dsp:spPr>
-        <a:xfrm rot="5400000">
-          <a:off x="2681657" y="772728"/>
-          <a:ext cx="1205418" cy="145239"/>
-        </a:xfrm>
-        <a:prstGeom prst="rect">
-          <a:avLst/>
-        </a:prstGeom>
-        <a:solidFill>
-          <a:schemeClr val="accent1">
-            <a:tint val="60000"/>
-            <a:hueOff val="0"/>
-            <a:satOff val="0"/>
-            <a:lumOff val="0"/>
-            <a:alphaOff val="0"/>
-          </a:schemeClr>
-        </a:solidFill>
-        <a:ln>
-          <a:noFill/>
-        </a:ln>
-        <a:effectLst/>
-      </dsp:spPr>
-      <dsp:style>
-        <a:lnRef idx="0">
-          <a:scrgbClr r="0" g="0" b="0"/>
-        </a:lnRef>
-        <a:fillRef idx="1">
-          <a:scrgbClr r="0" g="0" b="0"/>
-        </a:fillRef>
-        <a:effectRef idx="0">
-          <a:scrgbClr r="0" g="0" b="0"/>
-        </a:effectRef>
-        <a:fontRef idx="minor">
-          <a:schemeClr val="lt1"/>
-        </a:fontRef>
-      </dsp:style>
-    </dsp:sp>
-    <dsp:sp modelId="{3A68B527-8C11-9A4A-B091-2A55FB930CFE}">
-      <dsp:nvSpPr>
-        <dsp:cNvPr id="0" name=""/>
-        <dsp:cNvSpPr/>
-      </dsp:nvSpPr>
-      <dsp:spPr>
-        <a:xfrm>
-          <a:off x="2959155" y="3728"/>
-          <a:ext cx="1613775" cy="968265"/>
-        </a:xfrm>
-        <a:prstGeom prst="roundRect">
-          <a:avLst>
-            <a:gd name="adj" fmla="val 10000"/>
-          </a:avLst>
-        </a:prstGeom>
-        <a:solidFill>
-          <a:schemeClr val="accent1">
-            <a:hueOff val="0"/>
-            <a:satOff val="0"/>
-            <a:lumOff val="0"/>
-            <a:alphaOff val="0"/>
-          </a:schemeClr>
-        </a:solidFill>
-        <a:ln w="12700" cap="flat" cmpd="sng" algn="ctr">
-          <a:solidFill>
-            <a:schemeClr val="lt1">
-              <a:hueOff val="0"/>
-              <a:satOff val="0"/>
-              <a:lumOff val="0"/>
-              <a:alphaOff val="0"/>
-            </a:schemeClr>
-          </a:solidFill>
-          <a:prstDash val="solid"/>
-          <a:miter lim="800000"/>
-        </a:ln>
-        <a:effectLst/>
-      </dsp:spPr>
-      <dsp:style>
-        <a:lnRef idx="2">
-          <a:scrgbClr r="0" g="0" b="0"/>
-        </a:lnRef>
-        <a:fillRef idx="1">
-          <a:scrgbClr r="0" g="0" b="0"/>
-        </a:fillRef>
-        <a:effectRef idx="0">
-          <a:scrgbClr r="0" g="0" b="0"/>
-        </a:effectRef>
-        <a:fontRef idx="minor">
-          <a:schemeClr val="lt1"/>
-        </a:fontRef>
-      </dsp:style>
-      <dsp:txBody>
-        <a:bodyPr spcFirstLastPara="0" vert="horz" wrap="square" lIns="64770" tIns="64770" rIns="64770" bIns="64770" numCol="1" spcCol="1270" anchor="ctr" anchorCtr="0">
-          <a:noAutofit/>
-        </a:bodyPr>
-        <a:lstStyle/>
-        <a:p>
-          <a:pPr marL="0" lvl="0" indent="0" algn="ctr" defTabSz="755650">
-            <a:lnSpc>
-              <a:spcPct val="90000"/>
-            </a:lnSpc>
-            <a:spcBef>
-              <a:spcPct val="0"/>
-            </a:spcBef>
-            <a:spcAft>
-              <a:spcPct val="35000"/>
-            </a:spcAft>
-            <a:buNone/>
-          </a:pPr>
-          <a:r>
-            <a:rPr lang="en-CA" sz="1700" b="0" kern="1200" dirty="0"/>
-            <a:t>Web Scraper</a:t>
-          </a:r>
-          <a:endParaRPr lang="en-US" sz="1700" kern="1200" dirty="0"/>
-        </a:p>
-      </dsp:txBody>
-      <dsp:txXfrm>
-        <a:off x="2987515" y="32088"/>
-        <a:ext cx="1557055" cy="911545"/>
-      </dsp:txXfrm>
-    </dsp:sp>
-    <dsp:sp modelId="{2C101C19-46FF-5D46-B9B6-F44E4661EFFC}">
-      <dsp:nvSpPr>
-        <dsp:cNvPr id="0" name=""/>
-        <dsp:cNvSpPr/>
-      </dsp:nvSpPr>
-      <dsp:spPr>
-        <a:xfrm rot="5400000">
-          <a:off x="2681657" y="1983060"/>
-          <a:ext cx="1205418" cy="145239"/>
-        </a:xfrm>
-        <a:prstGeom prst="rect">
-          <a:avLst/>
-        </a:prstGeom>
-        <a:solidFill>
-          <a:schemeClr val="accent1">
-            <a:tint val="60000"/>
-            <a:hueOff val="0"/>
-            <a:satOff val="0"/>
-            <a:lumOff val="0"/>
-            <a:alphaOff val="0"/>
-          </a:schemeClr>
-        </a:solidFill>
-        <a:ln>
-          <a:noFill/>
-        </a:ln>
-        <a:effectLst/>
-      </dsp:spPr>
-      <dsp:style>
-        <a:lnRef idx="0">
-          <a:scrgbClr r="0" g="0" b="0"/>
-        </a:lnRef>
-        <a:fillRef idx="1">
-          <a:scrgbClr r="0" g="0" b="0"/>
-        </a:fillRef>
-        <a:effectRef idx="0">
-          <a:scrgbClr r="0" g="0" b="0"/>
-        </a:effectRef>
-        <a:fontRef idx="minor">
-          <a:schemeClr val="lt1"/>
-        </a:fontRef>
-      </dsp:style>
-    </dsp:sp>
-    <dsp:sp modelId="{59A5F9D2-7948-1643-B5D2-D11B95FCAA62}">
-      <dsp:nvSpPr>
-        <dsp:cNvPr id="0" name=""/>
-        <dsp:cNvSpPr/>
-      </dsp:nvSpPr>
-      <dsp:spPr>
-        <a:xfrm>
-          <a:off x="2959155" y="1214060"/>
-          <a:ext cx="1613775" cy="968265"/>
-        </a:xfrm>
-        <a:prstGeom prst="roundRect">
-          <a:avLst>
-            <a:gd name="adj" fmla="val 10000"/>
-          </a:avLst>
-        </a:prstGeom>
-        <a:solidFill>
-          <a:schemeClr val="accent1">
-            <a:hueOff val="0"/>
-            <a:satOff val="0"/>
-            <a:lumOff val="0"/>
-            <a:alphaOff val="0"/>
-          </a:schemeClr>
-        </a:solidFill>
-        <a:ln w="12700" cap="flat" cmpd="sng" algn="ctr">
-          <a:solidFill>
-            <a:schemeClr val="lt1">
-              <a:hueOff val="0"/>
-              <a:satOff val="0"/>
-              <a:lumOff val="0"/>
-              <a:alphaOff val="0"/>
-            </a:schemeClr>
-          </a:solidFill>
-          <a:prstDash val="solid"/>
-          <a:miter lim="800000"/>
-        </a:ln>
-        <a:effectLst/>
-      </dsp:spPr>
-      <dsp:style>
-        <a:lnRef idx="2">
-          <a:scrgbClr r="0" g="0" b="0"/>
-        </a:lnRef>
-        <a:fillRef idx="1">
-          <a:scrgbClr r="0" g="0" b="0"/>
-        </a:fillRef>
-        <a:effectRef idx="0">
-          <a:scrgbClr r="0" g="0" b="0"/>
-        </a:effectRef>
-        <a:fontRef idx="minor">
-          <a:schemeClr val="lt1"/>
-        </a:fontRef>
-      </dsp:style>
-      <dsp:txBody>
-        <a:bodyPr spcFirstLastPara="0" vert="horz" wrap="square" lIns="64770" tIns="64770" rIns="64770" bIns="64770" numCol="1" spcCol="1270" anchor="ctr" anchorCtr="0">
-          <a:noAutofit/>
-        </a:bodyPr>
-        <a:lstStyle/>
-        <a:p>
-          <a:pPr marL="0" lvl="0" indent="0" algn="ctr" defTabSz="755650">
-            <a:lnSpc>
-              <a:spcPct val="90000"/>
-            </a:lnSpc>
-            <a:spcBef>
-              <a:spcPct val="0"/>
-            </a:spcBef>
-            <a:spcAft>
-              <a:spcPct val="35000"/>
-            </a:spcAft>
-            <a:buNone/>
-          </a:pPr>
-          <a:r>
-            <a:rPr lang="en-CA" sz="1700" b="0" kern="1200" dirty="0"/>
-            <a:t>Product Data</a:t>
-          </a:r>
-          <a:endParaRPr lang="en-US" sz="1700" kern="1200" dirty="0"/>
-        </a:p>
-      </dsp:txBody>
-      <dsp:txXfrm>
-        <a:off x="2987515" y="1242420"/>
-        <a:ext cx="1557055" cy="911545"/>
-      </dsp:txXfrm>
-    </dsp:sp>
-    <dsp:sp modelId="{56085650-A495-B94E-9D7B-5623B62646BD}">
-      <dsp:nvSpPr>
-        <dsp:cNvPr id="0" name=""/>
-        <dsp:cNvSpPr/>
-      </dsp:nvSpPr>
-      <dsp:spPr>
-        <a:xfrm rot="5400000">
-          <a:off x="2681657" y="3193391"/>
-          <a:ext cx="1205418" cy="145239"/>
-        </a:xfrm>
-        <a:prstGeom prst="rect">
-          <a:avLst/>
-        </a:prstGeom>
-        <a:solidFill>
-          <a:schemeClr val="accent1">
-            <a:tint val="60000"/>
-            <a:hueOff val="0"/>
-            <a:satOff val="0"/>
-            <a:lumOff val="0"/>
-            <a:alphaOff val="0"/>
-          </a:schemeClr>
-        </a:solidFill>
-        <a:ln>
-          <a:noFill/>
-        </a:ln>
-        <a:effectLst/>
-      </dsp:spPr>
-      <dsp:style>
-        <a:lnRef idx="0">
-          <a:scrgbClr r="0" g="0" b="0"/>
-        </a:lnRef>
-        <a:fillRef idx="1">
-          <a:scrgbClr r="0" g="0" b="0"/>
-        </a:fillRef>
-        <a:effectRef idx="0">
-          <a:scrgbClr r="0" g="0" b="0"/>
-        </a:effectRef>
-        <a:fontRef idx="minor">
-          <a:schemeClr val="lt1"/>
-        </a:fontRef>
-      </dsp:style>
-    </dsp:sp>
-    <dsp:sp modelId="{A81CA471-20AA-FF48-987E-BB9A0C139891}">
-      <dsp:nvSpPr>
-        <dsp:cNvPr id="0" name=""/>
-        <dsp:cNvSpPr/>
-      </dsp:nvSpPr>
-      <dsp:spPr>
-        <a:xfrm>
-          <a:off x="2959155" y="2424391"/>
-          <a:ext cx="1613775" cy="968265"/>
-        </a:xfrm>
-        <a:prstGeom prst="roundRect">
-          <a:avLst>
-            <a:gd name="adj" fmla="val 10000"/>
-          </a:avLst>
-        </a:prstGeom>
-        <a:solidFill>
-          <a:schemeClr val="accent1">
-            <a:hueOff val="0"/>
-            <a:satOff val="0"/>
-            <a:lumOff val="0"/>
-            <a:alphaOff val="0"/>
-          </a:schemeClr>
-        </a:solidFill>
-        <a:ln w="12700" cap="flat" cmpd="sng" algn="ctr">
-          <a:solidFill>
-            <a:schemeClr val="lt1">
-              <a:hueOff val="0"/>
-              <a:satOff val="0"/>
-              <a:lumOff val="0"/>
-              <a:alphaOff val="0"/>
-            </a:schemeClr>
-          </a:solidFill>
-          <a:prstDash val="solid"/>
-          <a:miter lim="800000"/>
-        </a:ln>
-        <a:effectLst/>
-      </dsp:spPr>
-      <dsp:style>
-        <a:lnRef idx="2">
-          <a:scrgbClr r="0" g="0" b="0"/>
-        </a:lnRef>
-        <a:fillRef idx="1">
-          <a:scrgbClr r="0" g="0" b="0"/>
-        </a:fillRef>
-        <a:effectRef idx="0">
-          <a:scrgbClr r="0" g="0" b="0"/>
-        </a:effectRef>
-        <a:fontRef idx="minor">
-          <a:schemeClr val="lt1"/>
-        </a:fontRef>
-      </dsp:style>
-      <dsp:txBody>
-        <a:bodyPr spcFirstLastPara="0" vert="horz" wrap="square" lIns="64770" tIns="64770" rIns="64770" bIns="64770" numCol="1" spcCol="1270" anchor="ctr" anchorCtr="0">
-          <a:noAutofit/>
-        </a:bodyPr>
-        <a:lstStyle/>
-        <a:p>
-          <a:pPr marL="0" lvl="0" indent="0" algn="ctr" defTabSz="755650">
-            <a:lnSpc>
-              <a:spcPct val="90000"/>
-            </a:lnSpc>
-            <a:spcBef>
-              <a:spcPct val="0"/>
-            </a:spcBef>
-            <a:spcAft>
-              <a:spcPct val="35000"/>
-            </a:spcAft>
-            <a:buNone/>
-          </a:pPr>
-          <a:r>
-            <a:rPr lang="en-CA" sz="1700" b="0" kern="1200" dirty="0"/>
-            <a:t>LLM Processor</a:t>
-          </a:r>
-          <a:endParaRPr lang="en-US" sz="1700" kern="1200" dirty="0"/>
-        </a:p>
-      </dsp:txBody>
-      <dsp:txXfrm>
-        <a:off x="2987515" y="2452751"/>
-        <a:ext cx="1557055" cy="911545"/>
-      </dsp:txXfrm>
-    </dsp:sp>
-    <dsp:sp modelId="{41C40777-05C0-D24D-9826-992BCFB7D103}">
-      <dsp:nvSpPr>
-        <dsp:cNvPr id="0" name=""/>
-        <dsp:cNvSpPr/>
-      </dsp:nvSpPr>
-      <dsp:spPr>
-        <a:xfrm>
-          <a:off x="9949000" y="1114781"/>
-          <a:ext cx="2141407" cy="145239"/>
-        </a:xfrm>
-        <a:prstGeom prst="upDownArrow">
-          <a:avLst/>
-        </a:prstGeom>
-        <a:solidFill>
-          <a:schemeClr val="accent1">
-            <a:tint val="60000"/>
-            <a:hueOff val="0"/>
-            <a:satOff val="0"/>
-            <a:lumOff val="0"/>
-            <a:alpha val="0"/>
-          </a:schemeClr>
-        </a:solidFill>
-        <a:ln>
-          <a:noFill/>
-        </a:ln>
-        <a:effectLst/>
-      </dsp:spPr>
-      <dsp:style>
-        <a:lnRef idx="0">
-          <a:scrgbClr r="0" g="0" b="0"/>
-        </a:lnRef>
-        <a:fillRef idx="1">
-          <a:scrgbClr r="0" g="0" b="0"/>
-        </a:fillRef>
-        <a:effectRef idx="0">
-          <a:scrgbClr r="0" g="0" b="0"/>
-        </a:effectRef>
-        <a:fontRef idx="minor">
-          <a:schemeClr val="lt1"/>
-        </a:fontRef>
-      </dsp:style>
-    </dsp:sp>
-    <dsp:sp modelId="{D97711AE-0199-9949-B51B-5CA0662561BD}">
-      <dsp:nvSpPr>
-        <dsp:cNvPr id="0" name=""/>
-        <dsp:cNvSpPr/>
-      </dsp:nvSpPr>
-      <dsp:spPr>
-        <a:xfrm>
-          <a:off x="2959155" y="3634722"/>
-          <a:ext cx="1613775" cy="968265"/>
-        </a:xfrm>
-        <a:prstGeom prst="roundRect">
-          <a:avLst>
-            <a:gd name="adj" fmla="val 10000"/>
-          </a:avLst>
-        </a:prstGeom>
-        <a:solidFill>
-          <a:schemeClr val="accent1">
-            <a:hueOff val="0"/>
-            <a:satOff val="0"/>
-            <a:lumOff val="0"/>
-            <a:alphaOff val="0"/>
-          </a:schemeClr>
-        </a:solidFill>
-        <a:ln w="12700" cap="flat" cmpd="sng" algn="ctr">
-          <a:solidFill>
-            <a:schemeClr val="lt1">
-              <a:hueOff val="0"/>
-              <a:satOff val="0"/>
-              <a:lumOff val="0"/>
-              <a:alphaOff val="0"/>
-            </a:schemeClr>
-          </a:solidFill>
-          <a:prstDash val="solid"/>
-          <a:miter lim="800000"/>
-        </a:ln>
-        <a:effectLst/>
-      </dsp:spPr>
-      <dsp:style>
-        <a:lnRef idx="2">
-          <a:scrgbClr r="0" g="0" b="0"/>
-        </a:lnRef>
-        <a:fillRef idx="1">
-          <a:scrgbClr r="0" g="0" b="0"/>
-        </a:fillRef>
-        <a:effectRef idx="0">
-          <a:scrgbClr r="0" g="0" b="0"/>
-        </a:effectRef>
-        <a:fontRef idx="minor">
-          <a:schemeClr val="lt1"/>
-        </a:fontRef>
-      </dsp:style>
-      <dsp:txBody>
-        <a:bodyPr spcFirstLastPara="0" vert="horz" wrap="square" lIns="64770" tIns="64770" rIns="64770" bIns="64770" numCol="1" spcCol="1270" anchor="ctr" anchorCtr="0">
-          <a:noAutofit/>
-        </a:bodyPr>
-        <a:lstStyle/>
-        <a:p>
-          <a:pPr marL="0" lvl="0" indent="0" algn="ctr" defTabSz="755650">
-            <a:lnSpc>
-              <a:spcPct val="90000"/>
-            </a:lnSpc>
-            <a:spcBef>
-              <a:spcPct val="0"/>
-            </a:spcBef>
-            <a:spcAft>
-              <a:spcPct val="35000"/>
-            </a:spcAft>
-            <a:buNone/>
-          </a:pPr>
-          <a:r>
-            <a:rPr lang="en-CA" sz="1700" b="0" kern="1200" dirty="0" err="1"/>
-            <a:t>FastAPI</a:t>
-          </a:r>
-          <a:r>
-            <a:rPr lang="en-CA" sz="1700" b="0" kern="1200" dirty="0"/>
-            <a:t>\</a:t>
-          </a:r>
-          <a:r>
-            <a:rPr lang="en-CA" sz="1700" b="0" kern="1200" dirty="0" err="1"/>
-            <a:t>nREST</a:t>
-          </a:r>
-          <a:r>
-            <a:rPr lang="en-CA" sz="1700" b="0" kern="1200" dirty="0"/>
-            <a:t> Endpoints</a:t>
-          </a:r>
-          <a:endParaRPr lang="en-US" sz="1700" kern="1200" dirty="0"/>
-        </a:p>
-      </dsp:txBody>
-      <dsp:txXfrm>
-        <a:off x="2987515" y="3663082"/>
-        <a:ext cx="1557055" cy="911545"/>
-      </dsp:txXfrm>
-    </dsp:sp>
-    <dsp:sp modelId="{B2E754F7-5ABB-3148-A0F9-C5B301C9BCDE}">
-      <dsp:nvSpPr>
-        <dsp:cNvPr id="0" name=""/>
-        <dsp:cNvSpPr/>
-      </dsp:nvSpPr>
-      <dsp:spPr>
-        <a:xfrm rot="16200000">
-          <a:off x="4827978" y="3193391"/>
-          <a:ext cx="1205418" cy="145239"/>
-        </a:xfrm>
-        <a:prstGeom prst="rect">
-          <a:avLst/>
-        </a:prstGeom>
-        <a:solidFill>
-          <a:schemeClr val="accent1">
-            <a:tint val="60000"/>
-            <a:hueOff val="0"/>
-            <a:satOff val="0"/>
-            <a:lumOff val="0"/>
-            <a:alphaOff val="0"/>
-          </a:schemeClr>
-        </a:solidFill>
-        <a:ln>
-          <a:noFill/>
-        </a:ln>
-        <a:effectLst/>
-      </dsp:spPr>
-      <dsp:style>
-        <a:lnRef idx="0">
-          <a:scrgbClr r="0" g="0" b="0"/>
-        </a:lnRef>
-        <a:fillRef idx="1">
-          <a:scrgbClr r="0" g="0" b="0"/>
-        </a:fillRef>
-        <a:effectRef idx="0">
-          <a:scrgbClr r="0" g="0" b="0"/>
-        </a:effectRef>
-        <a:fontRef idx="minor">
-          <a:schemeClr val="lt1"/>
-        </a:fontRef>
-      </dsp:style>
-    </dsp:sp>
-    <dsp:sp modelId="{DC1F194B-4A5D-E844-8934-365C02ED1E0B}">
-      <dsp:nvSpPr>
-        <dsp:cNvPr id="0" name=""/>
-        <dsp:cNvSpPr/>
-      </dsp:nvSpPr>
-      <dsp:spPr>
-        <a:xfrm>
-          <a:off x="5105476" y="3634722"/>
-          <a:ext cx="1613775" cy="968265"/>
-        </a:xfrm>
-        <a:prstGeom prst="roundRect">
-          <a:avLst>
-            <a:gd name="adj" fmla="val 10000"/>
-          </a:avLst>
-        </a:prstGeom>
-        <a:solidFill>
-          <a:schemeClr val="accent1">
-            <a:hueOff val="0"/>
-            <a:satOff val="0"/>
-            <a:lumOff val="0"/>
-            <a:alphaOff val="0"/>
-          </a:schemeClr>
-        </a:solidFill>
-        <a:ln w="12700" cap="flat" cmpd="sng" algn="ctr">
-          <a:solidFill>
-            <a:schemeClr val="lt1">
-              <a:hueOff val="0"/>
-              <a:satOff val="0"/>
-              <a:lumOff val="0"/>
-              <a:alphaOff val="0"/>
-            </a:schemeClr>
-          </a:solidFill>
-          <a:prstDash val="solid"/>
-          <a:miter lim="800000"/>
-        </a:ln>
-        <a:effectLst/>
-      </dsp:spPr>
-      <dsp:style>
-        <a:lnRef idx="2">
-          <a:scrgbClr r="0" g="0" b="0"/>
-        </a:lnRef>
-        <a:fillRef idx="1">
-          <a:scrgbClr r="0" g="0" b="0"/>
-        </a:fillRef>
-        <a:effectRef idx="0">
-          <a:scrgbClr r="0" g="0" b="0"/>
-        </a:effectRef>
-        <a:fontRef idx="minor">
-          <a:schemeClr val="lt1"/>
-        </a:fontRef>
-      </dsp:style>
-      <dsp:txBody>
-        <a:bodyPr spcFirstLastPara="0" vert="horz" wrap="square" lIns="64770" tIns="64770" rIns="64770" bIns="64770" numCol="1" spcCol="1270" anchor="ctr" anchorCtr="0">
-          <a:noAutofit/>
-        </a:bodyPr>
-        <a:lstStyle/>
-        <a:p>
-          <a:pPr marL="0" lvl="0" indent="0" algn="ctr" defTabSz="755650">
-            <a:lnSpc>
-              <a:spcPct val="90000"/>
-            </a:lnSpc>
-            <a:spcBef>
-              <a:spcPct val="0"/>
-            </a:spcBef>
-            <a:spcAft>
-              <a:spcPct val="35000"/>
-            </a:spcAft>
-            <a:buNone/>
-          </a:pPr>
-          <a:endParaRPr lang="en-US" sz="1700" kern="1200" dirty="0"/>
-        </a:p>
-      </dsp:txBody>
-      <dsp:txXfrm>
-        <a:off x="5133836" y="3663082"/>
-        <a:ext cx="1557055" cy="911545"/>
-      </dsp:txXfrm>
-    </dsp:sp>
-    <dsp:sp modelId="{2A5B09BD-AA13-1F45-A24D-952F329EF60F}">
-      <dsp:nvSpPr>
-        <dsp:cNvPr id="0" name=""/>
-        <dsp:cNvSpPr/>
-      </dsp:nvSpPr>
-      <dsp:spPr>
-        <a:xfrm rot="16200000">
-          <a:off x="4827978" y="1983060"/>
-          <a:ext cx="1205418" cy="145239"/>
-        </a:xfrm>
-        <a:prstGeom prst="rect">
-          <a:avLst/>
-        </a:prstGeom>
-        <a:solidFill>
-          <a:schemeClr val="accent1">
-            <a:tint val="60000"/>
-            <a:hueOff val="0"/>
-            <a:satOff val="0"/>
-            <a:lumOff val="0"/>
-            <a:alphaOff val="0"/>
-          </a:schemeClr>
-        </a:solidFill>
-        <a:ln>
-          <a:noFill/>
-        </a:ln>
-        <a:effectLst/>
-      </dsp:spPr>
-      <dsp:style>
-        <a:lnRef idx="0">
-          <a:scrgbClr r="0" g="0" b="0"/>
-        </a:lnRef>
-        <a:fillRef idx="1">
-          <a:scrgbClr r="0" g="0" b="0"/>
-        </a:fillRef>
-        <a:effectRef idx="0">
-          <a:scrgbClr r="0" g="0" b="0"/>
-        </a:effectRef>
-        <a:fontRef idx="minor">
-          <a:schemeClr val="lt1"/>
-        </a:fontRef>
-      </dsp:style>
-    </dsp:sp>
-    <dsp:sp modelId="{D3B38B25-FFBD-B041-9149-CFDA88060905}">
-      <dsp:nvSpPr>
-        <dsp:cNvPr id="0" name=""/>
-        <dsp:cNvSpPr/>
-      </dsp:nvSpPr>
-      <dsp:spPr>
-        <a:xfrm>
-          <a:off x="5105476" y="2424391"/>
-          <a:ext cx="1613775" cy="968265"/>
-        </a:xfrm>
-        <a:prstGeom prst="roundRect">
-          <a:avLst>
-            <a:gd name="adj" fmla="val 10000"/>
-          </a:avLst>
-        </a:prstGeom>
-        <a:solidFill>
-          <a:schemeClr val="accent1">
-            <a:hueOff val="0"/>
-            <a:satOff val="0"/>
-            <a:lumOff val="0"/>
-            <a:alphaOff val="0"/>
-          </a:schemeClr>
-        </a:solidFill>
-        <a:ln w="12700" cap="flat" cmpd="sng" algn="ctr">
-          <a:solidFill>
-            <a:schemeClr val="lt1">
-              <a:hueOff val="0"/>
-              <a:satOff val="0"/>
-              <a:lumOff val="0"/>
-              <a:alphaOff val="0"/>
-            </a:schemeClr>
-          </a:solidFill>
-          <a:prstDash val="solid"/>
-          <a:miter lim="800000"/>
-        </a:ln>
-        <a:effectLst/>
-      </dsp:spPr>
-      <dsp:style>
-        <a:lnRef idx="2">
-          <a:scrgbClr r="0" g="0" b="0"/>
-        </a:lnRef>
-        <a:fillRef idx="1">
-          <a:scrgbClr r="0" g="0" b="0"/>
-        </a:fillRef>
-        <a:effectRef idx="0">
-          <a:scrgbClr r="0" g="0" b="0"/>
-        </a:effectRef>
-        <a:fontRef idx="minor">
-          <a:schemeClr val="lt1"/>
-        </a:fontRef>
-      </dsp:style>
-      <dsp:txBody>
-        <a:bodyPr spcFirstLastPara="0" vert="horz" wrap="square" lIns="64770" tIns="64770" rIns="64770" bIns="64770" numCol="1" spcCol="1270" anchor="ctr" anchorCtr="0">
-          <a:noAutofit/>
-        </a:bodyPr>
-        <a:lstStyle/>
-        <a:p>
-          <a:pPr marL="0" lvl="0" indent="0" algn="ctr" defTabSz="755650">
-            <a:lnSpc>
-              <a:spcPct val="90000"/>
-            </a:lnSpc>
-            <a:spcBef>
-              <a:spcPct val="0"/>
-            </a:spcBef>
-            <a:spcAft>
-              <a:spcPct val="35000"/>
-            </a:spcAft>
-            <a:buNone/>
-          </a:pPr>
-          <a:endParaRPr lang="en-US" sz="1700" kern="1200" dirty="0"/>
-        </a:p>
-      </dsp:txBody>
-      <dsp:txXfrm>
-        <a:off x="5133836" y="2452751"/>
-        <a:ext cx="1557055" cy="911545"/>
-      </dsp:txXfrm>
-    </dsp:sp>
-    <dsp:sp modelId="{8A099122-4081-6D41-A5ED-A374F89E354C}">
-      <dsp:nvSpPr>
-        <dsp:cNvPr id="0" name=""/>
-        <dsp:cNvSpPr/>
-      </dsp:nvSpPr>
-      <dsp:spPr>
-        <a:xfrm rot="16200000">
-          <a:off x="4827978" y="772728"/>
-          <a:ext cx="1205418" cy="145239"/>
-        </a:xfrm>
-        <a:prstGeom prst="rect">
-          <a:avLst/>
-        </a:prstGeom>
-        <a:solidFill>
-          <a:schemeClr val="accent1">
-            <a:tint val="60000"/>
-            <a:hueOff val="0"/>
-            <a:satOff val="0"/>
-            <a:lumOff val="0"/>
-            <a:alphaOff val="0"/>
-          </a:schemeClr>
-        </a:solidFill>
-        <a:ln>
-          <a:noFill/>
-        </a:ln>
-        <a:effectLst/>
-      </dsp:spPr>
-      <dsp:style>
-        <a:lnRef idx="0">
-          <a:scrgbClr r="0" g="0" b="0"/>
-        </a:lnRef>
-        <a:fillRef idx="1">
-          <a:scrgbClr r="0" g="0" b="0"/>
-        </a:fillRef>
-        <a:effectRef idx="0">
-          <a:scrgbClr r="0" g="0" b="0"/>
-        </a:effectRef>
-        <a:fontRef idx="minor">
-          <a:schemeClr val="lt1"/>
-        </a:fontRef>
-      </dsp:style>
-    </dsp:sp>
-    <dsp:sp modelId="{77BF5ACA-605A-2D4E-8288-64CEE6B24AED}">
-      <dsp:nvSpPr>
-        <dsp:cNvPr id="0" name=""/>
-        <dsp:cNvSpPr/>
-      </dsp:nvSpPr>
-      <dsp:spPr>
-        <a:xfrm>
-          <a:off x="5105476" y="1214060"/>
-          <a:ext cx="1613775" cy="968265"/>
-        </a:xfrm>
-        <a:prstGeom prst="roundRect">
-          <a:avLst>
-            <a:gd name="adj" fmla="val 10000"/>
-          </a:avLst>
-        </a:prstGeom>
-        <a:solidFill>
-          <a:schemeClr val="accent1">
-            <a:hueOff val="0"/>
-            <a:satOff val="0"/>
-            <a:lumOff val="0"/>
-            <a:alphaOff val="0"/>
-          </a:schemeClr>
-        </a:solidFill>
-        <a:ln w="12700" cap="flat" cmpd="sng" algn="ctr">
-          <a:solidFill>
-            <a:schemeClr val="lt1">
-              <a:hueOff val="0"/>
-              <a:satOff val="0"/>
-              <a:lumOff val="0"/>
-              <a:alphaOff val="0"/>
-            </a:schemeClr>
-          </a:solidFill>
-          <a:prstDash val="solid"/>
-          <a:miter lim="800000"/>
-        </a:ln>
-        <a:effectLst/>
-      </dsp:spPr>
-      <dsp:style>
-        <a:lnRef idx="2">
-          <a:scrgbClr r="0" g="0" b="0"/>
-        </a:lnRef>
-        <a:fillRef idx="1">
-          <a:scrgbClr r="0" g="0" b="0"/>
-        </a:fillRef>
-        <a:effectRef idx="0">
-          <a:scrgbClr r="0" g="0" b="0"/>
-        </a:effectRef>
-        <a:fontRef idx="minor">
-          <a:schemeClr val="lt1"/>
-        </a:fontRef>
-      </dsp:style>
-      <dsp:txBody>
-        <a:bodyPr spcFirstLastPara="0" vert="horz" wrap="square" lIns="64770" tIns="64770" rIns="64770" bIns="64770" numCol="1" spcCol="1270" anchor="ctr" anchorCtr="0">
-          <a:noAutofit/>
-        </a:bodyPr>
-        <a:lstStyle/>
-        <a:p>
-          <a:pPr marL="0" lvl="0" indent="0" algn="ctr" defTabSz="755650">
-            <a:lnSpc>
-              <a:spcPct val="90000"/>
-            </a:lnSpc>
-            <a:spcBef>
-              <a:spcPct val="0"/>
-            </a:spcBef>
-            <a:spcAft>
-              <a:spcPct val="35000"/>
-            </a:spcAft>
-            <a:buNone/>
-          </a:pPr>
-          <a:endParaRPr lang="en-US" sz="1700" kern="1200" dirty="0"/>
-        </a:p>
-      </dsp:txBody>
-      <dsp:txXfrm>
-        <a:off x="5133836" y="1242420"/>
-        <a:ext cx="1557055" cy="911545"/>
-      </dsp:txXfrm>
-    </dsp:sp>
-    <dsp:sp modelId="{14BB4830-DBD7-BA4C-BC0E-E3771B8FC880}">
-      <dsp:nvSpPr>
-        <dsp:cNvPr id="0" name=""/>
-        <dsp:cNvSpPr/>
-      </dsp:nvSpPr>
-      <dsp:spPr>
-        <a:xfrm rot="17301">
-          <a:off x="5430674" y="175414"/>
-          <a:ext cx="2143891" cy="145239"/>
-        </a:xfrm>
-        <a:prstGeom prst="rect">
-          <a:avLst/>
-        </a:prstGeom>
-        <a:solidFill>
-          <a:schemeClr val="accent1">
-            <a:tint val="60000"/>
-            <a:hueOff val="0"/>
-            <a:satOff val="0"/>
-            <a:lumOff val="0"/>
-            <a:alphaOff val="0"/>
-          </a:schemeClr>
-        </a:solidFill>
-        <a:ln>
-          <a:noFill/>
-        </a:ln>
-        <a:effectLst/>
-      </dsp:spPr>
-      <dsp:style>
-        <a:lnRef idx="0">
-          <a:scrgbClr r="0" g="0" b="0"/>
-        </a:lnRef>
-        <a:fillRef idx="1">
-          <a:scrgbClr r="0" g="0" b="0"/>
-        </a:fillRef>
-        <a:effectRef idx="0">
-          <a:scrgbClr r="0" g="0" b="0"/>
-        </a:effectRef>
-        <a:fontRef idx="minor">
-          <a:schemeClr val="lt1"/>
-        </a:fontRef>
-      </dsp:style>
-    </dsp:sp>
-    <dsp:sp modelId="{E30F42A2-ECF0-1542-B244-4BE836759B03}">
-      <dsp:nvSpPr>
-        <dsp:cNvPr id="0" name=""/>
-        <dsp:cNvSpPr/>
-      </dsp:nvSpPr>
-      <dsp:spPr>
-        <a:xfrm>
-          <a:off x="5105476" y="3728"/>
-          <a:ext cx="1613775" cy="968265"/>
-        </a:xfrm>
-        <a:prstGeom prst="roundRect">
-          <a:avLst>
-            <a:gd name="adj" fmla="val 10000"/>
-          </a:avLst>
-        </a:prstGeom>
-        <a:solidFill>
-          <a:schemeClr val="accent1">
-            <a:hueOff val="0"/>
-            <a:satOff val="0"/>
-            <a:lumOff val="0"/>
-            <a:alphaOff val="0"/>
-          </a:schemeClr>
-        </a:solidFill>
-        <a:ln w="12700" cap="flat" cmpd="sng" algn="ctr">
-          <a:solidFill>
-            <a:schemeClr val="lt1">
-              <a:hueOff val="0"/>
-              <a:satOff val="0"/>
-              <a:lumOff val="0"/>
-              <a:alphaOff val="0"/>
-            </a:schemeClr>
-          </a:solidFill>
-          <a:prstDash val="solid"/>
-          <a:miter lim="800000"/>
-        </a:ln>
-        <a:effectLst/>
-      </dsp:spPr>
-      <dsp:style>
-        <a:lnRef idx="2">
-          <a:scrgbClr r="0" g="0" b="0"/>
-        </a:lnRef>
-        <a:fillRef idx="1">
-          <a:scrgbClr r="0" g="0" b="0"/>
-        </a:fillRef>
-        <a:effectRef idx="0">
-          <a:scrgbClr r="0" g="0" b="0"/>
-        </a:effectRef>
-        <a:fontRef idx="minor">
-          <a:schemeClr val="lt1"/>
-        </a:fontRef>
-      </dsp:style>
-      <dsp:txBody>
-        <a:bodyPr spcFirstLastPara="0" vert="horz" wrap="square" lIns="64770" tIns="64770" rIns="64770" bIns="64770" numCol="1" spcCol="1270" anchor="ctr" anchorCtr="0">
-          <a:noAutofit/>
-        </a:bodyPr>
-        <a:lstStyle/>
-        <a:p>
-          <a:pPr marL="0" lvl="0" indent="0" algn="ctr" defTabSz="755650">
-            <a:lnSpc>
-              <a:spcPct val="90000"/>
-            </a:lnSpc>
-            <a:spcBef>
-              <a:spcPct val="0"/>
-            </a:spcBef>
-            <a:spcAft>
-              <a:spcPct val="35000"/>
-            </a:spcAft>
-            <a:buNone/>
-          </a:pPr>
-          <a:endParaRPr lang="en-US" sz="1700" kern="1200" dirty="0"/>
-        </a:p>
-      </dsp:txBody>
-      <dsp:txXfrm>
-        <a:off x="5133836" y="32088"/>
-        <a:ext cx="1557055" cy="911545"/>
-      </dsp:txXfrm>
-    </dsp:sp>
-    <dsp:sp modelId="{FF1352D4-ADF7-0240-92F6-4BEE30FF694D}">
-      <dsp:nvSpPr>
-        <dsp:cNvPr id="0" name=""/>
-        <dsp:cNvSpPr/>
-      </dsp:nvSpPr>
-      <dsp:spPr>
-        <a:xfrm rot="5400000">
-          <a:off x="6980922" y="779351"/>
-          <a:ext cx="1192172" cy="145239"/>
-        </a:xfrm>
-        <a:prstGeom prst="rect">
-          <a:avLst/>
-        </a:prstGeom>
-        <a:solidFill>
-          <a:schemeClr val="accent1">
-            <a:tint val="60000"/>
-            <a:hueOff val="0"/>
-            <a:satOff val="0"/>
-            <a:lumOff val="0"/>
-            <a:alphaOff val="0"/>
-          </a:schemeClr>
-        </a:solidFill>
-        <a:ln>
-          <a:noFill/>
-        </a:ln>
-        <a:effectLst/>
-      </dsp:spPr>
-      <dsp:style>
-        <a:lnRef idx="0">
-          <a:scrgbClr r="0" g="0" b="0"/>
-        </a:lnRef>
-        <a:fillRef idx="1">
-          <a:scrgbClr r="0" g="0" b="0"/>
-        </a:fillRef>
-        <a:effectRef idx="0">
-          <a:scrgbClr r="0" g="0" b="0"/>
-        </a:effectRef>
-        <a:fontRef idx="minor">
-          <a:schemeClr val="lt1"/>
-        </a:fontRef>
-      </dsp:style>
-    </dsp:sp>
-    <dsp:sp modelId="{E33B10F8-E1A9-B54A-9B5A-BBA9A1168ECA}">
-      <dsp:nvSpPr>
-        <dsp:cNvPr id="0" name=""/>
-        <dsp:cNvSpPr/>
-      </dsp:nvSpPr>
-      <dsp:spPr>
-        <a:xfrm>
-          <a:off x="7251797" y="16974"/>
-          <a:ext cx="1613775" cy="968265"/>
-        </a:xfrm>
-        <a:prstGeom prst="roundRect">
-          <a:avLst>
-            <a:gd name="adj" fmla="val 10000"/>
-          </a:avLst>
-        </a:prstGeom>
-        <a:solidFill>
-          <a:schemeClr val="accent1">
-            <a:hueOff val="0"/>
-            <a:satOff val="0"/>
-            <a:lumOff val="0"/>
-            <a:alphaOff val="0"/>
-          </a:schemeClr>
-        </a:solidFill>
-        <a:ln w="12700" cap="flat" cmpd="sng" algn="ctr">
-          <a:solidFill>
-            <a:schemeClr val="lt1">
-              <a:hueOff val="0"/>
-              <a:satOff val="0"/>
-              <a:lumOff val="0"/>
-              <a:alphaOff val="0"/>
-            </a:schemeClr>
-          </a:solidFill>
-          <a:prstDash val="solid"/>
-          <a:miter lim="800000"/>
-        </a:ln>
-        <a:effectLst/>
-      </dsp:spPr>
-      <dsp:style>
-        <a:lnRef idx="2">
-          <a:scrgbClr r="0" g="0" b="0"/>
-        </a:lnRef>
-        <a:fillRef idx="1">
-          <a:scrgbClr r="0" g="0" b="0"/>
-        </a:fillRef>
-        <a:effectRef idx="0">
-          <a:scrgbClr r="0" g="0" b="0"/>
-        </a:effectRef>
-        <a:fontRef idx="minor">
-          <a:schemeClr val="lt1"/>
-        </a:fontRef>
-      </dsp:style>
-      <dsp:txBody>
-        <a:bodyPr spcFirstLastPara="0" vert="horz" wrap="square" lIns="64770" tIns="64770" rIns="64770" bIns="64770" numCol="1" spcCol="1270" anchor="ctr" anchorCtr="0">
-          <a:noAutofit/>
-        </a:bodyPr>
-        <a:lstStyle/>
-        <a:p>
-          <a:pPr marL="0" lvl="0" indent="0" algn="ctr" defTabSz="755650">
-            <a:lnSpc>
-              <a:spcPct val="90000"/>
-            </a:lnSpc>
-            <a:spcBef>
-              <a:spcPct val="0"/>
-            </a:spcBef>
-            <a:spcAft>
-              <a:spcPct val="35000"/>
-            </a:spcAft>
-            <a:buNone/>
-          </a:pPr>
-          <a:endParaRPr lang="en-US" sz="1700" kern="1200" dirty="0"/>
-        </a:p>
-      </dsp:txBody>
-      <dsp:txXfrm>
-        <a:off x="7280157" y="45334"/>
-        <a:ext cx="1557055" cy="911545"/>
-      </dsp:txXfrm>
-    </dsp:sp>
-    <dsp:sp modelId="{00864C02-C94B-9845-9473-CF8DB6AB0F07}">
-      <dsp:nvSpPr>
-        <dsp:cNvPr id="0" name=""/>
-        <dsp:cNvSpPr/>
-      </dsp:nvSpPr>
-      <dsp:spPr>
-        <a:xfrm rot="5400000">
-          <a:off x="6974299" y="1983060"/>
-          <a:ext cx="1205418" cy="145239"/>
-        </a:xfrm>
-        <a:prstGeom prst="rect">
-          <a:avLst/>
-        </a:prstGeom>
-        <a:solidFill>
-          <a:schemeClr val="accent1">
-            <a:tint val="60000"/>
-            <a:hueOff val="0"/>
-            <a:satOff val="0"/>
-            <a:lumOff val="0"/>
-            <a:alphaOff val="0"/>
-          </a:schemeClr>
-        </a:solidFill>
-        <a:ln>
-          <a:noFill/>
-        </a:ln>
-        <a:effectLst/>
-      </dsp:spPr>
-      <dsp:style>
-        <a:lnRef idx="0">
-          <a:scrgbClr r="0" g="0" b="0"/>
-        </a:lnRef>
-        <a:fillRef idx="1">
-          <a:scrgbClr r="0" g="0" b="0"/>
-        </a:fillRef>
-        <a:effectRef idx="0">
-          <a:scrgbClr r="0" g="0" b="0"/>
-        </a:effectRef>
-        <a:fontRef idx="minor">
-          <a:schemeClr val="lt1"/>
-        </a:fontRef>
-      </dsp:style>
-    </dsp:sp>
-    <dsp:sp modelId="{2C4ADBDC-5CF7-3C40-8FC1-F4DDB277AC71}">
-      <dsp:nvSpPr>
-        <dsp:cNvPr id="0" name=""/>
-        <dsp:cNvSpPr/>
-      </dsp:nvSpPr>
-      <dsp:spPr>
-        <a:xfrm>
-          <a:off x="7251797" y="1214060"/>
-          <a:ext cx="1613775" cy="968265"/>
-        </a:xfrm>
-        <a:prstGeom prst="roundRect">
-          <a:avLst>
-            <a:gd name="adj" fmla="val 10000"/>
-          </a:avLst>
-        </a:prstGeom>
-        <a:solidFill>
-          <a:schemeClr val="accent1">
-            <a:hueOff val="0"/>
-            <a:satOff val="0"/>
-            <a:lumOff val="0"/>
-            <a:alphaOff val="0"/>
-          </a:schemeClr>
-        </a:solidFill>
-        <a:ln w="12700" cap="flat" cmpd="sng" algn="ctr">
-          <a:solidFill>
-            <a:schemeClr val="lt1">
-              <a:hueOff val="0"/>
-              <a:satOff val="0"/>
-              <a:lumOff val="0"/>
-              <a:alphaOff val="0"/>
-            </a:schemeClr>
-          </a:solidFill>
-          <a:prstDash val="solid"/>
-          <a:miter lim="800000"/>
-        </a:ln>
-        <a:effectLst/>
-      </dsp:spPr>
-      <dsp:style>
-        <a:lnRef idx="2">
-          <a:scrgbClr r="0" g="0" b="0"/>
-        </a:lnRef>
-        <a:fillRef idx="1">
-          <a:scrgbClr r="0" g="0" b="0"/>
-        </a:fillRef>
-        <a:effectRef idx="0">
-          <a:scrgbClr r="0" g="0" b="0"/>
-        </a:effectRef>
-        <a:fontRef idx="minor">
-          <a:schemeClr val="lt1"/>
-        </a:fontRef>
-      </dsp:style>
-      <dsp:txBody>
-        <a:bodyPr spcFirstLastPara="0" vert="horz" wrap="square" lIns="64770" tIns="64770" rIns="64770" bIns="64770" numCol="1" spcCol="1270" anchor="ctr" anchorCtr="0">
-          <a:noAutofit/>
-        </a:bodyPr>
-        <a:lstStyle/>
-        <a:p>
-          <a:pPr marL="0" lvl="0" indent="0" algn="ctr" defTabSz="755650">
-            <a:lnSpc>
-              <a:spcPct val="90000"/>
-            </a:lnSpc>
-            <a:spcBef>
-              <a:spcPct val="0"/>
-            </a:spcBef>
-            <a:spcAft>
-              <a:spcPct val="35000"/>
-            </a:spcAft>
-            <a:buNone/>
-          </a:pPr>
-          <a:endParaRPr lang="en-US" sz="1700" kern="1200" dirty="0"/>
-        </a:p>
-      </dsp:txBody>
-      <dsp:txXfrm>
-        <a:off x="7280157" y="1242420"/>
-        <a:ext cx="1557055" cy="911545"/>
-      </dsp:txXfrm>
-    </dsp:sp>
-    <dsp:sp modelId="{15B1577B-B08A-3D43-A9DC-C945E3804E11}">
-      <dsp:nvSpPr>
-        <dsp:cNvPr id="0" name=""/>
-        <dsp:cNvSpPr/>
-      </dsp:nvSpPr>
-      <dsp:spPr>
-        <a:xfrm rot="5400000">
-          <a:off x="6974299" y="3193391"/>
-          <a:ext cx="1205418" cy="145239"/>
-        </a:xfrm>
-        <a:prstGeom prst="rect">
-          <a:avLst/>
-        </a:prstGeom>
-        <a:solidFill>
-          <a:schemeClr val="accent1">
-            <a:tint val="60000"/>
-            <a:hueOff val="0"/>
-            <a:satOff val="0"/>
-            <a:lumOff val="0"/>
-            <a:alphaOff val="0"/>
-          </a:schemeClr>
-        </a:solidFill>
-        <a:ln>
-          <a:noFill/>
-        </a:ln>
-        <a:effectLst/>
-      </dsp:spPr>
-      <dsp:style>
-        <a:lnRef idx="0">
-          <a:scrgbClr r="0" g="0" b="0"/>
-        </a:lnRef>
-        <a:fillRef idx="1">
-          <a:scrgbClr r="0" g="0" b="0"/>
-        </a:fillRef>
-        <a:effectRef idx="0">
-          <a:scrgbClr r="0" g="0" b="0"/>
-        </a:effectRef>
-        <a:fontRef idx="minor">
-          <a:schemeClr val="lt1"/>
-        </a:fontRef>
-      </dsp:style>
-    </dsp:sp>
-    <dsp:sp modelId="{DCEDF309-7F35-1342-A063-667F18B18430}">
-      <dsp:nvSpPr>
-        <dsp:cNvPr id="0" name=""/>
-        <dsp:cNvSpPr/>
-      </dsp:nvSpPr>
-      <dsp:spPr>
-        <a:xfrm>
-          <a:off x="7251797" y="2424391"/>
-          <a:ext cx="1613775" cy="968265"/>
-        </a:xfrm>
-        <a:prstGeom prst="roundRect">
-          <a:avLst>
-            <a:gd name="adj" fmla="val 10000"/>
-          </a:avLst>
-        </a:prstGeom>
-        <a:solidFill>
-          <a:schemeClr val="accent1">
-            <a:hueOff val="0"/>
-            <a:satOff val="0"/>
-            <a:lumOff val="0"/>
-            <a:alphaOff val="0"/>
-          </a:schemeClr>
-        </a:solidFill>
-        <a:ln w="12700" cap="flat" cmpd="sng" algn="ctr">
-          <a:solidFill>
-            <a:schemeClr val="lt1">
-              <a:hueOff val="0"/>
-              <a:satOff val="0"/>
-              <a:lumOff val="0"/>
-              <a:alphaOff val="0"/>
-            </a:schemeClr>
-          </a:solidFill>
-          <a:prstDash val="solid"/>
-          <a:miter lim="800000"/>
-        </a:ln>
-        <a:effectLst/>
-      </dsp:spPr>
-      <dsp:style>
-        <a:lnRef idx="2">
-          <a:scrgbClr r="0" g="0" b="0"/>
-        </a:lnRef>
-        <a:fillRef idx="1">
-          <a:scrgbClr r="0" g="0" b="0"/>
-        </a:fillRef>
-        <a:effectRef idx="0">
-          <a:scrgbClr r="0" g="0" b="0"/>
-        </a:effectRef>
-        <a:fontRef idx="minor">
-          <a:schemeClr val="lt1"/>
-        </a:fontRef>
-      </dsp:style>
-      <dsp:txBody>
-        <a:bodyPr spcFirstLastPara="0" vert="horz" wrap="square" lIns="64770" tIns="64770" rIns="64770" bIns="64770" numCol="1" spcCol="1270" anchor="ctr" anchorCtr="0">
-          <a:noAutofit/>
-        </a:bodyPr>
-        <a:lstStyle/>
-        <a:p>
-          <a:pPr marL="0" lvl="0" indent="0" algn="ctr" defTabSz="755650">
-            <a:lnSpc>
-              <a:spcPct val="90000"/>
-            </a:lnSpc>
-            <a:spcBef>
-              <a:spcPct val="0"/>
-            </a:spcBef>
-            <a:spcAft>
-              <a:spcPct val="35000"/>
-            </a:spcAft>
-            <a:buNone/>
-          </a:pPr>
-          <a:endParaRPr lang="en-US" sz="1700" kern="1200" dirty="0"/>
-        </a:p>
-      </dsp:txBody>
-      <dsp:txXfrm>
-        <a:off x="7280157" y="2452751"/>
-        <a:ext cx="1557055" cy="911545"/>
-      </dsp:txXfrm>
-    </dsp:sp>
-    <dsp:sp modelId="{44595E4D-9A1F-BA45-85D1-E66B3A8B5FC4}">
-      <dsp:nvSpPr>
-        <dsp:cNvPr id="0" name=""/>
-        <dsp:cNvSpPr/>
-      </dsp:nvSpPr>
-      <dsp:spPr>
-        <a:xfrm>
-          <a:off x="7251797" y="3634722"/>
-          <a:ext cx="1613775" cy="968265"/>
-        </a:xfrm>
-        <a:prstGeom prst="roundRect">
-          <a:avLst>
-            <a:gd name="adj" fmla="val 10000"/>
-          </a:avLst>
-        </a:prstGeom>
-        <a:solidFill>
-          <a:schemeClr val="accent1">
-            <a:hueOff val="0"/>
-            <a:satOff val="0"/>
-            <a:lumOff val="0"/>
-            <a:alphaOff val="0"/>
-          </a:schemeClr>
-        </a:solidFill>
-        <a:ln w="12700" cap="flat" cmpd="sng" algn="ctr">
-          <a:solidFill>
-            <a:schemeClr val="lt1">
-              <a:hueOff val="0"/>
-              <a:satOff val="0"/>
-              <a:lumOff val="0"/>
-              <a:alphaOff val="0"/>
-            </a:schemeClr>
-          </a:solidFill>
-          <a:prstDash val="solid"/>
-          <a:miter lim="800000"/>
-        </a:ln>
-        <a:effectLst/>
-      </dsp:spPr>
-      <dsp:style>
-        <a:lnRef idx="2">
-          <a:scrgbClr r="0" g="0" b="0"/>
-        </a:lnRef>
-        <a:fillRef idx="1">
-          <a:scrgbClr r="0" g="0" b="0"/>
-        </a:fillRef>
-        <a:effectRef idx="0">
-          <a:scrgbClr r="0" g="0" b="0"/>
-        </a:effectRef>
-        <a:fontRef idx="minor">
-          <a:schemeClr val="lt1"/>
-        </a:fontRef>
-      </dsp:style>
-      <dsp:txBody>
-        <a:bodyPr spcFirstLastPara="0" vert="horz" wrap="square" lIns="64770" tIns="64770" rIns="64770" bIns="64770" numCol="1" spcCol="1270" anchor="ctr" anchorCtr="0">
-          <a:noAutofit/>
-        </a:bodyPr>
-        <a:lstStyle/>
-        <a:p>
-          <a:pPr marL="0" lvl="0" indent="0" algn="ctr" defTabSz="755650">
-            <a:lnSpc>
-              <a:spcPct val="90000"/>
-            </a:lnSpc>
-            <a:spcBef>
-              <a:spcPct val="0"/>
-            </a:spcBef>
-            <a:spcAft>
-              <a:spcPct val="35000"/>
-            </a:spcAft>
-            <a:buNone/>
-          </a:pPr>
-          <a:endParaRPr lang="en-US" sz="1700" kern="1200" dirty="0"/>
-        </a:p>
-      </dsp:txBody>
-      <dsp:txXfrm>
-        <a:off x="7280157" y="3663082"/>
-        <a:ext cx="1557055" cy="911545"/>
-      </dsp:txXfrm>
-    </dsp:sp>
-  </dsp:spTree>
-</dsp:drawing>
-</file>
-
-<file path=ppt/diagrams/drawing2.xml><?xml version="1.0" encoding="utf-8"?>
 <dsp:drawing xmlns:dgm="http://schemas.openxmlformats.org/drawingml/2006/diagram" xmlns:dsp="http://schemas.microsoft.com/office/drawing/2008/diagram" xmlns:a="http://schemas.openxmlformats.org/drawingml/2006/main">
   <dsp:spTree>
     <dsp:nvGrpSpPr>
@@ -5510,238 +2543,6 @@
 </file>
 
 <file path=ppt/diagrams/layout1.xml><?xml version="1.0" encoding="utf-8"?>
-<dgm:layoutDef xmlns:dgm="http://schemas.openxmlformats.org/drawingml/2006/diagram" xmlns:a="http://schemas.openxmlformats.org/drawingml/2006/main" uniqueId="urn:microsoft.com/office/officeart/2005/8/layout/bProcess4">
-  <dgm:title val=""/>
-  <dgm:desc val=""/>
-  <dgm:catLst>
-    <dgm:cat type="process" pri="19000"/>
-  </dgm:catLst>
-  <dgm:sampData>
-    <dgm:dataModel>
-      <dgm:ptLst>
-        <dgm:pt modelId="0" type="doc"/>
-        <dgm:pt modelId="1">
-          <dgm:prSet phldr="1"/>
-        </dgm:pt>
-        <dgm:pt modelId="2">
-          <dgm:prSet phldr="1"/>
-        </dgm:pt>
-        <dgm:pt modelId="3">
-          <dgm:prSet phldr="1"/>
-        </dgm:pt>
-        <dgm:pt modelId="4">
-          <dgm:prSet phldr="1"/>
-        </dgm:pt>
-        <dgm:pt modelId="5">
-          <dgm:prSet phldr="1"/>
-        </dgm:pt>
-        <dgm:pt modelId="6">
-          <dgm:prSet phldr="1"/>
-        </dgm:pt>
-        <dgm:pt modelId="7">
-          <dgm:prSet phldr="1"/>
-        </dgm:pt>
-        <dgm:pt modelId="8">
-          <dgm:prSet phldr="1"/>
-        </dgm:pt>
-        <dgm:pt modelId="9">
-          <dgm:prSet phldr="1"/>
-        </dgm:pt>
-      </dgm:ptLst>
-      <dgm:cxnLst>
-        <dgm:cxn modelId="10" srcId="0" destId="1" srcOrd="0" destOrd="0"/>
-        <dgm:cxn modelId="11" srcId="0" destId="2" srcOrd="1" destOrd="0"/>
-        <dgm:cxn modelId="12" srcId="0" destId="3" srcOrd="2" destOrd="0"/>
-        <dgm:cxn modelId="13" srcId="0" destId="4" srcOrd="3" destOrd="0"/>
-        <dgm:cxn modelId="14" srcId="0" destId="5" srcOrd="4" destOrd="0"/>
-        <dgm:cxn modelId="15" srcId="0" destId="6" srcOrd="5" destOrd="0"/>
-        <dgm:cxn modelId="16" srcId="0" destId="7" srcOrd="6" destOrd="0"/>
-        <dgm:cxn modelId="17" srcId="0" destId="8" srcOrd="7" destOrd="0"/>
-        <dgm:cxn modelId="18" srcId="0" destId="9" srcOrd="8" destOrd="0"/>
-      </dgm:cxnLst>
-      <dgm:bg/>
-      <dgm:whole/>
-    </dgm:dataModel>
-  </dgm:sampData>
-  <dgm:styleData>
-    <dgm:dataModel>
-      <dgm:ptLst>
-        <dgm:pt modelId="0" type="doc"/>
-        <dgm:pt modelId="1"/>
-        <dgm:pt modelId="2"/>
-      </dgm:ptLst>
-      <dgm:cxnLst>
-        <dgm:cxn modelId="3" srcId="0" destId="1" srcOrd="0" destOrd="0"/>
-        <dgm:cxn modelId="4" srcId="0" destId="2" srcOrd="1" destOrd="0"/>
-      </dgm:cxnLst>
-      <dgm:bg/>
-      <dgm:whole/>
-    </dgm:dataModel>
-  </dgm:styleData>
-  <dgm:clrData>
-    <dgm:dataModel>
-      <dgm:ptLst>
-        <dgm:pt modelId="0" type="doc"/>
-        <dgm:pt modelId="1"/>
-        <dgm:pt modelId="2"/>
-        <dgm:pt modelId="3"/>
-        <dgm:pt modelId="4"/>
-        <dgm:pt modelId="5"/>
-        <dgm:pt modelId="6"/>
-      </dgm:ptLst>
-      <dgm:cxnLst>
-        <dgm:cxn modelId="7" srcId="0" destId="1" srcOrd="0" destOrd="0"/>
-        <dgm:cxn modelId="8" srcId="0" destId="2" srcOrd="1" destOrd="0"/>
-        <dgm:cxn modelId="9" srcId="0" destId="3" srcOrd="2" destOrd="0"/>
-        <dgm:cxn modelId="10" srcId="0" destId="4" srcOrd="3" destOrd="0"/>
-        <dgm:cxn modelId="11" srcId="0" destId="5" srcOrd="4" destOrd="0"/>
-        <dgm:cxn modelId="12" srcId="0" destId="6" srcOrd="5" destOrd="0"/>
-      </dgm:cxnLst>
-      <dgm:bg/>
-      <dgm:whole/>
-    </dgm:dataModel>
-  </dgm:clrData>
-  <dgm:layoutNode name="Name0">
-    <dgm:varLst>
-      <dgm:dir/>
-      <dgm:resizeHandles/>
-    </dgm:varLst>
-    <dgm:choose name="Name1">
-      <dgm:if name="Name2" func="var" arg="dir" op="equ" val="norm">
-        <dgm:alg type="snake">
-          <dgm:param type="grDir" val="tL"/>
-          <dgm:param type="flowDir" val="col"/>
-          <dgm:param type="contDir" val="revDir"/>
-          <dgm:param type="bkpt" val="bal"/>
-        </dgm:alg>
-      </dgm:if>
-      <dgm:else name="Name3">
-        <dgm:alg type="snake">
-          <dgm:param type="grDir" val="tR"/>
-          <dgm:param type="flowDir" val="col"/>
-          <dgm:param type="contDir" val="revDir"/>
-          <dgm:param type="bkpt" val="bal"/>
-        </dgm:alg>
-      </dgm:else>
-    </dgm:choose>
-    <dgm:shape xmlns:r="http://schemas.openxmlformats.org/officeDocument/2006/relationships" r:blip="">
-      <dgm:adjLst/>
-    </dgm:shape>
-    <dgm:presOf/>
-    <dgm:constrLst>
-      <dgm:constr type="w" for="ch" forName="compNode" refType="w"/>
-      <dgm:constr type="h" for="ch" forName="compNode" refType="w" fact="0.6"/>
-      <dgm:constr type="h" for="ch" forName="sibTrans" refType="h" refFor="ch" refForName="compNode" op="equ" fact="0.25"/>
-      <dgm:constr type="sp" refType="w" fact="0.33"/>
-      <dgm:constr type="primFontSz" for="des" forName="node" op="equ" val="65"/>
-    </dgm:constrLst>
-    <dgm:ruleLst/>
-    <dgm:forEach name="nodesForEach" axis="ch" ptType="node">
-      <dgm:layoutNode name="compNode">
-        <dgm:alg type="composite"/>
-        <dgm:shape xmlns:r="http://schemas.openxmlformats.org/officeDocument/2006/relationships" r:blip="">
-          <dgm:adjLst/>
-        </dgm:shape>
-        <dgm:presOf/>
-        <dgm:choose name="Name4">
-          <dgm:if name="Name5" axis="self" func="var" arg="dir" op="equ" val="norm">
-            <dgm:constrLst>
-              <dgm:constr type="l" for="ch" forName="dummyConnPt" refType="w" fact="0.2"/>
-              <dgm:constr type="t" for="ch" forName="dummyConnPt" refType="w" fact="0.145"/>
-              <dgm:constr type="l" for="ch" forName="node"/>
-              <dgm:constr type="t" for="ch" forName="node"/>
-              <dgm:constr type="h" for="ch" forName="node" refType="h"/>
-              <dgm:constr type="w" for="ch" forName="node" refType="w"/>
-            </dgm:constrLst>
-          </dgm:if>
-          <dgm:else name="Name6">
-            <dgm:constrLst>
-              <dgm:constr type="l" for="ch" forName="dummyConnPt" refType="w" fact="0.8"/>
-              <dgm:constr type="t" for="ch" forName="dummyConnPt" refType="w" fact="0.145"/>
-              <dgm:constr type="l" for="ch" forName="node"/>
-              <dgm:constr type="t" for="ch" forName="node"/>
-              <dgm:constr type="h" for="ch" forName="node" refType="h"/>
-              <dgm:constr type="w" for="ch" forName="node" refType="w"/>
-            </dgm:constrLst>
-          </dgm:else>
-        </dgm:choose>
-        <dgm:ruleLst/>
-        <dgm:layoutNode name="dummyConnPt" styleLbl="node1" moveWith="node">
-          <dgm:alg type="sp"/>
-          <dgm:shape xmlns:r="http://schemas.openxmlformats.org/officeDocument/2006/relationships" r:blip="">
-            <dgm:adjLst/>
-          </dgm:shape>
-          <dgm:presOf/>
-          <dgm:constrLst>
-            <dgm:constr type="w" val="1"/>
-            <dgm:constr type="h" val="1"/>
-          </dgm:constrLst>
-          <dgm:ruleLst/>
-        </dgm:layoutNode>
-        <dgm:layoutNode name="node">
-          <dgm:varLst>
-            <dgm:bulletEnabled val="1"/>
-          </dgm:varLst>
-          <dgm:alg type="tx"/>
-          <dgm:shape xmlns:r="http://schemas.openxmlformats.org/officeDocument/2006/relationships" type="roundRect" r:blip="">
-            <dgm:adjLst>
-              <dgm:adj idx="1" val="0.1"/>
-            </dgm:adjLst>
-          </dgm:shape>
-          <dgm:presOf axis="desOrSelf" ptType="node"/>
-          <dgm:constrLst>
-            <dgm:constr type="tMarg" refType="primFontSz" fact="0.3"/>
-            <dgm:constr type="bMarg" refType="primFontSz" fact="0.3"/>
-            <dgm:constr type="lMarg" refType="primFontSz" fact="0.3"/>
-            <dgm:constr type="rMarg" refType="primFontSz" fact="0.3"/>
-            <dgm:constr type="primFontSz" val="65"/>
-          </dgm:constrLst>
-          <dgm:ruleLst>
-            <dgm:rule type="primFontSz" val="5" fact="NaN" max="NaN"/>
-          </dgm:ruleLst>
-        </dgm:layoutNode>
-      </dgm:layoutNode>
-      <dgm:forEach name="sibTransForEach" axis="followSib" cnt="1">
-        <dgm:layoutNode name="sibTrans" styleLbl="bgSibTrans2D1">
-          <dgm:choose name="Name7">
-            <dgm:if name="Name8" axis="self" func="var" arg="dir" op="equ" val="norm">
-              <dgm:alg type="conn">
-                <dgm:param type="srcNode" val="dummyConnPt"/>
-                <dgm:param type="dstNode" val="dummyConnPt"/>
-                <dgm:param type="begPts" val="bCtr, midR, tCtr"/>
-                <dgm:param type="endPts" val="tCtr, midL, bCtr"/>
-                <dgm:param type="begSty" val="noArr"/>
-                <dgm:param type="endSty" val="noArr"/>
-              </dgm:alg>
-            </dgm:if>
-            <dgm:else name="Name9">
-              <dgm:alg type="conn">
-                <dgm:param type="srcNode" val="dummyConnPt"/>
-                <dgm:param type="dstNode" val="dummyConnPt"/>
-                <dgm:param type="begPts" val="bCtr, midL, tCtr"/>
-                <dgm:param type="endPts" val="tCtr, midR, bCtr"/>
-                <dgm:param type="begSty" val="noArr"/>
-                <dgm:param type="endSty" val="noArr"/>
-              </dgm:alg>
-            </dgm:else>
-          </dgm:choose>
-          <dgm:shape xmlns:r="http://schemas.openxmlformats.org/officeDocument/2006/relationships" type="conn" r:blip="" zOrderOff="-2">
-            <dgm:adjLst/>
-          </dgm:shape>
-          <dgm:presOf axis="self"/>
-          <dgm:constrLst>
-            <dgm:constr type="begPad"/>
-            <dgm:constr type="endPad"/>
-          </dgm:constrLst>
-          <dgm:ruleLst/>
-        </dgm:layoutNode>
-      </dgm:forEach>
-    </dgm:forEach>
-  </dgm:layoutNode>
-</dgm:layoutDef>
-</file>
-
-<file path=ppt/diagrams/layout2.xml><?xml version="1.0" encoding="utf-8"?>
 <dgm:layoutDef xmlns:dgm="http://schemas.openxmlformats.org/drawingml/2006/diagram" xmlns:a="http://schemas.openxmlformats.org/drawingml/2006/main" uniqueId="urn:microsoft.com/office/officeart/2005/8/layout/vList5">
   <dgm:title val=""/>
   <dgm:desc val=""/>
@@ -7008,1040 +3809,6 @@
 </dgm:styleDef>
 </file>
 
-<file path=ppt/diagrams/quickStyle2.xml><?xml version="1.0" encoding="utf-8"?>
-<dgm:styleDef xmlns:dgm="http://schemas.openxmlformats.org/drawingml/2006/diagram" xmlns:a="http://schemas.openxmlformats.org/drawingml/2006/main" uniqueId="urn:microsoft.com/office/officeart/2005/8/quickstyle/simple1">
-  <dgm:title val=""/>
-  <dgm:desc val=""/>
-  <dgm:catLst>
-    <dgm:cat type="simple" pri="10100"/>
-  </dgm:catLst>
-  <dgm:scene3d>
-    <a:camera prst="orthographicFront"/>
-    <a:lightRig rig="threePt" dir="t"/>
-  </dgm:scene3d>
-  <dgm:styleLbl name="node0">
-    <dgm:scene3d>
-      <a:camera prst="orthographicFront"/>
-      <a:lightRig rig="threePt" dir="t"/>
-    </dgm:scene3d>
-    <dgm:sp3d/>
-    <dgm:txPr/>
-    <dgm:style>
-      <a:lnRef idx="2">
-        <a:scrgbClr r="0" g="0" b="0"/>
-      </a:lnRef>
-      <a:fillRef idx="1">
-        <a:scrgbClr r="0" g="0" b="0"/>
-      </a:fillRef>
-      <a:effectRef idx="0">
-        <a:scrgbClr r="0" g="0" b="0"/>
-      </a:effectRef>
-      <a:fontRef idx="minor">
-        <a:schemeClr val="lt1"/>
-      </a:fontRef>
-    </dgm:style>
-  </dgm:styleLbl>
-  <dgm:styleLbl name="lnNode1">
-    <dgm:scene3d>
-      <a:camera prst="orthographicFront"/>
-      <a:lightRig rig="threePt" dir="t"/>
-    </dgm:scene3d>
-    <dgm:sp3d/>
-    <dgm:txPr/>
-    <dgm:style>
-      <a:lnRef idx="2">
-        <a:scrgbClr r="0" g="0" b="0"/>
-      </a:lnRef>
-      <a:fillRef idx="1">
-        <a:scrgbClr r="0" g="0" b="0"/>
-      </a:fillRef>
-      <a:effectRef idx="0">
-        <a:scrgbClr r="0" g="0" b="0"/>
-      </a:effectRef>
-      <a:fontRef idx="minor">
-        <a:schemeClr val="lt1"/>
-      </a:fontRef>
-    </dgm:style>
-  </dgm:styleLbl>
-  <dgm:styleLbl name="vennNode1">
-    <dgm:scene3d>
-      <a:camera prst="orthographicFront"/>
-      <a:lightRig rig="threePt" dir="t"/>
-    </dgm:scene3d>
-    <dgm:sp3d/>
-    <dgm:txPr/>
-    <dgm:style>
-      <a:lnRef idx="2">
-        <a:scrgbClr r="0" g="0" b="0"/>
-      </a:lnRef>
-      <a:fillRef idx="1">
-        <a:scrgbClr r="0" g="0" b="0"/>
-      </a:fillRef>
-      <a:effectRef idx="0">
-        <a:scrgbClr r="0" g="0" b="0"/>
-      </a:effectRef>
-      <a:fontRef idx="minor">
-        <a:schemeClr val="tx1"/>
-      </a:fontRef>
-    </dgm:style>
-  </dgm:styleLbl>
-  <dgm:styleLbl name="alignNode1">
-    <dgm:scene3d>
-      <a:camera prst="orthographicFront"/>
-      <a:lightRig rig="threePt" dir="t"/>
-    </dgm:scene3d>
-    <dgm:sp3d/>
-    <dgm:txPr/>
-    <dgm:style>
-      <a:lnRef idx="2">
-        <a:scrgbClr r="0" g="0" b="0"/>
-      </a:lnRef>
-      <a:fillRef idx="1">
-        <a:scrgbClr r="0" g="0" b="0"/>
-      </a:fillRef>
-      <a:effectRef idx="0">
-        <a:scrgbClr r="0" g="0" b="0"/>
-      </a:effectRef>
-      <a:fontRef idx="minor">
-        <a:schemeClr val="lt1"/>
-      </a:fontRef>
-    </dgm:style>
-  </dgm:styleLbl>
-  <dgm:styleLbl name="node1">
-    <dgm:scene3d>
-      <a:camera prst="orthographicFront"/>
-      <a:lightRig rig="threePt" dir="t"/>
-    </dgm:scene3d>
-    <dgm:sp3d/>
-    <dgm:txPr/>
-    <dgm:style>
-      <a:lnRef idx="2">
-        <a:scrgbClr r="0" g="0" b="0"/>
-      </a:lnRef>
-      <a:fillRef idx="1">
-        <a:scrgbClr r="0" g="0" b="0"/>
-      </a:fillRef>
-      <a:effectRef idx="0">
-        <a:scrgbClr r="0" g="0" b="0"/>
-      </a:effectRef>
-      <a:fontRef idx="minor">
-        <a:schemeClr val="lt1"/>
-      </a:fontRef>
-    </dgm:style>
-  </dgm:styleLbl>
-  <dgm:styleLbl name="node2">
-    <dgm:scene3d>
-      <a:camera prst="orthographicFront"/>
-      <a:lightRig rig="threePt" dir="t"/>
-    </dgm:scene3d>
-    <dgm:sp3d/>
-    <dgm:txPr/>
-    <dgm:style>
-      <a:lnRef idx="2">
-        <a:scrgbClr r="0" g="0" b="0"/>
-      </a:lnRef>
-      <a:fillRef idx="1">
-        <a:scrgbClr r="0" g="0" b="0"/>
-      </a:fillRef>
-      <a:effectRef idx="0">
-        <a:scrgbClr r="0" g="0" b="0"/>
-      </a:effectRef>
-      <a:fontRef idx="minor">
-        <a:schemeClr val="lt1"/>
-      </a:fontRef>
-    </dgm:style>
-  </dgm:styleLbl>
-  <dgm:styleLbl name="node3">
-    <dgm:scene3d>
-      <a:camera prst="orthographicFront"/>
-      <a:lightRig rig="threePt" dir="t"/>
-    </dgm:scene3d>
-    <dgm:sp3d/>
-    <dgm:txPr/>
-    <dgm:style>
-      <a:lnRef idx="2">
-        <a:scrgbClr r="0" g="0" b="0"/>
-      </a:lnRef>
-      <a:fillRef idx="1">
-        <a:scrgbClr r="0" g="0" b="0"/>
-      </a:fillRef>
-      <a:effectRef idx="0">
-        <a:scrgbClr r="0" g="0" b="0"/>
-      </a:effectRef>
-      <a:fontRef idx="minor">
-        <a:schemeClr val="lt1"/>
-      </a:fontRef>
-    </dgm:style>
-  </dgm:styleLbl>
-  <dgm:styleLbl name="node4">
-    <dgm:scene3d>
-      <a:camera prst="orthographicFront"/>
-      <a:lightRig rig="threePt" dir="t"/>
-    </dgm:scene3d>
-    <dgm:sp3d/>
-    <dgm:txPr/>
-    <dgm:style>
-      <a:lnRef idx="2">
-        <a:scrgbClr r="0" g="0" b="0"/>
-      </a:lnRef>
-      <a:fillRef idx="1">
-        <a:scrgbClr r="0" g="0" b="0"/>
-      </a:fillRef>
-      <a:effectRef idx="0">
-        <a:scrgbClr r="0" g="0" b="0"/>
-      </a:effectRef>
-      <a:fontRef idx="minor">
-        <a:schemeClr val="lt1"/>
-      </a:fontRef>
-    </dgm:style>
-  </dgm:styleLbl>
-  <dgm:styleLbl name="fgImgPlace1">
-    <dgm:scene3d>
-      <a:camera prst="orthographicFront"/>
-      <a:lightRig rig="threePt" dir="t"/>
-    </dgm:scene3d>
-    <dgm:sp3d/>
-    <dgm:txPr/>
-    <dgm:style>
-      <a:lnRef idx="2">
-        <a:scrgbClr r="0" g="0" b="0"/>
-      </a:lnRef>
-      <a:fillRef idx="1">
-        <a:scrgbClr r="0" g="0" b="0"/>
-      </a:fillRef>
-      <a:effectRef idx="0">
-        <a:scrgbClr r="0" g="0" b="0"/>
-      </a:effectRef>
-      <a:fontRef idx="minor"/>
-    </dgm:style>
-  </dgm:styleLbl>
-  <dgm:styleLbl name="alignImgPlace1">
-    <dgm:scene3d>
-      <a:camera prst="orthographicFront"/>
-      <a:lightRig rig="threePt" dir="t"/>
-    </dgm:scene3d>
-    <dgm:sp3d/>
-    <dgm:txPr/>
-    <dgm:style>
-      <a:lnRef idx="2">
-        <a:scrgbClr r="0" g="0" b="0"/>
-      </a:lnRef>
-      <a:fillRef idx="1">
-        <a:scrgbClr r="0" g="0" b="0"/>
-      </a:fillRef>
-      <a:effectRef idx="0">
-        <a:scrgbClr r="0" g="0" b="0"/>
-      </a:effectRef>
-      <a:fontRef idx="minor"/>
-    </dgm:style>
-  </dgm:styleLbl>
-  <dgm:styleLbl name="bgImgPlace1">
-    <dgm:scene3d>
-      <a:camera prst="orthographicFront"/>
-      <a:lightRig rig="threePt" dir="t"/>
-    </dgm:scene3d>
-    <dgm:sp3d/>
-    <dgm:txPr/>
-    <dgm:style>
-      <a:lnRef idx="2">
-        <a:scrgbClr r="0" g="0" b="0"/>
-      </a:lnRef>
-      <a:fillRef idx="1">
-        <a:scrgbClr r="0" g="0" b="0"/>
-      </a:fillRef>
-      <a:effectRef idx="0">
-        <a:scrgbClr r="0" g="0" b="0"/>
-      </a:effectRef>
-      <a:fontRef idx="minor"/>
-    </dgm:style>
-  </dgm:styleLbl>
-  <dgm:styleLbl name="sibTrans2D1">
-    <dgm:scene3d>
-      <a:camera prst="orthographicFront"/>
-      <a:lightRig rig="threePt" dir="t"/>
-    </dgm:scene3d>
-    <dgm:sp3d/>
-    <dgm:txPr/>
-    <dgm:style>
-      <a:lnRef idx="0">
-        <a:scrgbClr r="0" g="0" b="0"/>
-      </a:lnRef>
-      <a:fillRef idx="1">
-        <a:scrgbClr r="0" g="0" b="0"/>
-      </a:fillRef>
-      <a:effectRef idx="0">
-        <a:scrgbClr r="0" g="0" b="0"/>
-      </a:effectRef>
-      <a:fontRef idx="minor">
-        <a:schemeClr val="lt1"/>
-      </a:fontRef>
-    </dgm:style>
-  </dgm:styleLbl>
-  <dgm:styleLbl name="fgSibTrans2D1">
-    <dgm:scene3d>
-      <a:camera prst="orthographicFront"/>
-      <a:lightRig rig="threePt" dir="t"/>
-    </dgm:scene3d>
-    <dgm:sp3d/>
-    <dgm:txPr/>
-    <dgm:style>
-      <a:lnRef idx="0">
-        <a:scrgbClr r="0" g="0" b="0"/>
-      </a:lnRef>
-      <a:fillRef idx="1">
-        <a:scrgbClr r="0" g="0" b="0"/>
-      </a:fillRef>
-      <a:effectRef idx="0">
-        <a:scrgbClr r="0" g="0" b="0"/>
-      </a:effectRef>
-      <a:fontRef idx="minor">
-        <a:schemeClr val="lt1"/>
-      </a:fontRef>
-    </dgm:style>
-  </dgm:styleLbl>
-  <dgm:styleLbl name="bgSibTrans2D1">
-    <dgm:scene3d>
-      <a:camera prst="orthographicFront"/>
-      <a:lightRig rig="threePt" dir="t"/>
-    </dgm:scene3d>
-    <dgm:sp3d/>
-    <dgm:txPr/>
-    <dgm:style>
-      <a:lnRef idx="0">
-        <a:scrgbClr r="0" g="0" b="0"/>
-      </a:lnRef>
-      <a:fillRef idx="1">
-        <a:scrgbClr r="0" g="0" b="0"/>
-      </a:fillRef>
-      <a:effectRef idx="0">
-        <a:scrgbClr r="0" g="0" b="0"/>
-      </a:effectRef>
-      <a:fontRef idx="minor">
-        <a:schemeClr val="lt1"/>
-      </a:fontRef>
-    </dgm:style>
-  </dgm:styleLbl>
-  <dgm:styleLbl name="sibTrans1D1">
-    <dgm:scene3d>
-      <a:camera prst="orthographicFront"/>
-      <a:lightRig rig="threePt" dir="t"/>
-    </dgm:scene3d>
-    <dgm:sp3d/>
-    <dgm:txPr/>
-    <dgm:style>
-      <a:lnRef idx="1">
-        <a:scrgbClr r="0" g="0" b="0"/>
-      </a:lnRef>
-      <a:fillRef idx="0">
-        <a:scrgbClr r="0" g="0" b="0"/>
-      </a:fillRef>
-      <a:effectRef idx="0">
-        <a:scrgbClr r="0" g="0" b="0"/>
-      </a:effectRef>
-      <a:fontRef idx="minor"/>
-    </dgm:style>
-  </dgm:styleLbl>
-  <dgm:styleLbl name="callout">
-    <dgm:scene3d>
-      <a:camera prst="orthographicFront"/>
-      <a:lightRig rig="threePt" dir="t"/>
-    </dgm:scene3d>
-    <dgm:sp3d/>
-    <dgm:txPr/>
-    <dgm:style>
-      <a:lnRef idx="2">
-        <a:scrgbClr r="0" g="0" b="0"/>
-      </a:lnRef>
-      <a:fillRef idx="1">
-        <a:scrgbClr r="0" g="0" b="0"/>
-      </a:fillRef>
-      <a:effectRef idx="0">
-        <a:scrgbClr r="0" g="0" b="0"/>
-      </a:effectRef>
-      <a:fontRef idx="minor"/>
-    </dgm:style>
-  </dgm:styleLbl>
-  <dgm:styleLbl name="asst0">
-    <dgm:scene3d>
-      <a:camera prst="orthographicFront"/>
-      <a:lightRig rig="threePt" dir="t"/>
-    </dgm:scene3d>
-    <dgm:sp3d/>
-    <dgm:txPr/>
-    <dgm:style>
-      <a:lnRef idx="2">
-        <a:scrgbClr r="0" g="0" b="0"/>
-      </a:lnRef>
-      <a:fillRef idx="1">
-        <a:scrgbClr r="0" g="0" b="0"/>
-      </a:fillRef>
-      <a:effectRef idx="0">
-        <a:scrgbClr r="0" g="0" b="0"/>
-      </a:effectRef>
-      <a:fontRef idx="minor">
-        <a:schemeClr val="lt1"/>
-      </a:fontRef>
-    </dgm:style>
-  </dgm:styleLbl>
-  <dgm:styleLbl name="asst1">
-    <dgm:scene3d>
-      <a:camera prst="orthographicFront"/>
-      <a:lightRig rig="threePt" dir="t"/>
-    </dgm:scene3d>
-    <dgm:sp3d/>
-    <dgm:txPr/>
-    <dgm:style>
-      <a:lnRef idx="2">
-        <a:scrgbClr r="0" g="0" b="0"/>
-      </a:lnRef>
-      <a:fillRef idx="1">
-        <a:scrgbClr r="0" g="0" b="0"/>
-      </a:fillRef>
-      <a:effectRef idx="0">
-        <a:scrgbClr r="0" g="0" b="0"/>
-      </a:effectRef>
-      <a:fontRef idx="minor">
-        <a:schemeClr val="lt1"/>
-      </a:fontRef>
-    </dgm:style>
-  </dgm:styleLbl>
-  <dgm:styleLbl name="asst2">
-    <dgm:scene3d>
-      <a:camera prst="orthographicFront"/>
-      <a:lightRig rig="threePt" dir="t"/>
-    </dgm:scene3d>
-    <dgm:sp3d/>
-    <dgm:txPr/>
-    <dgm:style>
-      <a:lnRef idx="2">
-        <a:scrgbClr r="0" g="0" b="0"/>
-      </a:lnRef>
-      <a:fillRef idx="1">
-        <a:scrgbClr r="0" g="0" b="0"/>
-      </a:fillRef>
-      <a:effectRef idx="0">
-        <a:scrgbClr r="0" g="0" b="0"/>
-      </a:effectRef>
-      <a:fontRef idx="minor">
-        <a:schemeClr val="lt1"/>
-      </a:fontRef>
-    </dgm:style>
-  </dgm:styleLbl>
-  <dgm:styleLbl name="asst3">
-    <dgm:scene3d>
-      <a:camera prst="orthographicFront"/>
-      <a:lightRig rig="threePt" dir="t"/>
-    </dgm:scene3d>
-    <dgm:sp3d/>
-    <dgm:txPr/>
-    <dgm:style>
-      <a:lnRef idx="2">
-        <a:scrgbClr r="0" g="0" b="0"/>
-      </a:lnRef>
-      <a:fillRef idx="1">
-        <a:scrgbClr r="0" g="0" b="0"/>
-      </a:fillRef>
-      <a:effectRef idx="0">
-        <a:scrgbClr r="0" g="0" b="0"/>
-      </a:effectRef>
-      <a:fontRef idx="minor">
-        <a:schemeClr val="lt1"/>
-      </a:fontRef>
-    </dgm:style>
-  </dgm:styleLbl>
-  <dgm:styleLbl name="asst4">
-    <dgm:scene3d>
-      <a:camera prst="orthographicFront"/>
-      <a:lightRig rig="threePt" dir="t"/>
-    </dgm:scene3d>
-    <dgm:sp3d/>
-    <dgm:txPr/>
-    <dgm:style>
-      <a:lnRef idx="2">
-        <a:scrgbClr r="0" g="0" b="0"/>
-      </a:lnRef>
-      <a:fillRef idx="1">
-        <a:scrgbClr r="0" g="0" b="0"/>
-      </a:fillRef>
-      <a:effectRef idx="0">
-        <a:scrgbClr r="0" g="0" b="0"/>
-      </a:effectRef>
-      <a:fontRef idx="minor">
-        <a:schemeClr val="lt1"/>
-      </a:fontRef>
-    </dgm:style>
-  </dgm:styleLbl>
-  <dgm:styleLbl name="parChTrans2D1">
-    <dgm:scene3d>
-      <a:camera prst="orthographicFront"/>
-      <a:lightRig rig="threePt" dir="t"/>
-    </dgm:scene3d>
-    <dgm:sp3d/>
-    <dgm:txPr/>
-    <dgm:style>
-      <a:lnRef idx="2">
-        <a:scrgbClr r="0" g="0" b="0"/>
-      </a:lnRef>
-      <a:fillRef idx="1">
-        <a:scrgbClr r="0" g="0" b="0"/>
-      </a:fillRef>
-      <a:effectRef idx="0">
-        <a:scrgbClr r="0" g="0" b="0"/>
-      </a:effectRef>
-      <a:fontRef idx="minor">
-        <a:schemeClr val="lt1"/>
-      </a:fontRef>
-    </dgm:style>
-  </dgm:styleLbl>
-  <dgm:styleLbl name="parChTrans2D2">
-    <dgm:scene3d>
-      <a:camera prst="orthographicFront"/>
-      <a:lightRig rig="threePt" dir="t"/>
-    </dgm:scene3d>
-    <dgm:sp3d/>
-    <dgm:txPr/>
-    <dgm:style>
-      <a:lnRef idx="2">
-        <a:scrgbClr r="0" g="0" b="0"/>
-      </a:lnRef>
-      <a:fillRef idx="1">
-        <a:scrgbClr r="0" g="0" b="0"/>
-      </a:fillRef>
-      <a:effectRef idx="0">
-        <a:scrgbClr r="0" g="0" b="0"/>
-      </a:effectRef>
-      <a:fontRef idx="minor">
-        <a:schemeClr val="lt1"/>
-      </a:fontRef>
-    </dgm:style>
-  </dgm:styleLbl>
-  <dgm:styleLbl name="parChTrans2D3">
-    <dgm:scene3d>
-      <a:camera prst="orthographicFront"/>
-      <a:lightRig rig="threePt" dir="t"/>
-    </dgm:scene3d>
-    <dgm:sp3d/>
-    <dgm:txPr/>
-    <dgm:style>
-      <a:lnRef idx="2">
-        <a:scrgbClr r="0" g="0" b="0"/>
-      </a:lnRef>
-      <a:fillRef idx="1">
-        <a:scrgbClr r="0" g="0" b="0"/>
-      </a:fillRef>
-      <a:effectRef idx="0">
-        <a:scrgbClr r="0" g="0" b="0"/>
-      </a:effectRef>
-      <a:fontRef idx="minor">
-        <a:schemeClr val="lt1"/>
-      </a:fontRef>
-    </dgm:style>
-  </dgm:styleLbl>
-  <dgm:styleLbl name="parChTrans2D4">
-    <dgm:scene3d>
-      <a:camera prst="orthographicFront"/>
-      <a:lightRig rig="threePt" dir="t"/>
-    </dgm:scene3d>
-    <dgm:sp3d/>
-    <dgm:txPr/>
-    <dgm:style>
-      <a:lnRef idx="2">
-        <a:scrgbClr r="0" g="0" b="0"/>
-      </a:lnRef>
-      <a:fillRef idx="1">
-        <a:scrgbClr r="0" g="0" b="0"/>
-      </a:fillRef>
-      <a:effectRef idx="0">
-        <a:scrgbClr r="0" g="0" b="0"/>
-      </a:effectRef>
-      <a:fontRef idx="minor">
-        <a:schemeClr val="lt1"/>
-      </a:fontRef>
-    </dgm:style>
-  </dgm:styleLbl>
-  <dgm:styleLbl name="parChTrans1D1">
-    <dgm:scene3d>
-      <a:camera prst="orthographicFront"/>
-      <a:lightRig rig="threePt" dir="t"/>
-    </dgm:scene3d>
-    <dgm:sp3d/>
-    <dgm:txPr/>
-    <dgm:style>
-      <a:lnRef idx="2">
-        <a:scrgbClr r="0" g="0" b="0"/>
-      </a:lnRef>
-      <a:fillRef idx="0">
-        <a:scrgbClr r="0" g="0" b="0"/>
-      </a:fillRef>
-      <a:effectRef idx="0">
-        <a:scrgbClr r="0" g="0" b="0"/>
-      </a:effectRef>
-      <a:fontRef idx="minor"/>
-    </dgm:style>
-  </dgm:styleLbl>
-  <dgm:styleLbl name="parChTrans1D2">
-    <dgm:scene3d>
-      <a:camera prst="orthographicFront"/>
-      <a:lightRig rig="threePt" dir="t"/>
-    </dgm:scene3d>
-    <dgm:sp3d/>
-    <dgm:txPr/>
-    <dgm:style>
-      <a:lnRef idx="2">
-        <a:scrgbClr r="0" g="0" b="0"/>
-      </a:lnRef>
-      <a:fillRef idx="0">
-        <a:scrgbClr r="0" g="0" b="0"/>
-      </a:fillRef>
-      <a:effectRef idx="0">
-        <a:scrgbClr r="0" g="0" b="0"/>
-      </a:effectRef>
-      <a:fontRef idx="minor"/>
-    </dgm:style>
-  </dgm:styleLbl>
-  <dgm:styleLbl name="parChTrans1D3">
-    <dgm:scene3d>
-      <a:camera prst="orthographicFront"/>
-      <a:lightRig rig="threePt" dir="t"/>
-    </dgm:scene3d>
-    <dgm:sp3d/>
-    <dgm:txPr/>
-    <dgm:style>
-      <a:lnRef idx="2">
-        <a:scrgbClr r="0" g="0" b="0"/>
-      </a:lnRef>
-      <a:fillRef idx="0">
-        <a:scrgbClr r="0" g="0" b="0"/>
-      </a:fillRef>
-      <a:effectRef idx="0">
-        <a:scrgbClr r="0" g="0" b="0"/>
-      </a:effectRef>
-      <a:fontRef idx="minor"/>
-    </dgm:style>
-  </dgm:styleLbl>
-  <dgm:styleLbl name="parChTrans1D4">
-    <dgm:scene3d>
-      <a:camera prst="orthographicFront"/>
-      <a:lightRig rig="threePt" dir="t"/>
-    </dgm:scene3d>
-    <dgm:sp3d/>
-    <dgm:txPr/>
-    <dgm:style>
-      <a:lnRef idx="2">
-        <a:scrgbClr r="0" g="0" b="0"/>
-      </a:lnRef>
-      <a:fillRef idx="0">
-        <a:scrgbClr r="0" g="0" b="0"/>
-      </a:fillRef>
-      <a:effectRef idx="0">
-        <a:scrgbClr r="0" g="0" b="0"/>
-      </a:effectRef>
-      <a:fontRef idx="minor"/>
-    </dgm:style>
-  </dgm:styleLbl>
-  <dgm:styleLbl name="fgAcc1">
-    <dgm:scene3d>
-      <a:camera prst="orthographicFront"/>
-      <a:lightRig rig="threePt" dir="t"/>
-    </dgm:scene3d>
-    <dgm:sp3d/>
-    <dgm:txPr/>
-    <dgm:style>
-      <a:lnRef idx="2">
-        <a:scrgbClr r="0" g="0" b="0"/>
-      </a:lnRef>
-      <a:fillRef idx="1">
-        <a:scrgbClr r="0" g="0" b="0"/>
-      </a:fillRef>
-      <a:effectRef idx="0">
-        <a:scrgbClr r="0" g="0" b="0"/>
-      </a:effectRef>
-      <a:fontRef idx="minor"/>
-    </dgm:style>
-  </dgm:styleLbl>
-  <dgm:styleLbl name="conFgAcc1">
-    <dgm:scene3d>
-      <a:camera prst="orthographicFront"/>
-      <a:lightRig rig="threePt" dir="t"/>
-    </dgm:scene3d>
-    <dgm:sp3d/>
-    <dgm:txPr/>
-    <dgm:style>
-      <a:lnRef idx="2">
-        <a:scrgbClr r="0" g="0" b="0"/>
-      </a:lnRef>
-      <a:fillRef idx="1">
-        <a:scrgbClr r="0" g="0" b="0"/>
-      </a:fillRef>
-      <a:effectRef idx="0">
-        <a:scrgbClr r="0" g="0" b="0"/>
-      </a:effectRef>
-      <a:fontRef idx="minor"/>
-    </dgm:style>
-  </dgm:styleLbl>
-  <dgm:styleLbl name="alignAcc1">
-    <dgm:scene3d>
-      <a:camera prst="orthographicFront"/>
-      <a:lightRig rig="threePt" dir="t"/>
-    </dgm:scene3d>
-    <dgm:sp3d/>
-    <dgm:txPr/>
-    <dgm:style>
-      <a:lnRef idx="2">
-        <a:scrgbClr r="0" g="0" b="0"/>
-      </a:lnRef>
-      <a:fillRef idx="1">
-        <a:scrgbClr r="0" g="0" b="0"/>
-      </a:fillRef>
-      <a:effectRef idx="0">
-        <a:scrgbClr r="0" g="0" b="0"/>
-      </a:effectRef>
-      <a:fontRef idx="minor"/>
-    </dgm:style>
-  </dgm:styleLbl>
-  <dgm:styleLbl name="trAlignAcc1">
-    <dgm:scene3d>
-      <a:camera prst="orthographicFront"/>
-      <a:lightRig rig="threePt" dir="t"/>
-    </dgm:scene3d>
-    <dgm:sp3d/>
-    <dgm:txPr/>
-    <dgm:style>
-      <a:lnRef idx="1">
-        <a:scrgbClr r="0" g="0" b="0"/>
-      </a:lnRef>
-      <a:fillRef idx="1">
-        <a:scrgbClr r="0" g="0" b="0"/>
-      </a:fillRef>
-      <a:effectRef idx="0">
-        <a:scrgbClr r="0" g="0" b="0"/>
-      </a:effectRef>
-      <a:fontRef idx="minor"/>
-    </dgm:style>
-  </dgm:styleLbl>
-  <dgm:styleLbl name="bgAcc1">
-    <dgm:scene3d>
-      <a:camera prst="orthographicFront"/>
-      <a:lightRig rig="threePt" dir="t"/>
-    </dgm:scene3d>
-    <dgm:sp3d/>
-    <dgm:txPr/>
-    <dgm:style>
-      <a:lnRef idx="2">
-        <a:scrgbClr r="0" g="0" b="0"/>
-      </a:lnRef>
-      <a:fillRef idx="1">
-        <a:scrgbClr r="0" g="0" b="0"/>
-      </a:fillRef>
-      <a:effectRef idx="0">
-        <a:scrgbClr r="0" g="0" b="0"/>
-      </a:effectRef>
-      <a:fontRef idx="minor"/>
-    </dgm:style>
-  </dgm:styleLbl>
-  <dgm:styleLbl name="solidFgAcc1">
-    <dgm:scene3d>
-      <a:camera prst="orthographicFront"/>
-      <a:lightRig rig="threePt" dir="t"/>
-    </dgm:scene3d>
-    <dgm:sp3d/>
-    <dgm:txPr/>
-    <dgm:style>
-      <a:lnRef idx="2">
-        <a:scrgbClr r="0" g="0" b="0"/>
-      </a:lnRef>
-      <a:fillRef idx="1">
-        <a:scrgbClr r="0" g="0" b="0"/>
-      </a:fillRef>
-      <a:effectRef idx="0">
-        <a:scrgbClr r="0" g="0" b="0"/>
-      </a:effectRef>
-      <a:fontRef idx="minor"/>
-    </dgm:style>
-  </dgm:styleLbl>
-  <dgm:styleLbl name="solidAlignAcc1">
-    <dgm:scene3d>
-      <a:camera prst="orthographicFront"/>
-      <a:lightRig rig="threePt" dir="t"/>
-    </dgm:scene3d>
-    <dgm:sp3d/>
-    <dgm:txPr/>
-    <dgm:style>
-      <a:lnRef idx="2">
-        <a:scrgbClr r="0" g="0" b="0"/>
-      </a:lnRef>
-      <a:fillRef idx="1">
-        <a:scrgbClr r="0" g="0" b="0"/>
-      </a:fillRef>
-      <a:effectRef idx="0">
-        <a:scrgbClr r="0" g="0" b="0"/>
-      </a:effectRef>
-      <a:fontRef idx="minor"/>
-    </dgm:style>
-  </dgm:styleLbl>
-  <dgm:styleLbl name="solidBgAcc1">
-    <dgm:scene3d>
-      <a:camera prst="orthographicFront"/>
-      <a:lightRig rig="threePt" dir="t"/>
-    </dgm:scene3d>
-    <dgm:sp3d/>
-    <dgm:txPr/>
-    <dgm:style>
-      <a:lnRef idx="2">
-        <a:scrgbClr r="0" g="0" b="0"/>
-      </a:lnRef>
-      <a:fillRef idx="1">
-        <a:scrgbClr r="0" g="0" b="0"/>
-      </a:fillRef>
-      <a:effectRef idx="0">
-        <a:scrgbClr r="0" g="0" b="0"/>
-      </a:effectRef>
-      <a:fontRef idx="minor"/>
-    </dgm:style>
-  </dgm:styleLbl>
-  <dgm:styleLbl name="fgAccFollowNode1">
-    <dgm:scene3d>
-      <a:camera prst="orthographicFront"/>
-      <a:lightRig rig="threePt" dir="t"/>
-    </dgm:scene3d>
-    <dgm:sp3d/>
-    <dgm:txPr/>
-    <dgm:style>
-      <a:lnRef idx="2">
-        <a:scrgbClr r="0" g="0" b="0"/>
-      </a:lnRef>
-      <a:fillRef idx="1">
-        <a:scrgbClr r="0" g="0" b="0"/>
-      </a:fillRef>
-      <a:effectRef idx="0">
-        <a:scrgbClr r="0" g="0" b="0"/>
-      </a:effectRef>
-      <a:fontRef idx="minor"/>
-    </dgm:style>
-  </dgm:styleLbl>
-  <dgm:styleLbl name="alignAccFollowNode1">
-    <dgm:scene3d>
-      <a:camera prst="orthographicFront"/>
-      <a:lightRig rig="threePt" dir="t"/>
-    </dgm:scene3d>
-    <dgm:sp3d/>
-    <dgm:txPr/>
-    <dgm:style>
-      <a:lnRef idx="2">
-        <a:scrgbClr r="0" g="0" b="0"/>
-      </a:lnRef>
-      <a:fillRef idx="1">
-        <a:scrgbClr r="0" g="0" b="0"/>
-      </a:fillRef>
-      <a:effectRef idx="0">
-        <a:scrgbClr r="0" g="0" b="0"/>
-      </a:effectRef>
-      <a:fontRef idx="minor"/>
-    </dgm:style>
-  </dgm:styleLbl>
-  <dgm:styleLbl name="bgAccFollowNode1">
-    <dgm:scene3d>
-      <a:camera prst="orthographicFront"/>
-      <a:lightRig rig="threePt" dir="t"/>
-    </dgm:scene3d>
-    <dgm:sp3d/>
-    <dgm:txPr/>
-    <dgm:style>
-      <a:lnRef idx="2">
-        <a:scrgbClr r="0" g="0" b="0"/>
-      </a:lnRef>
-      <a:fillRef idx="1">
-        <a:scrgbClr r="0" g="0" b="0"/>
-      </a:fillRef>
-      <a:effectRef idx="0">
-        <a:scrgbClr r="0" g="0" b="0"/>
-      </a:effectRef>
-      <a:fontRef idx="minor"/>
-    </dgm:style>
-  </dgm:styleLbl>
-  <dgm:styleLbl name="fgAcc0">
-    <dgm:scene3d>
-      <a:camera prst="orthographicFront"/>
-      <a:lightRig rig="threePt" dir="t"/>
-    </dgm:scene3d>
-    <dgm:sp3d/>
-    <dgm:txPr/>
-    <dgm:style>
-      <a:lnRef idx="2">
-        <a:scrgbClr r="0" g="0" b="0"/>
-      </a:lnRef>
-      <a:fillRef idx="1">
-        <a:scrgbClr r="0" g="0" b="0"/>
-      </a:fillRef>
-      <a:effectRef idx="0">
-        <a:scrgbClr r="0" g="0" b="0"/>
-      </a:effectRef>
-      <a:fontRef idx="minor"/>
-    </dgm:style>
-  </dgm:styleLbl>
-  <dgm:styleLbl name="fgAcc2">
-    <dgm:scene3d>
-      <a:camera prst="orthographicFront"/>
-      <a:lightRig rig="threePt" dir="t"/>
-    </dgm:scene3d>
-    <dgm:sp3d/>
-    <dgm:txPr/>
-    <dgm:style>
-      <a:lnRef idx="2">
-        <a:scrgbClr r="0" g="0" b="0"/>
-      </a:lnRef>
-      <a:fillRef idx="1">
-        <a:scrgbClr r="0" g="0" b="0"/>
-      </a:fillRef>
-      <a:effectRef idx="0">
-        <a:scrgbClr r="0" g="0" b="0"/>
-      </a:effectRef>
-      <a:fontRef idx="minor"/>
-    </dgm:style>
-  </dgm:styleLbl>
-  <dgm:styleLbl name="fgAcc3">
-    <dgm:scene3d>
-      <a:camera prst="orthographicFront"/>
-      <a:lightRig rig="threePt" dir="t"/>
-    </dgm:scene3d>
-    <dgm:sp3d/>
-    <dgm:txPr/>
-    <dgm:style>
-      <a:lnRef idx="2">
-        <a:scrgbClr r="0" g="0" b="0"/>
-      </a:lnRef>
-      <a:fillRef idx="1">
-        <a:scrgbClr r="0" g="0" b="0"/>
-      </a:fillRef>
-      <a:effectRef idx="0">
-        <a:scrgbClr r="0" g="0" b="0"/>
-      </a:effectRef>
-      <a:fontRef idx="minor"/>
-    </dgm:style>
-  </dgm:styleLbl>
-  <dgm:styleLbl name="fgAcc4">
-    <dgm:scene3d>
-      <a:camera prst="orthographicFront"/>
-      <a:lightRig rig="threePt" dir="t"/>
-    </dgm:scene3d>
-    <dgm:sp3d/>
-    <dgm:txPr/>
-    <dgm:style>
-      <a:lnRef idx="2">
-        <a:scrgbClr r="0" g="0" b="0"/>
-      </a:lnRef>
-      <a:fillRef idx="1">
-        <a:scrgbClr r="0" g="0" b="0"/>
-      </a:fillRef>
-      <a:effectRef idx="0">
-        <a:scrgbClr r="0" g="0" b="0"/>
-      </a:effectRef>
-      <a:fontRef idx="minor"/>
-    </dgm:style>
-  </dgm:styleLbl>
-  <dgm:styleLbl name="bgShp">
-    <dgm:scene3d>
-      <a:camera prst="orthographicFront"/>
-      <a:lightRig rig="threePt" dir="t"/>
-    </dgm:scene3d>
-    <dgm:sp3d/>
-    <dgm:txPr/>
-    <dgm:style>
-      <a:lnRef idx="0">
-        <a:scrgbClr r="0" g="0" b="0"/>
-      </a:lnRef>
-      <a:fillRef idx="1">
-        <a:scrgbClr r="0" g="0" b="0"/>
-      </a:fillRef>
-      <a:effectRef idx="0">
-        <a:scrgbClr r="0" g="0" b="0"/>
-      </a:effectRef>
-      <a:fontRef idx="minor"/>
-    </dgm:style>
-  </dgm:styleLbl>
-  <dgm:styleLbl name="dkBgShp">
-    <dgm:scene3d>
-      <a:camera prst="orthographicFront"/>
-      <a:lightRig rig="threePt" dir="t"/>
-    </dgm:scene3d>
-    <dgm:sp3d/>
-    <dgm:txPr/>
-    <dgm:style>
-      <a:lnRef idx="0">
-        <a:scrgbClr r="0" g="0" b="0"/>
-      </a:lnRef>
-      <a:fillRef idx="1">
-        <a:scrgbClr r="0" g="0" b="0"/>
-      </a:fillRef>
-      <a:effectRef idx="0">
-        <a:scrgbClr r="0" g="0" b="0"/>
-      </a:effectRef>
-      <a:fontRef idx="minor"/>
-    </dgm:style>
-  </dgm:styleLbl>
-  <dgm:styleLbl name="trBgShp">
-    <dgm:scene3d>
-      <a:camera prst="orthographicFront"/>
-      <a:lightRig rig="threePt" dir="t"/>
-    </dgm:scene3d>
-    <dgm:sp3d/>
-    <dgm:txPr/>
-    <dgm:style>
-      <a:lnRef idx="0">
-        <a:scrgbClr r="0" g="0" b="0"/>
-      </a:lnRef>
-      <a:fillRef idx="1">
-        <a:scrgbClr r="0" g="0" b="0"/>
-      </a:fillRef>
-      <a:effectRef idx="0">
-        <a:scrgbClr r="0" g="0" b="0"/>
-      </a:effectRef>
-      <a:fontRef idx="minor"/>
-    </dgm:style>
-  </dgm:styleLbl>
-  <dgm:styleLbl name="fgShp">
-    <dgm:scene3d>
-      <a:camera prst="orthographicFront"/>
-      <a:lightRig rig="threePt" dir="t"/>
-    </dgm:scene3d>
-    <dgm:sp3d/>
-    <dgm:txPr/>
-    <dgm:style>
-      <a:lnRef idx="2">
-        <a:scrgbClr r="0" g="0" b="0"/>
-      </a:lnRef>
-      <a:fillRef idx="1">
-        <a:scrgbClr r="0" g="0" b="0"/>
-      </a:fillRef>
-      <a:effectRef idx="0">
-        <a:scrgbClr r="0" g="0" b="0"/>
-      </a:effectRef>
-      <a:fontRef idx="minor"/>
-    </dgm:style>
-  </dgm:styleLbl>
-  <dgm:styleLbl name="revTx">
-    <dgm:scene3d>
-      <a:camera prst="orthographicFront"/>
-      <a:lightRig rig="threePt" dir="t"/>
-    </dgm:scene3d>
-    <dgm:sp3d/>
-    <dgm:txPr/>
-    <dgm:style>
-      <a:lnRef idx="0">
-        <a:scrgbClr r="0" g="0" b="0"/>
-      </a:lnRef>
-      <a:fillRef idx="0">
-        <a:scrgbClr r="0" g="0" b="0"/>
-      </a:fillRef>
-      <a:effectRef idx="0">
-        <a:scrgbClr r="0" g="0" b="0"/>
-      </a:effectRef>
-      <a:fontRef idx="minor"/>
-    </dgm:style>
-  </dgm:styleLbl>
-</dgm:styleDef>
-</file>
-
 <file path=ppt/handoutMasters/handoutMaster1.xml><?xml version="1.0" encoding="utf-8"?>
 <p:handoutMaster xmlns:a="http://schemas.openxmlformats.org/drawingml/2006/main" xmlns:r="http://schemas.openxmlformats.org/officeDocument/2006/relationships" xmlns:p="http://schemas.openxmlformats.org/presentationml/2006/main">
   <p:cSld>
@@ -8729,7 +4496,7 @@
           <a:p>
             <a:fld id="{22289C57-55D7-40A4-A101-E74FAC7A092B}" type="slidenum">
               <a:rPr lang="en-US" smtClean="0"/>
-              <a:t>13</a:t>
+              <a:t>12</a:t>
             </a:fld>
             <a:endParaRPr lang="en-US"/>
           </a:p>
@@ -8998,7 +4765,7 @@
           <a:p>
             <a:fld id="{22289C57-55D7-40A4-A101-E74FAC7A092B}" type="slidenum">
               <a:rPr lang="en-US" smtClean="0"/>
-              <a:t>7</a:t>
+              <a:t>6</a:t>
             </a:fld>
             <a:endParaRPr lang="en-US"/>
           </a:p>
@@ -9082,7 +4849,7 @@
           <a:p>
             <a:fld id="{22289C57-55D7-40A4-A101-E74FAC7A092B}" type="slidenum">
               <a:rPr lang="en-US" smtClean="0"/>
-              <a:t>8</a:t>
+              <a:t>7</a:t>
             </a:fld>
             <a:endParaRPr lang="en-US"/>
           </a:p>
@@ -9166,7 +4933,7 @@
           <a:p>
             <a:fld id="{22289C57-55D7-40A4-A101-E74FAC7A092B}" type="slidenum">
               <a:rPr lang="en-US" smtClean="0"/>
-              <a:t>9</a:t>
+              <a:t>8</a:t>
             </a:fld>
             <a:endParaRPr lang="en-US"/>
           </a:p>
@@ -9274,7 +5041,7 @@
           <a:p>
             <a:fld id="{22289C57-55D7-40A4-A101-E74FAC7A092B}" type="slidenum">
               <a:rPr lang="en-US" smtClean="0"/>
-              <a:t>10</a:t>
+              <a:t>9</a:t>
             </a:fld>
             <a:endParaRPr lang="en-US"/>
           </a:p>
@@ -9382,7 +5149,7 @@
           <a:p>
             <a:fld id="{22289C57-55D7-40A4-A101-E74FAC7A092B}" type="slidenum">
               <a:rPr lang="en-US" smtClean="0"/>
-              <a:t>11</a:t>
+              <a:t>10</a:t>
             </a:fld>
             <a:endParaRPr lang="en-US"/>
           </a:p>
@@ -9490,7 +5257,7 @@
           <a:p>
             <a:fld id="{22289C57-55D7-40A4-A101-E74FAC7A092B}" type="slidenum">
               <a:rPr lang="en-US" smtClean="0"/>
-              <a:t>12</a:t>
+              <a:t>11</a:t>
             </a:fld>
             <a:endParaRPr lang="en-US"/>
           </a:p>
@@ -14930,844 +10697,6 @@
         <p:cNvPr id="1" name="">
           <a:extLst>
             <a:ext uri="{FF2B5EF4-FFF2-40B4-BE49-F238E27FC236}">
-              <a16:creationId xmlns:a16="http://schemas.microsoft.com/office/drawing/2014/main" id="{2F32BB9F-3362-6BE1-41E8-37EB4ACDD347}"/>
-            </a:ext>
-          </a:extLst>
-        </p:cNvPr>
-        <p:cNvGrpSpPr/>
-        <p:nvPr/>
-      </p:nvGrpSpPr>
-      <p:grpSpPr>
-        <a:xfrm>
-          <a:off x="0" y="0"/>
-          <a:ext cx="0" cy="0"/>
-          <a:chOff x="0" y="0"/>
-          <a:chExt cx="0" cy="0"/>
-        </a:xfrm>
-      </p:grpSpPr>
-      <p:sp>
-        <p:nvSpPr>
-          <p:cNvPr id="68" name="Slide Number Placeholder 67">
-            <a:extLst>
-              <a:ext uri="{FF2B5EF4-FFF2-40B4-BE49-F238E27FC236}">
-                <a16:creationId xmlns:a16="http://schemas.microsoft.com/office/drawing/2014/main" id="{80B40ECD-538D-260D-6FAF-1799045CE9DD}"/>
-              </a:ext>
-            </a:extLst>
-          </p:cNvPr>
-          <p:cNvSpPr>
-            <a:spLocks noGrp="1"/>
-          </p:cNvSpPr>
-          <p:nvPr>
-            <p:ph type="sldNum" sz="quarter" idx="13"/>
-          </p:nvPr>
-        </p:nvSpPr>
-        <p:spPr>
-          <a:xfrm>
-            <a:off x="10373350" y="6356349"/>
-            <a:ext cx="987552" cy="365125"/>
-          </a:xfrm>
-        </p:spPr>
-        <p:txBody>
-          <a:bodyPr/>
-          <a:lstStyle/>
-          <a:p>
-            <a:fld id="{A49DFD55-3C28-40EF-9E31-A92D2E4017FF}" type="slidenum">
-              <a:rPr lang="en-US" smtClean="0"/>
-              <a:pPr/>
-              <a:t>10</a:t>
-            </a:fld>
-            <a:endParaRPr lang="en-US"/>
-          </a:p>
-        </p:txBody>
-      </p:sp>
-      <p:sp>
-        <p:nvSpPr>
-          <p:cNvPr id="3" name="Text Placeholder 12">
-            <a:extLst>
-              <a:ext uri="{FF2B5EF4-FFF2-40B4-BE49-F238E27FC236}">
-                <a16:creationId xmlns:a16="http://schemas.microsoft.com/office/drawing/2014/main" id="{37A66D3A-7D08-1E36-9FF3-D6CDD51C53FB}"/>
-              </a:ext>
-            </a:extLst>
-          </p:cNvPr>
-          <p:cNvSpPr txBox="1">
-            <a:spLocks/>
-          </p:cNvSpPr>
-          <p:nvPr/>
-        </p:nvSpPr>
-        <p:spPr>
-          <a:xfrm>
-            <a:off x="1322383" y="1739552"/>
-            <a:ext cx="9081453" cy="738530"/>
-          </a:xfrm>
-          <a:prstGeom prst="rect">
-            <a:avLst/>
-          </a:prstGeom>
-        </p:spPr>
-        <p:txBody>
-          <a:bodyPr vert="horz" lIns="91440" tIns="45720" rIns="91440" bIns="45720" rtlCol="0" anchor="t">
-            <a:noAutofit/>
-          </a:bodyPr>
-          <a:lstStyle>
-            <a:lvl1pPr marL="0" indent="0" algn="l" defTabSz="914400" rtl="0" eaLnBrk="1" latinLnBrk="0" hangingPunct="1">
-              <a:lnSpc>
-                <a:spcPct val="90000"/>
-              </a:lnSpc>
-              <a:spcBef>
-                <a:spcPts val="1000"/>
-              </a:spcBef>
-              <a:buFont typeface="Arial" panose="020B0604020202020204" pitchFamily="34" charset="0"/>
-              <a:buNone/>
-              <a:defRPr lang="en-US" sz="1800" b="1" kern="1200" spc="50" baseline="0" dirty="0" smtClean="0">
-                <a:solidFill>
-                  <a:schemeClr val="tx1"/>
-                </a:solidFill>
-                <a:latin typeface="+mj-lt"/>
-                <a:ea typeface="+mj-ea"/>
-                <a:cs typeface="+mj-cs"/>
-              </a:defRPr>
-            </a:lvl1pPr>
-            <a:lvl2pPr marL="457200" indent="0" algn="l" defTabSz="914400" rtl="0" eaLnBrk="1" latinLnBrk="0" hangingPunct="1">
-              <a:lnSpc>
-                <a:spcPct val="90000"/>
-              </a:lnSpc>
-              <a:spcBef>
-                <a:spcPts val="500"/>
-              </a:spcBef>
-              <a:buFont typeface="Arial" panose="020B0604020202020204" pitchFamily="34" charset="0"/>
-              <a:buNone/>
-              <a:defRPr sz="2000" b="1" kern="1200">
-                <a:solidFill>
-                  <a:schemeClr val="tx1"/>
-                </a:solidFill>
-                <a:latin typeface="+mn-lt"/>
-                <a:ea typeface="+mn-ea"/>
-                <a:cs typeface="+mn-cs"/>
-              </a:defRPr>
-            </a:lvl2pPr>
-            <a:lvl3pPr marL="914400" indent="0" algn="l" defTabSz="914400" rtl="0" eaLnBrk="1" latinLnBrk="0" hangingPunct="1">
-              <a:lnSpc>
-                <a:spcPct val="90000"/>
-              </a:lnSpc>
-              <a:spcBef>
-                <a:spcPts val="500"/>
-              </a:spcBef>
-              <a:buFont typeface="Arial" panose="020B0604020202020204" pitchFamily="34" charset="0"/>
-              <a:buNone/>
-              <a:defRPr sz="1800" b="1" kern="1200">
-                <a:solidFill>
-                  <a:schemeClr val="tx1"/>
-                </a:solidFill>
-                <a:latin typeface="+mn-lt"/>
-                <a:ea typeface="+mn-ea"/>
-                <a:cs typeface="+mn-cs"/>
-              </a:defRPr>
-            </a:lvl3pPr>
-            <a:lvl4pPr marL="1371600" indent="0" algn="l" defTabSz="914400" rtl="0" eaLnBrk="1" latinLnBrk="0" hangingPunct="1">
-              <a:lnSpc>
-                <a:spcPct val="90000"/>
-              </a:lnSpc>
-              <a:spcBef>
-                <a:spcPts val="500"/>
-              </a:spcBef>
-              <a:buFont typeface="Arial" panose="020B0604020202020204" pitchFamily="34" charset="0"/>
-              <a:buNone/>
-              <a:defRPr sz="1600" b="1" kern="1200">
-                <a:solidFill>
-                  <a:schemeClr val="tx1"/>
-                </a:solidFill>
-                <a:latin typeface="+mn-lt"/>
-                <a:ea typeface="+mn-ea"/>
-                <a:cs typeface="+mn-cs"/>
-              </a:defRPr>
-            </a:lvl4pPr>
-            <a:lvl5pPr marL="1828800" indent="0" algn="l" defTabSz="914400" rtl="0" eaLnBrk="1" latinLnBrk="0" hangingPunct="1">
-              <a:lnSpc>
-                <a:spcPct val="90000"/>
-              </a:lnSpc>
-              <a:spcBef>
-                <a:spcPts val="500"/>
-              </a:spcBef>
-              <a:buFont typeface="Arial" panose="020B0604020202020204" pitchFamily="34" charset="0"/>
-              <a:buNone/>
-              <a:defRPr sz="1600" b="1" kern="1200">
-                <a:solidFill>
-                  <a:schemeClr val="tx1"/>
-                </a:solidFill>
-                <a:latin typeface="+mn-lt"/>
-                <a:ea typeface="+mn-ea"/>
-                <a:cs typeface="+mn-cs"/>
-              </a:defRPr>
-            </a:lvl5pPr>
-            <a:lvl6pPr marL="2286000" indent="0" algn="l" defTabSz="914400" rtl="0" eaLnBrk="1" latinLnBrk="0" hangingPunct="1">
-              <a:lnSpc>
-                <a:spcPct val="90000"/>
-              </a:lnSpc>
-              <a:spcBef>
-                <a:spcPts val="500"/>
-              </a:spcBef>
-              <a:buFont typeface="Arial" panose="020B0604020202020204" pitchFamily="34" charset="0"/>
-              <a:buNone/>
-              <a:defRPr sz="1600" b="1" kern="1200">
-                <a:solidFill>
-                  <a:schemeClr val="tx1"/>
-                </a:solidFill>
-                <a:latin typeface="+mn-lt"/>
-                <a:ea typeface="+mn-ea"/>
-                <a:cs typeface="+mn-cs"/>
-              </a:defRPr>
-            </a:lvl6pPr>
-            <a:lvl7pPr marL="2743200" indent="0" algn="l" defTabSz="914400" rtl="0" eaLnBrk="1" latinLnBrk="0" hangingPunct="1">
-              <a:lnSpc>
-                <a:spcPct val="90000"/>
-              </a:lnSpc>
-              <a:spcBef>
-                <a:spcPts val="500"/>
-              </a:spcBef>
-              <a:buFont typeface="Arial" panose="020B0604020202020204" pitchFamily="34" charset="0"/>
-              <a:buNone/>
-              <a:defRPr sz="1600" b="1" kern="1200">
-                <a:solidFill>
-                  <a:schemeClr val="tx1"/>
-                </a:solidFill>
-                <a:latin typeface="+mn-lt"/>
-                <a:ea typeface="+mn-ea"/>
-                <a:cs typeface="+mn-cs"/>
-              </a:defRPr>
-            </a:lvl7pPr>
-            <a:lvl8pPr marL="3200400" indent="0" algn="l" defTabSz="914400" rtl="0" eaLnBrk="1" latinLnBrk="0" hangingPunct="1">
-              <a:lnSpc>
-                <a:spcPct val="90000"/>
-              </a:lnSpc>
-              <a:spcBef>
-                <a:spcPts val="500"/>
-              </a:spcBef>
-              <a:buFont typeface="Arial" panose="020B0604020202020204" pitchFamily="34" charset="0"/>
-              <a:buNone/>
-              <a:defRPr sz="1600" b="1" kern="1200">
-                <a:solidFill>
-                  <a:schemeClr val="tx1"/>
-                </a:solidFill>
-                <a:latin typeface="+mn-lt"/>
-                <a:ea typeface="+mn-ea"/>
-                <a:cs typeface="+mn-cs"/>
-              </a:defRPr>
-            </a:lvl8pPr>
-            <a:lvl9pPr marL="3657600" indent="0" algn="l" defTabSz="914400" rtl="0" eaLnBrk="1" latinLnBrk="0" hangingPunct="1">
-              <a:lnSpc>
-                <a:spcPct val="90000"/>
-              </a:lnSpc>
-              <a:spcBef>
-                <a:spcPts val="500"/>
-              </a:spcBef>
-              <a:buFont typeface="Arial" panose="020B0604020202020204" pitchFamily="34" charset="0"/>
-              <a:buNone/>
-              <a:defRPr sz="1600" b="1" kern="1200">
-                <a:solidFill>
-                  <a:schemeClr val="tx1"/>
-                </a:solidFill>
-                <a:latin typeface="+mn-lt"/>
-                <a:ea typeface="+mn-ea"/>
-                <a:cs typeface="+mn-cs"/>
-              </a:defRPr>
-            </a:lvl9pPr>
-          </a:lstStyle>
-          <a:p>
-            <a:r>
-              <a:rPr lang="en-US" sz="1600" b="0">
-                <a:ea typeface="+mj-lt"/>
-                <a:cs typeface="+mj-lt"/>
-              </a:rPr>
-              <a:t>Huge difference in Clicks (Internal=68 vs. </a:t>
-            </a:r>
-            <a:r>
-              <a:rPr lang="en-US" sz="1600" b="0" err="1">
-                <a:ea typeface="+mj-lt"/>
-                <a:cs typeface="+mj-lt"/>
-              </a:rPr>
-              <a:t>Certona</a:t>
-            </a:r>
-            <a:r>
-              <a:rPr lang="en-US" sz="1600" b="0">
-                <a:ea typeface="+mj-lt"/>
-                <a:cs typeface="+mj-lt"/>
-              </a:rPr>
-              <a:t>=235), but not necessarily revenue/purchase </a:t>
-            </a:r>
-            <a:endParaRPr lang="en-US" sz="1600" b="0"/>
-          </a:p>
-        </p:txBody>
-      </p:sp>
-      <p:cxnSp>
-        <p:nvCxnSpPr>
-          <p:cNvPr id="5" name="Straight Connector 4">
-            <a:extLst>
-              <a:ext uri="{FF2B5EF4-FFF2-40B4-BE49-F238E27FC236}">
-                <a16:creationId xmlns:a16="http://schemas.microsoft.com/office/drawing/2014/main" id="{31939B39-BD88-520C-EB40-DFA894BDD5EA}"/>
-              </a:ext>
-            </a:extLst>
-          </p:cNvPr>
-          <p:cNvCxnSpPr>
-            <a:cxnSpLocks/>
-          </p:cNvCxnSpPr>
-          <p:nvPr/>
-        </p:nvCxnSpPr>
-        <p:spPr>
-          <a:xfrm flipH="1">
-            <a:off x="4349364" y="1782872"/>
-            <a:ext cx="127220" cy="227168"/>
-          </a:xfrm>
-          <a:prstGeom prst="line">
-            <a:avLst/>
-          </a:prstGeom>
-        </p:spPr>
-        <p:style>
-          <a:lnRef idx="1">
-            <a:schemeClr val="dk1"/>
-          </a:lnRef>
-          <a:fillRef idx="0">
-            <a:schemeClr val="dk1"/>
-          </a:fillRef>
-          <a:effectRef idx="0">
-            <a:schemeClr val="dk1"/>
-          </a:effectRef>
-          <a:fontRef idx="minor">
-            <a:schemeClr val="tx1"/>
-          </a:fontRef>
-        </p:style>
-      </p:cxnSp>
-      <p:sp>
-        <p:nvSpPr>
-          <p:cNvPr id="6" name="Title 1">
-            <a:extLst>
-              <a:ext uri="{FF2B5EF4-FFF2-40B4-BE49-F238E27FC236}">
-                <a16:creationId xmlns:a16="http://schemas.microsoft.com/office/drawing/2014/main" id="{E5FC9221-7025-C0B5-9AFD-D7C005D3E849}"/>
-              </a:ext>
-            </a:extLst>
-          </p:cNvPr>
-          <p:cNvSpPr txBox="1">
-            <a:spLocks/>
-          </p:cNvSpPr>
-          <p:nvPr/>
-        </p:nvSpPr>
-        <p:spPr>
-          <a:xfrm>
-            <a:off x="1322317" y="268361"/>
-            <a:ext cx="8641191" cy="1266242"/>
-          </a:xfrm>
-          <a:prstGeom prst="rect">
-            <a:avLst/>
-          </a:prstGeom>
-        </p:spPr>
-        <p:txBody>
-          <a:bodyPr vert="horz" lIns="91440" tIns="45720" rIns="91440" bIns="45720" rtlCol="0" anchor="b">
-            <a:normAutofit/>
-          </a:bodyPr>
-          <a:lstStyle>
-            <a:lvl1pPr algn="l" defTabSz="914400" rtl="0" eaLnBrk="1" latinLnBrk="0" hangingPunct="1">
-              <a:lnSpc>
-                <a:spcPct val="90000"/>
-              </a:lnSpc>
-              <a:spcBef>
-                <a:spcPct val="0"/>
-              </a:spcBef>
-              <a:buNone/>
-              <a:defRPr lang="en-US" sz="2800" kern="1200" cap="all" spc="150" baseline="0" dirty="0">
-                <a:solidFill>
-                  <a:schemeClr val="tx1"/>
-                </a:solidFill>
-                <a:latin typeface="+mj-lt"/>
-                <a:ea typeface="+mj-ea"/>
-                <a:cs typeface="+mj-cs"/>
-              </a:defRPr>
-            </a:lvl1pPr>
-          </a:lstStyle>
-          <a:p>
-            <a:r>
-              <a:rPr lang="en-US">
-                <a:ea typeface="+mj-lt"/>
-                <a:cs typeface="+mj-lt"/>
-              </a:rPr>
-              <a:t>Case study : CERTONA CTR &gt; Internal ctr</a:t>
-            </a:r>
-            <a:endParaRPr lang="en-US"/>
-          </a:p>
-        </p:txBody>
-      </p:sp>
-      <p:pic>
-        <p:nvPicPr>
-          <p:cNvPr id="11" name="Content Placeholder 10" descr="A collage of different types of shoes&#10;&#10;AI-generated content may be incorrect.">
-            <a:extLst>
-              <a:ext uri="{FF2B5EF4-FFF2-40B4-BE49-F238E27FC236}">
-                <a16:creationId xmlns:a16="http://schemas.microsoft.com/office/drawing/2014/main" id="{DFFC05C7-E68E-2B21-4BF8-7A036F4B597E}"/>
-              </a:ext>
-            </a:extLst>
-          </p:cNvPr>
-          <p:cNvPicPr>
-            <a:picLocks noGrp="1" noChangeAspect="1"/>
-          </p:cNvPicPr>
-          <p:nvPr>
-            <p:ph sz="half" idx="14"/>
-          </p:nvPr>
-        </p:nvPicPr>
-        <p:blipFill>
-          <a:blip r:embed="rId3"/>
-          <a:stretch>
-            <a:fillRect/>
-          </a:stretch>
-        </p:blipFill>
-        <p:spPr>
-          <a:xfrm>
-            <a:off x="848046" y="2151162"/>
-            <a:ext cx="4480225" cy="1896899"/>
-          </a:xfrm>
-        </p:spPr>
-      </p:pic>
-      <p:pic>
-        <p:nvPicPr>
-          <p:cNvPr id="12" name="Picture 11" descr="A collage of a person sitting on the floor&#10;&#10;AI-generated content may be incorrect.">
-            <a:extLst>
-              <a:ext uri="{FF2B5EF4-FFF2-40B4-BE49-F238E27FC236}">
-                <a16:creationId xmlns:a16="http://schemas.microsoft.com/office/drawing/2014/main" id="{1DE0AAB5-E717-7F78-C942-225E4F8D44DC}"/>
-              </a:ext>
-            </a:extLst>
-          </p:cNvPr>
-          <p:cNvPicPr>
-            <a:picLocks noChangeAspect="1"/>
-          </p:cNvPicPr>
-          <p:nvPr/>
-        </p:nvPicPr>
-        <p:blipFill>
-          <a:blip r:embed="rId4"/>
-          <a:stretch>
-            <a:fillRect/>
-          </a:stretch>
-        </p:blipFill>
-        <p:spPr>
-          <a:xfrm>
-            <a:off x="1014737" y="4260013"/>
-            <a:ext cx="4146842" cy="2461461"/>
-          </a:xfrm>
-          <a:prstGeom prst="rect">
-            <a:avLst/>
-          </a:prstGeom>
-        </p:spPr>
-      </p:pic>
-      <p:sp>
-        <p:nvSpPr>
-          <p:cNvPr id="19" name="TextBox 18">
-            <a:extLst>
-              <a:ext uri="{FF2B5EF4-FFF2-40B4-BE49-F238E27FC236}">
-                <a16:creationId xmlns:a16="http://schemas.microsoft.com/office/drawing/2014/main" id="{8B2339DC-B128-5D8B-53F1-9DC2B3547C94}"/>
-              </a:ext>
-            </a:extLst>
-          </p:cNvPr>
-          <p:cNvSpPr txBox="1"/>
-          <p:nvPr/>
-        </p:nvSpPr>
-        <p:spPr>
-          <a:xfrm>
-            <a:off x="848046" y="4090385"/>
-            <a:ext cx="3573144" cy="1494822"/>
-          </a:xfrm>
-          <a:prstGeom prst="rect">
-            <a:avLst/>
-          </a:prstGeom>
-          <a:noFill/>
-          <a:ln w="28575">
-            <a:solidFill>
-              <a:schemeClr val="accent4">
-                <a:lumMod val="75000"/>
-              </a:schemeClr>
-            </a:solidFill>
-          </a:ln>
-        </p:spPr>
-        <p:txBody>
-          <a:bodyPr rot="0" spcFirstLastPara="0" vertOverflow="overflow" horzOverflow="overflow" vert="horz" wrap="square" lIns="91440" tIns="45720" rIns="91440" bIns="45720" numCol="1" spcCol="0" rtlCol="0" fromWordArt="0" anchor="t" anchorCtr="0" forceAA="0" compatLnSpc="1">
-            <a:prstTxWarp prst="textNoShape">
-              <a:avLst/>
-            </a:prstTxWarp>
-            <a:spAutoFit/>
-          </a:bodyPr>
-          <a:lstStyle/>
-          <a:p>
-            <a:pPr algn="l"/>
-            <a:endParaRPr lang="en-US"/>
-          </a:p>
-        </p:txBody>
-      </p:sp>
-      <p:sp>
-        <p:nvSpPr>
-          <p:cNvPr id="20" name="Rectangle 19">
-            <a:extLst>
-              <a:ext uri="{FF2B5EF4-FFF2-40B4-BE49-F238E27FC236}">
-                <a16:creationId xmlns:a16="http://schemas.microsoft.com/office/drawing/2014/main" id="{7C4FD9AF-1378-39D0-F0F8-B2D68201E90D}"/>
-              </a:ext>
-            </a:extLst>
-          </p:cNvPr>
-          <p:cNvSpPr/>
-          <p:nvPr/>
-        </p:nvSpPr>
-        <p:spPr>
-          <a:xfrm rot="16200000">
-            <a:off x="-384076" y="2940023"/>
-            <a:ext cx="1814569" cy="319178"/>
-          </a:xfrm>
-          <a:prstGeom prst="rect">
-            <a:avLst/>
-          </a:prstGeom>
-        </p:spPr>
-        <p:style>
-          <a:lnRef idx="2">
-            <a:schemeClr val="dk1">
-              <a:shade val="15000"/>
-            </a:schemeClr>
-          </a:lnRef>
-          <a:fillRef idx="1">
-            <a:schemeClr val="dk1"/>
-          </a:fillRef>
-          <a:effectRef idx="0">
-            <a:schemeClr val="dk1"/>
-          </a:effectRef>
-          <a:fontRef idx="minor">
-            <a:schemeClr val="lt1"/>
-          </a:fontRef>
-        </p:style>
-        <p:txBody>
-          <a:bodyPr rtlCol="0" anchor="ctr"/>
-          <a:lstStyle/>
-          <a:p>
-            <a:pPr algn="ctr"/>
-            <a:r>
-              <a:rPr lang="en-US"/>
-              <a:t>INTERNAL RECS</a:t>
-            </a:r>
-          </a:p>
-        </p:txBody>
-      </p:sp>
-      <p:sp>
-        <p:nvSpPr>
-          <p:cNvPr id="21" name="Rectangle 20">
-            <a:extLst>
-              <a:ext uri="{FF2B5EF4-FFF2-40B4-BE49-F238E27FC236}">
-                <a16:creationId xmlns:a16="http://schemas.microsoft.com/office/drawing/2014/main" id="{5090E525-08D9-1BF7-13BA-3B2CBE05AAFD}"/>
-              </a:ext>
-            </a:extLst>
-          </p:cNvPr>
-          <p:cNvSpPr/>
-          <p:nvPr/>
-        </p:nvSpPr>
-        <p:spPr>
-          <a:xfrm rot="16200000">
-            <a:off x="-384077" y="5254973"/>
-            <a:ext cx="1814569" cy="319178"/>
-          </a:xfrm>
-          <a:prstGeom prst="rect">
-            <a:avLst/>
-          </a:prstGeom>
-        </p:spPr>
-        <p:style>
-          <a:lnRef idx="2">
-            <a:schemeClr val="dk1">
-              <a:shade val="15000"/>
-            </a:schemeClr>
-          </a:lnRef>
-          <a:fillRef idx="1">
-            <a:schemeClr val="dk1"/>
-          </a:fillRef>
-          <a:effectRef idx="0">
-            <a:schemeClr val="dk1"/>
-          </a:effectRef>
-          <a:fontRef idx="minor">
-            <a:schemeClr val="lt1"/>
-          </a:fontRef>
-        </p:style>
-        <p:txBody>
-          <a:bodyPr rtlCol="0" anchor="ctr"/>
-          <a:lstStyle/>
-          <a:p>
-            <a:pPr algn="ctr"/>
-            <a:r>
-              <a:rPr lang="en-US"/>
-              <a:t>CERTONA</a:t>
-            </a:r>
-          </a:p>
-        </p:txBody>
-      </p:sp>
-      <p:sp>
-        <p:nvSpPr>
-          <p:cNvPr id="22" name="TextBox 21">
-            <a:extLst>
-              <a:ext uri="{FF2B5EF4-FFF2-40B4-BE49-F238E27FC236}">
-                <a16:creationId xmlns:a16="http://schemas.microsoft.com/office/drawing/2014/main" id="{2C8E0BE4-2FBA-CE2D-206E-DB0F84B6266B}"/>
-              </a:ext>
-            </a:extLst>
-          </p:cNvPr>
-          <p:cNvSpPr txBox="1"/>
-          <p:nvPr/>
-        </p:nvSpPr>
-        <p:spPr>
-          <a:xfrm>
-            <a:off x="5493519" y="2151162"/>
-            <a:ext cx="6580745" cy="2641236"/>
-          </a:xfrm>
-          <a:prstGeom prst="rect">
-            <a:avLst/>
-          </a:prstGeom>
-          <a:noFill/>
-        </p:spPr>
-        <p:txBody>
-          <a:bodyPr rot="0" spcFirstLastPara="0" vertOverflow="overflow" horzOverflow="overflow" vert="horz" wrap="square" lIns="91440" tIns="45720" rIns="91440" bIns="45720" numCol="1" spcCol="0" rtlCol="0" fromWordArt="0" anchor="t" anchorCtr="0" forceAA="0" compatLnSpc="1">
-            <a:prstTxWarp prst="textNoShape">
-              <a:avLst/>
-            </a:prstTxWarp>
-            <a:spAutoFit/>
-          </a:bodyPr>
-          <a:lstStyle/>
-          <a:p>
-            <a:pPr>
-              <a:lnSpc>
-                <a:spcPct val="150000"/>
-              </a:lnSpc>
-            </a:pPr>
-            <a:r>
-              <a:rPr lang="en-US" sz="1400"/>
-              <a:t>MF and NCF model </a:t>
-            </a:r>
-            <a:r>
-              <a:rPr lang="en-US" sz="1400">
-                <a:ea typeface="+mn-lt"/>
-                <a:cs typeface="+mn-lt"/>
-              </a:rPr>
-              <a:t>recommended these good items (Correlational &amp; semantic similarities) but candidate generation drops them ! </a:t>
-            </a:r>
-          </a:p>
-          <a:p>
-            <a:pPr marL="285750" indent="-285750">
-              <a:lnSpc>
-                <a:spcPct val="150000"/>
-              </a:lnSpc>
-              <a:buFont typeface="Arial"/>
-              <a:buChar char="•"/>
-            </a:pPr>
-            <a:r>
-              <a:rPr lang="en-US" sz="1400">
-                <a:ea typeface="+mn-lt"/>
-                <a:cs typeface="+mn-lt"/>
-              </a:rPr>
-              <a:t>Why</a:t>
-            </a:r>
-            <a:r>
-              <a:rPr lang="en-US" sz="1400" b="1">
-                <a:ea typeface="+mn-lt"/>
-                <a:cs typeface="+mn-lt"/>
-              </a:rPr>
-              <a:t> </a:t>
-            </a:r>
-            <a:r>
-              <a:rPr lang="en-US" sz="1400">
-                <a:ea typeface="+mn-lt"/>
-                <a:cs typeface="+mn-lt"/>
-              </a:rPr>
-              <a:t>875974002 and 710314012 are missing? </a:t>
-            </a:r>
-          </a:p>
-          <a:p>
-            <a:pPr marL="742950" lvl="1" indent="-285750">
-              <a:lnSpc>
-                <a:spcPct val="150000"/>
-              </a:lnSpc>
-              <a:buFont typeface="Arial"/>
-              <a:buChar char="•"/>
-            </a:pPr>
-            <a:r>
-              <a:rPr lang="en-US" sz="1400">
-                <a:ea typeface="+mn-lt"/>
-                <a:cs typeface="+mn-lt"/>
-              </a:rPr>
-              <a:t>Eliminated because they belong to MENS department</a:t>
-            </a:r>
-          </a:p>
-          <a:p>
-            <a:pPr marL="285750" indent="-285750">
-              <a:lnSpc>
-                <a:spcPct val="150000"/>
-              </a:lnSpc>
-              <a:buFont typeface="Arial"/>
-              <a:buChar char="•"/>
-            </a:pPr>
-            <a:r>
-              <a:rPr lang="en-US" sz="1400">
-                <a:ea typeface="+mn-lt"/>
-                <a:cs typeface="+mn-lt"/>
-              </a:rPr>
-              <a:t>Why</a:t>
-            </a:r>
-            <a:r>
-              <a:rPr lang="en-US" sz="1400" b="1">
-                <a:ea typeface="+mn-lt"/>
-                <a:cs typeface="+mn-lt"/>
-              </a:rPr>
-              <a:t> </a:t>
-            </a:r>
-            <a:r>
-              <a:rPr lang="en-US" sz="1400">
-                <a:ea typeface="+mn-lt"/>
-                <a:cs typeface="+mn-lt"/>
-              </a:rPr>
-              <a:t>463541012 and 882964012 are missing?</a:t>
-            </a:r>
-          </a:p>
-          <a:p>
-            <a:pPr marL="742950" lvl="1" indent="-285750">
-              <a:lnSpc>
-                <a:spcPct val="150000"/>
-              </a:lnSpc>
-              <a:buFont typeface="Arial"/>
-              <a:buChar char="•"/>
-            </a:pPr>
-            <a:r>
-              <a:rPr lang="en-US" sz="1400">
-                <a:ea typeface="+mn-lt"/>
-                <a:cs typeface="+mn-lt"/>
-              </a:rPr>
-              <a:t>Eliminated by size coverage and same-style conflict rules.</a:t>
-            </a:r>
-            <a:endParaRPr lang="en-US" sz="1400"/>
-          </a:p>
-          <a:p>
-            <a:pPr marL="285750" indent="-285750">
-              <a:lnSpc>
-                <a:spcPct val="150000"/>
-              </a:lnSpc>
-              <a:buFont typeface="Arial"/>
-              <a:buChar char="•"/>
-            </a:pPr>
-            <a:endParaRPr lang="en-US" sz="1400"/>
-          </a:p>
-          <a:p>
-            <a:pPr>
-              <a:lnSpc>
-                <a:spcPct val="150000"/>
-              </a:lnSpc>
-            </a:pPr>
-            <a:endParaRPr lang="en-US" sz="1400"/>
-          </a:p>
-        </p:txBody>
-      </p:sp>
-      <p:grpSp>
-        <p:nvGrpSpPr>
-          <p:cNvPr id="27" name="Group 26">
-            <a:extLst>
-              <a:ext uri="{FF2B5EF4-FFF2-40B4-BE49-F238E27FC236}">
-                <a16:creationId xmlns:a16="http://schemas.microsoft.com/office/drawing/2014/main" id="{83B43BE4-5632-E551-2F41-6D59390C6DA4}"/>
-              </a:ext>
-            </a:extLst>
-          </p:cNvPr>
-          <p:cNvGrpSpPr/>
-          <p:nvPr/>
-        </p:nvGrpSpPr>
-        <p:grpSpPr>
-          <a:xfrm>
-            <a:off x="5642912" y="4304809"/>
-            <a:ext cx="5558852" cy="2471582"/>
-            <a:chOff x="1610591" y="3609184"/>
-            <a:chExt cx="5558852" cy="2471582"/>
-          </a:xfrm>
-        </p:grpSpPr>
-        <p:pic>
-          <p:nvPicPr>
-            <p:cNvPr id="25" name="Picture 24" descr="A screenshot of a computer&#10;&#10;AI-generated content may be incorrect.">
-              <a:extLst>
-                <a:ext uri="{FF2B5EF4-FFF2-40B4-BE49-F238E27FC236}">
-                  <a16:creationId xmlns:a16="http://schemas.microsoft.com/office/drawing/2014/main" id="{45AA17B4-5135-ACF2-7EF9-1773A5FF1197}"/>
-                </a:ext>
-              </a:extLst>
-            </p:cNvPr>
-            <p:cNvPicPr>
-              <a:picLocks noChangeAspect="1"/>
-            </p:cNvPicPr>
-            <p:nvPr/>
-          </p:nvPicPr>
-          <p:blipFill rotWithShape="1">
-            <a:blip r:embed="rId5"/>
-            <a:srcRect l="968" t="33953" r="45155" b="-2334"/>
-            <a:stretch/>
-          </p:blipFill>
-          <p:spPr>
-            <a:xfrm>
-              <a:off x="1610591" y="3609184"/>
-              <a:ext cx="5558852" cy="2471582"/>
-            </a:xfrm>
-            <a:prstGeom prst="rect">
-              <a:avLst/>
-            </a:prstGeom>
-          </p:spPr>
-        </p:pic>
-        <p:sp>
-          <p:nvSpPr>
-            <p:cNvPr id="26" name="TextBox 25">
-              <a:extLst>
-                <a:ext uri="{FF2B5EF4-FFF2-40B4-BE49-F238E27FC236}">
-                  <a16:creationId xmlns:a16="http://schemas.microsoft.com/office/drawing/2014/main" id="{3F0729B9-88E8-A2FF-44E5-CF6D12FE4A65}"/>
-                </a:ext>
-              </a:extLst>
-            </p:cNvPr>
-            <p:cNvSpPr txBox="1"/>
-            <p:nvPr/>
-          </p:nvSpPr>
-          <p:spPr>
-            <a:xfrm>
-              <a:off x="2892530" y="4848810"/>
-              <a:ext cx="4276913" cy="369332"/>
-            </a:xfrm>
-            <a:prstGeom prst="rect">
-              <a:avLst/>
-            </a:prstGeom>
-            <a:solidFill>
-              <a:srgbClr val="EDD132">
-                <a:alpha val="17000"/>
-              </a:srgbClr>
-            </a:solidFill>
-            <a:ln w="28575">
-              <a:noFill/>
-            </a:ln>
-          </p:spPr>
-          <p:txBody>
-            <a:bodyPr rot="0" spcFirstLastPara="0" vertOverflow="overflow" horzOverflow="overflow" vert="horz" wrap="square" lIns="91440" tIns="45720" rIns="91440" bIns="45720" numCol="1" spcCol="0" rtlCol="0" fromWordArt="0" anchor="t" anchorCtr="0" forceAA="0" compatLnSpc="1">
-              <a:prstTxWarp prst="textNoShape">
-                <a:avLst/>
-              </a:prstTxWarp>
-              <a:spAutoFit/>
-            </a:bodyPr>
-            <a:lstStyle/>
-            <a:p>
-              <a:pPr algn="l"/>
-              <a:endParaRPr lang="en-US"/>
-            </a:p>
-          </p:txBody>
-        </p:sp>
-      </p:grpSp>
-    </p:spTree>
-    <p:extLst>
-      <p:ext uri="{BB962C8B-B14F-4D97-AF65-F5344CB8AC3E}">
-        <p14:creationId xmlns:p14="http://schemas.microsoft.com/office/powerpoint/2010/main" val="653080876"/>
-      </p:ext>
-    </p:extLst>
-  </p:cSld>
-  <p:clrMapOvr>
-    <a:masterClrMapping/>
-  </p:clrMapOvr>
-</p:sld>
-</file>
-
-<file path=ppt/slides/slide11.xml><?xml version="1.0" encoding="utf-8"?>
-<p:sld xmlns:a="http://schemas.openxmlformats.org/drawingml/2006/main" xmlns:r="http://schemas.openxmlformats.org/officeDocument/2006/relationships" xmlns:p="http://schemas.openxmlformats.org/presentationml/2006/main">
-  <p:cSld>
-    <p:spTree>
-      <p:nvGrpSpPr>
-        <p:cNvPr id="1" name="">
-          <a:extLst>
-            <a:ext uri="{FF2B5EF4-FFF2-40B4-BE49-F238E27FC236}">
               <a16:creationId xmlns:a16="http://schemas.microsoft.com/office/drawing/2014/main" id="{8A751507-6EEB-74FF-BFCD-ACEFE0441CF5}"/>
             </a:ext>
           </a:extLst>
@@ -15812,7 +10741,7 @@
             <a:fld id="{A49DFD55-3C28-40EF-9E31-A92D2E4017FF}" type="slidenum">
               <a:rPr lang="en-US" smtClean="0"/>
               <a:pPr/>
-              <a:t>11</a:t>
+              <a:t>10</a:t>
             </a:fld>
             <a:endParaRPr lang="en-US"/>
           </a:p>
@@ -15924,7 +10853,7 @@
 </p:sld>
 </file>
 
-<file path=ppt/slides/slide12.xml><?xml version="1.0" encoding="utf-8"?>
+<file path=ppt/slides/slide11.xml><?xml version="1.0" encoding="utf-8"?>
 <p:sld xmlns:a="http://schemas.openxmlformats.org/drawingml/2006/main" xmlns:r="http://schemas.openxmlformats.org/officeDocument/2006/relationships" xmlns:p="http://schemas.openxmlformats.org/presentationml/2006/main">
   <p:cSld>
     <p:spTree>
@@ -16077,7 +11006,7 @@
             <a:fld id="{A49DFD55-3C28-40EF-9E31-A92D2E4017FF}" type="slidenum">
               <a:rPr lang="en-US" smtClean="0"/>
               <a:pPr/>
-              <a:t>12</a:t>
+              <a:t>11</a:t>
             </a:fld>
             <a:endParaRPr lang="en-US"/>
           </a:p>
@@ -17415,7 +12344,7 @@
 </p:sld>
 </file>
 
-<file path=ppt/slides/slide13.xml><?xml version="1.0" encoding="utf-8"?>
+<file path=ppt/slides/slide12.xml><?xml version="1.0" encoding="utf-8"?>
 <p:sld xmlns:a="http://schemas.openxmlformats.org/drawingml/2006/main" xmlns:r="http://schemas.openxmlformats.org/officeDocument/2006/relationships" xmlns:p="http://schemas.openxmlformats.org/presentationml/2006/main">
   <p:cSld>
     <p:spTree>
@@ -18199,244 +13128,6 @@
           <p:cNvPr id="5" name="Content Placeholder 4">
             <a:extLst>
               <a:ext uri="{FF2B5EF4-FFF2-40B4-BE49-F238E27FC236}">
-                <a16:creationId xmlns:a16="http://schemas.microsoft.com/office/drawing/2014/main" id="{8075710B-2373-DD4B-953F-44990F32F3F7}"/>
-              </a:ext>
-            </a:extLst>
-          </p:cNvPr>
-          <p:cNvGraphicFramePr>
-            <a:graphicFrameLocks noGrp="1"/>
-          </p:cNvGraphicFramePr>
-          <p:nvPr>
-            <p:ph sz="half" idx="2"/>
-            <p:extLst>
-              <p:ext uri="{D42A27DB-BD31-4B8C-83A1-F6EECF244321}">
-                <p14:modId xmlns:p14="http://schemas.microsoft.com/office/powerpoint/2010/main" val="3725486605"/>
-              </p:ext>
-            </p:extLst>
-          </p:nvPr>
-        </p:nvGraphicFramePr>
-        <p:xfrm>
-          <a:off x="-463826" y="1050913"/>
-          <a:ext cx="11824728" cy="4606717"/>
-        </p:xfrm>
-        <a:graphic>
-          <a:graphicData uri="http://schemas.openxmlformats.org/drawingml/2006/diagram">
-            <dgm:relIds xmlns:dgm="http://schemas.openxmlformats.org/drawingml/2006/diagram" xmlns:r="http://schemas.openxmlformats.org/officeDocument/2006/relationships" r:dm="rId2" r:lo="rId3" r:qs="rId4" r:cs="rId5"/>
-          </a:graphicData>
-        </a:graphic>
-      </p:graphicFrame>
-      <p:sp>
-        <p:nvSpPr>
-          <p:cNvPr id="4" name="Slide Number Placeholder 3">
-            <a:extLst>
-              <a:ext uri="{FF2B5EF4-FFF2-40B4-BE49-F238E27FC236}">
-                <a16:creationId xmlns:a16="http://schemas.microsoft.com/office/drawing/2014/main" id="{4AD0A39C-577E-694D-8EFC-2B22231B9D67}"/>
-              </a:ext>
-            </a:extLst>
-          </p:cNvPr>
-          <p:cNvSpPr>
-            <a:spLocks noGrp="1"/>
-          </p:cNvSpPr>
-          <p:nvPr>
-            <p:ph type="sldNum" sz="quarter" idx="12"/>
-          </p:nvPr>
-        </p:nvSpPr>
-        <p:spPr/>
-        <p:txBody>
-          <a:bodyPr/>
-          <a:lstStyle/>
-          <a:p>
-            <a:fld id="{A49DFD55-3C28-40EF-9E31-A92D2E4017FF}" type="slidenum">
-              <a:rPr lang="en-US" smtClean="0"/>
-              <a:pPr/>
-              <a:t>5</a:t>
-            </a:fld>
-            <a:endParaRPr lang="en-US"/>
-          </a:p>
-        </p:txBody>
-      </p:sp>
-      <p:sp>
-        <p:nvSpPr>
-          <p:cNvPr id="6" name="Rectangle 5">
-            <a:extLst>
-              <a:ext uri="{FF2B5EF4-FFF2-40B4-BE49-F238E27FC236}">
-                <a16:creationId xmlns:a16="http://schemas.microsoft.com/office/drawing/2014/main" id="{753058EC-636D-D141-A698-F64F74672760}"/>
-              </a:ext>
-            </a:extLst>
-          </p:cNvPr>
-          <p:cNvSpPr/>
-          <p:nvPr/>
-        </p:nvSpPr>
-        <p:spPr>
-          <a:xfrm>
-            <a:off x="6859941" y="485420"/>
-            <a:ext cx="1993003" cy="331382"/>
-          </a:xfrm>
-          <a:prstGeom prst="rect">
-            <a:avLst/>
-          </a:prstGeom>
-        </p:spPr>
-        <p:style>
-          <a:lnRef idx="2">
-            <a:schemeClr val="dk1">
-              <a:shade val="15000"/>
-            </a:schemeClr>
-          </a:lnRef>
-          <a:fillRef idx="1">
-            <a:schemeClr val="dk1"/>
-          </a:fillRef>
-          <a:effectRef idx="0">
-            <a:schemeClr val="dk1"/>
-          </a:effectRef>
-          <a:fontRef idx="minor">
-            <a:schemeClr val="lt1"/>
-          </a:fontRef>
-        </p:style>
-        <p:txBody>
-          <a:bodyPr rtlCol="0" anchor="ctr"/>
-          <a:lstStyle/>
-          <a:p>
-            <a:pPr algn="ctr"/>
-            <a:r>
-              <a:rPr lang="en-US" dirty="0"/>
-              <a:t>TECH STACK</a:t>
-            </a:r>
-          </a:p>
-        </p:txBody>
-      </p:sp>
-      <p:sp>
-        <p:nvSpPr>
-          <p:cNvPr id="7" name="Rectangle 6">
-            <a:extLst>
-              <a:ext uri="{FF2B5EF4-FFF2-40B4-BE49-F238E27FC236}">
-                <a16:creationId xmlns:a16="http://schemas.microsoft.com/office/drawing/2014/main" id="{98E38869-56DC-1F4E-91EC-BFD68C93B55E}"/>
-              </a:ext>
-            </a:extLst>
-          </p:cNvPr>
-          <p:cNvSpPr/>
-          <p:nvPr/>
-        </p:nvSpPr>
-        <p:spPr>
-          <a:xfrm>
-            <a:off x="4058435" y="467360"/>
-            <a:ext cx="2279698" cy="331382"/>
-          </a:xfrm>
-          <a:prstGeom prst="rect">
-            <a:avLst/>
-          </a:prstGeom>
-        </p:spPr>
-        <p:style>
-          <a:lnRef idx="2">
-            <a:schemeClr val="dk1">
-              <a:shade val="15000"/>
-            </a:schemeClr>
-          </a:lnRef>
-          <a:fillRef idx="1">
-            <a:schemeClr val="dk1"/>
-          </a:fillRef>
-          <a:effectRef idx="0">
-            <a:schemeClr val="dk1"/>
-          </a:effectRef>
-          <a:fontRef idx="minor">
-            <a:schemeClr val="lt1"/>
-          </a:fontRef>
-        </p:style>
-        <p:txBody>
-          <a:bodyPr rtlCol="0" anchor="ctr"/>
-          <a:lstStyle/>
-          <a:p>
-            <a:pPr algn="ctr"/>
-            <a:r>
-              <a:rPr lang="en-US" dirty="0"/>
-              <a:t>DATA PIPELINE</a:t>
-            </a:r>
-          </a:p>
-        </p:txBody>
-      </p:sp>
-      <p:sp>
-        <p:nvSpPr>
-          <p:cNvPr id="8" name="Rectangle 7">
-            <a:extLst>
-              <a:ext uri="{FF2B5EF4-FFF2-40B4-BE49-F238E27FC236}">
-                <a16:creationId xmlns:a16="http://schemas.microsoft.com/office/drawing/2014/main" id="{DFDEB4DA-F950-3F47-AF86-FF85A651EFF1}"/>
-              </a:ext>
-            </a:extLst>
-          </p:cNvPr>
-          <p:cNvSpPr/>
-          <p:nvPr/>
-        </p:nvSpPr>
-        <p:spPr>
-          <a:xfrm>
-            <a:off x="1447757" y="251309"/>
-            <a:ext cx="2279698" cy="574445"/>
-          </a:xfrm>
-          <a:prstGeom prst="rect">
-            <a:avLst/>
-          </a:prstGeom>
-        </p:spPr>
-        <p:style>
-          <a:lnRef idx="2">
-            <a:schemeClr val="dk1">
-              <a:shade val="15000"/>
-            </a:schemeClr>
-          </a:lnRef>
-          <a:fillRef idx="1">
-            <a:schemeClr val="dk1"/>
-          </a:fillRef>
-          <a:effectRef idx="0">
-            <a:schemeClr val="dk1"/>
-          </a:effectRef>
-          <a:fontRef idx="minor">
-            <a:schemeClr val="lt1"/>
-          </a:fontRef>
-        </p:style>
-        <p:txBody>
-          <a:bodyPr rtlCol="0" anchor="ctr"/>
-          <a:lstStyle/>
-          <a:p>
-            <a:pPr algn="ctr"/>
-            <a:r>
-              <a:rPr lang="en-US" dirty="0"/>
-              <a:t>E-commerce LLM Pipeline</a:t>
-            </a:r>
-          </a:p>
-        </p:txBody>
-      </p:sp>
-    </p:spTree>
-    <p:extLst>
-      <p:ext uri="{BB962C8B-B14F-4D97-AF65-F5344CB8AC3E}">
-        <p14:creationId xmlns:p14="http://schemas.microsoft.com/office/powerpoint/2010/main" val="2928898684"/>
-      </p:ext>
-    </p:extLst>
-  </p:cSld>
-  <p:clrMapOvr>
-    <a:masterClrMapping/>
-  </p:clrMapOvr>
-</p:sld>
-</file>
-
-<file path=ppt/slides/slide6.xml><?xml version="1.0" encoding="utf-8"?>
-<p:sld xmlns:a="http://schemas.openxmlformats.org/drawingml/2006/main" xmlns:r="http://schemas.openxmlformats.org/officeDocument/2006/relationships" xmlns:p="http://schemas.openxmlformats.org/presentationml/2006/main">
-  <p:cSld>
-    <p:spTree>
-      <p:nvGrpSpPr>
-        <p:cNvPr id="1" name=""/>
-        <p:cNvGrpSpPr/>
-        <p:nvPr/>
-      </p:nvGrpSpPr>
-      <p:grpSpPr>
-        <a:xfrm>
-          <a:off x="0" y="0"/>
-          <a:ext cx="0" cy="0"/>
-          <a:chOff x="0" y="0"/>
-          <a:chExt cx="0" cy="0"/>
-        </a:xfrm>
-      </p:grpSpPr>
-      <p:graphicFrame>
-        <p:nvGraphicFramePr>
-          <p:cNvPr id="5" name="Content Placeholder 4">
-            <a:extLst>
-              <a:ext uri="{FF2B5EF4-FFF2-40B4-BE49-F238E27FC236}">
                 <a16:creationId xmlns:a16="http://schemas.microsoft.com/office/drawing/2014/main" id="{9CC9B0F5-7E90-AC43-9264-C11A9FAA6048}"/>
               </a:ext>
             </a:extLst>
@@ -18487,7 +13178,7 @@
             <a:fld id="{A49DFD55-3C28-40EF-9E31-A92D2E4017FF}" type="slidenum">
               <a:rPr lang="en-US" smtClean="0"/>
               <a:pPr/>
-              <a:t>6</a:t>
+              <a:t>5</a:t>
             </a:fld>
             <a:endParaRPr lang="en-US"/>
           </a:p>
@@ -18604,7 +13295,7 @@
 </p:sld>
 </file>
 
-<file path=ppt/slides/slide7.xml><?xml version="1.0" encoding="utf-8"?>
+<file path=ppt/slides/slide6.xml><?xml version="1.0" encoding="utf-8"?>
 <p:sld xmlns:a="http://schemas.openxmlformats.org/drawingml/2006/main" xmlns:r="http://schemas.openxmlformats.org/officeDocument/2006/relationships" xmlns:p="http://schemas.openxmlformats.org/presentationml/2006/main">
   <p:cSld>
     <p:spTree>
@@ -18886,7 +13577,7 @@
             <a:fld id="{A49DFD55-3C28-40EF-9E31-A92D2E4017FF}" type="slidenum">
               <a:rPr lang="en-US" smtClean="0"/>
               <a:pPr/>
-              <a:t>7</a:t>
+              <a:t>6</a:t>
             </a:fld>
             <a:endParaRPr lang="en-US"/>
           </a:p>
@@ -19207,7 +13898,7 @@
 </p:sld>
 </file>
 
-<file path=ppt/slides/slide8.xml><?xml version="1.0" encoding="utf-8"?>
+<file path=ppt/slides/slide7.xml><?xml version="1.0" encoding="utf-8"?>
 <p:sld xmlns:a="http://schemas.openxmlformats.org/drawingml/2006/main" xmlns:r="http://schemas.openxmlformats.org/officeDocument/2006/relationships" xmlns:p="http://schemas.openxmlformats.org/presentationml/2006/main">
   <p:cSld>
     <p:spTree>
@@ -19264,7 +13955,7 @@
                   <a:spcPts val="600"/>
                 </a:spcAft>
               </a:pPr>
-              <a:t>8</a:t>
+              <a:t>7</a:t>
             </a:fld>
             <a:endParaRPr lang="en-US"/>
           </a:p>
@@ -21618,7 +16309,7 @@
 </p:sld>
 </file>
 
-<file path=ppt/slides/slide9.xml><?xml version="1.0" encoding="utf-8"?>
+<file path=ppt/slides/slide8.xml><?xml version="1.0" encoding="utf-8"?>
 <p:sld xmlns:a="http://schemas.openxmlformats.org/drawingml/2006/main" xmlns:r="http://schemas.openxmlformats.org/officeDocument/2006/relationships" xmlns:p="http://schemas.openxmlformats.org/presentationml/2006/main">
   <p:cSld>
     <p:spTree>
@@ -21675,7 +16366,7 @@
                   <a:spcPts val="600"/>
                 </a:spcAft>
               </a:pPr>
-              <a:t>9</a:t>
+              <a:t>8</a:t>
             </a:fld>
             <a:endParaRPr lang="en-US"/>
           </a:p>
@@ -25021,6 +19712,844 @@
 </p:sld>
 </file>
 
+<file path=ppt/slides/slide9.xml><?xml version="1.0" encoding="utf-8"?>
+<p:sld xmlns:a="http://schemas.openxmlformats.org/drawingml/2006/main" xmlns:r="http://schemas.openxmlformats.org/officeDocument/2006/relationships" xmlns:p="http://schemas.openxmlformats.org/presentationml/2006/main">
+  <p:cSld>
+    <p:spTree>
+      <p:nvGrpSpPr>
+        <p:cNvPr id="1" name="">
+          <a:extLst>
+            <a:ext uri="{FF2B5EF4-FFF2-40B4-BE49-F238E27FC236}">
+              <a16:creationId xmlns:a16="http://schemas.microsoft.com/office/drawing/2014/main" id="{2F32BB9F-3362-6BE1-41E8-37EB4ACDD347}"/>
+            </a:ext>
+          </a:extLst>
+        </p:cNvPr>
+        <p:cNvGrpSpPr/>
+        <p:nvPr/>
+      </p:nvGrpSpPr>
+      <p:grpSpPr>
+        <a:xfrm>
+          <a:off x="0" y="0"/>
+          <a:ext cx="0" cy="0"/>
+          <a:chOff x="0" y="0"/>
+          <a:chExt cx="0" cy="0"/>
+        </a:xfrm>
+      </p:grpSpPr>
+      <p:sp>
+        <p:nvSpPr>
+          <p:cNvPr id="68" name="Slide Number Placeholder 67">
+            <a:extLst>
+              <a:ext uri="{FF2B5EF4-FFF2-40B4-BE49-F238E27FC236}">
+                <a16:creationId xmlns:a16="http://schemas.microsoft.com/office/drawing/2014/main" id="{80B40ECD-538D-260D-6FAF-1799045CE9DD}"/>
+              </a:ext>
+            </a:extLst>
+          </p:cNvPr>
+          <p:cNvSpPr>
+            <a:spLocks noGrp="1"/>
+          </p:cNvSpPr>
+          <p:nvPr>
+            <p:ph type="sldNum" sz="quarter" idx="13"/>
+          </p:nvPr>
+        </p:nvSpPr>
+        <p:spPr>
+          <a:xfrm>
+            <a:off x="10373350" y="6356349"/>
+            <a:ext cx="987552" cy="365125"/>
+          </a:xfrm>
+        </p:spPr>
+        <p:txBody>
+          <a:bodyPr/>
+          <a:lstStyle/>
+          <a:p>
+            <a:fld id="{A49DFD55-3C28-40EF-9E31-A92D2E4017FF}" type="slidenum">
+              <a:rPr lang="en-US" smtClean="0"/>
+              <a:pPr/>
+              <a:t>9</a:t>
+            </a:fld>
+            <a:endParaRPr lang="en-US"/>
+          </a:p>
+        </p:txBody>
+      </p:sp>
+      <p:sp>
+        <p:nvSpPr>
+          <p:cNvPr id="3" name="Text Placeholder 12">
+            <a:extLst>
+              <a:ext uri="{FF2B5EF4-FFF2-40B4-BE49-F238E27FC236}">
+                <a16:creationId xmlns:a16="http://schemas.microsoft.com/office/drawing/2014/main" id="{37A66D3A-7D08-1E36-9FF3-D6CDD51C53FB}"/>
+              </a:ext>
+            </a:extLst>
+          </p:cNvPr>
+          <p:cNvSpPr txBox="1">
+            <a:spLocks/>
+          </p:cNvSpPr>
+          <p:nvPr/>
+        </p:nvSpPr>
+        <p:spPr>
+          <a:xfrm>
+            <a:off x="1322383" y="1739552"/>
+            <a:ext cx="9081453" cy="738530"/>
+          </a:xfrm>
+          <a:prstGeom prst="rect">
+            <a:avLst/>
+          </a:prstGeom>
+        </p:spPr>
+        <p:txBody>
+          <a:bodyPr vert="horz" lIns="91440" tIns="45720" rIns="91440" bIns="45720" rtlCol="0" anchor="t">
+            <a:noAutofit/>
+          </a:bodyPr>
+          <a:lstStyle>
+            <a:lvl1pPr marL="0" indent="0" algn="l" defTabSz="914400" rtl="0" eaLnBrk="1" latinLnBrk="0" hangingPunct="1">
+              <a:lnSpc>
+                <a:spcPct val="90000"/>
+              </a:lnSpc>
+              <a:spcBef>
+                <a:spcPts val="1000"/>
+              </a:spcBef>
+              <a:buFont typeface="Arial" panose="020B0604020202020204" pitchFamily="34" charset="0"/>
+              <a:buNone/>
+              <a:defRPr lang="en-US" sz="1800" b="1" kern="1200" spc="50" baseline="0" dirty="0" smtClean="0">
+                <a:solidFill>
+                  <a:schemeClr val="tx1"/>
+                </a:solidFill>
+                <a:latin typeface="+mj-lt"/>
+                <a:ea typeface="+mj-ea"/>
+                <a:cs typeface="+mj-cs"/>
+              </a:defRPr>
+            </a:lvl1pPr>
+            <a:lvl2pPr marL="457200" indent="0" algn="l" defTabSz="914400" rtl="0" eaLnBrk="1" latinLnBrk="0" hangingPunct="1">
+              <a:lnSpc>
+                <a:spcPct val="90000"/>
+              </a:lnSpc>
+              <a:spcBef>
+                <a:spcPts val="500"/>
+              </a:spcBef>
+              <a:buFont typeface="Arial" panose="020B0604020202020204" pitchFamily="34" charset="0"/>
+              <a:buNone/>
+              <a:defRPr sz="2000" b="1" kern="1200">
+                <a:solidFill>
+                  <a:schemeClr val="tx1"/>
+                </a:solidFill>
+                <a:latin typeface="+mn-lt"/>
+                <a:ea typeface="+mn-ea"/>
+                <a:cs typeface="+mn-cs"/>
+              </a:defRPr>
+            </a:lvl2pPr>
+            <a:lvl3pPr marL="914400" indent="0" algn="l" defTabSz="914400" rtl="0" eaLnBrk="1" latinLnBrk="0" hangingPunct="1">
+              <a:lnSpc>
+                <a:spcPct val="90000"/>
+              </a:lnSpc>
+              <a:spcBef>
+                <a:spcPts val="500"/>
+              </a:spcBef>
+              <a:buFont typeface="Arial" panose="020B0604020202020204" pitchFamily="34" charset="0"/>
+              <a:buNone/>
+              <a:defRPr sz="1800" b="1" kern="1200">
+                <a:solidFill>
+                  <a:schemeClr val="tx1"/>
+                </a:solidFill>
+                <a:latin typeface="+mn-lt"/>
+                <a:ea typeface="+mn-ea"/>
+                <a:cs typeface="+mn-cs"/>
+              </a:defRPr>
+            </a:lvl3pPr>
+            <a:lvl4pPr marL="1371600" indent="0" algn="l" defTabSz="914400" rtl="0" eaLnBrk="1" latinLnBrk="0" hangingPunct="1">
+              <a:lnSpc>
+                <a:spcPct val="90000"/>
+              </a:lnSpc>
+              <a:spcBef>
+                <a:spcPts val="500"/>
+              </a:spcBef>
+              <a:buFont typeface="Arial" panose="020B0604020202020204" pitchFamily="34" charset="0"/>
+              <a:buNone/>
+              <a:defRPr sz="1600" b="1" kern="1200">
+                <a:solidFill>
+                  <a:schemeClr val="tx1"/>
+                </a:solidFill>
+                <a:latin typeface="+mn-lt"/>
+                <a:ea typeface="+mn-ea"/>
+                <a:cs typeface="+mn-cs"/>
+              </a:defRPr>
+            </a:lvl4pPr>
+            <a:lvl5pPr marL="1828800" indent="0" algn="l" defTabSz="914400" rtl="0" eaLnBrk="1" latinLnBrk="0" hangingPunct="1">
+              <a:lnSpc>
+                <a:spcPct val="90000"/>
+              </a:lnSpc>
+              <a:spcBef>
+                <a:spcPts val="500"/>
+              </a:spcBef>
+              <a:buFont typeface="Arial" panose="020B0604020202020204" pitchFamily="34" charset="0"/>
+              <a:buNone/>
+              <a:defRPr sz="1600" b="1" kern="1200">
+                <a:solidFill>
+                  <a:schemeClr val="tx1"/>
+                </a:solidFill>
+                <a:latin typeface="+mn-lt"/>
+                <a:ea typeface="+mn-ea"/>
+                <a:cs typeface="+mn-cs"/>
+              </a:defRPr>
+            </a:lvl5pPr>
+            <a:lvl6pPr marL="2286000" indent="0" algn="l" defTabSz="914400" rtl="0" eaLnBrk="1" latinLnBrk="0" hangingPunct="1">
+              <a:lnSpc>
+                <a:spcPct val="90000"/>
+              </a:lnSpc>
+              <a:spcBef>
+                <a:spcPts val="500"/>
+              </a:spcBef>
+              <a:buFont typeface="Arial" panose="020B0604020202020204" pitchFamily="34" charset="0"/>
+              <a:buNone/>
+              <a:defRPr sz="1600" b="1" kern="1200">
+                <a:solidFill>
+                  <a:schemeClr val="tx1"/>
+                </a:solidFill>
+                <a:latin typeface="+mn-lt"/>
+                <a:ea typeface="+mn-ea"/>
+                <a:cs typeface="+mn-cs"/>
+              </a:defRPr>
+            </a:lvl6pPr>
+            <a:lvl7pPr marL="2743200" indent="0" algn="l" defTabSz="914400" rtl="0" eaLnBrk="1" latinLnBrk="0" hangingPunct="1">
+              <a:lnSpc>
+                <a:spcPct val="90000"/>
+              </a:lnSpc>
+              <a:spcBef>
+                <a:spcPts val="500"/>
+              </a:spcBef>
+              <a:buFont typeface="Arial" panose="020B0604020202020204" pitchFamily="34" charset="0"/>
+              <a:buNone/>
+              <a:defRPr sz="1600" b="1" kern="1200">
+                <a:solidFill>
+                  <a:schemeClr val="tx1"/>
+                </a:solidFill>
+                <a:latin typeface="+mn-lt"/>
+                <a:ea typeface="+mn-ea"/>
+                <a:cs typeface="+mn-cs"/>
+              </a:defRPr>
+            </a:lvl7pPr>
+            <a:lvl8pPr marL="3200400" indent="0" algn="l" defTabSz="914400" rtl="0" eaLnBrk="1" latinLnBrk="0" hangingPunct="1">
+              <a:lnSpc>
+                <a:spcPct val="90000"/>
+              </a:lnSpc>
+              <a:spcBef>
+                <a:spcPts val="500"/>
+              </a:spcBef>
+              <a:buFont typeface="Arial" panose="020B0604020202020204" pitchFamily="34" charset="0"/>
+              <a:buNone/>
+              <a:defRPr sz="1600" b="1" kern="1200">
+                <a:solidFill>
+                  <a:schemeClr val="tx1"/>
+                </a:solidFill>
+                <a:latin typeface="+mn-lt"/>
+                <a:ea typeface="+mn-ea"/>
+                <a:cs typeface="+mn-cs"/>
+              </a:defRPr>
+            </a:lvl8pPr>
+            <a:lvl9pPr marL="3657600" indent="0" algn="l" defTabSz="914400" rtl="0" eaLnBrk="1" latinLnBrk="0" hangingPunct="1">
+              <a:lnSpc>
+                <a:spcPct val="90000"/>
+              </a:lnSpc>
+              <a:spcBef>
+                <a:spcPts val="500"/>
+              </a:spcBef>
+              <a:buFont typeface="Arial" panose="020B0604020202020204" pitchFamily="34" charset="0"/>
+              <a:buNone/>
+              <a:defRPr sz="1600" b="1" kern="1200">
+                <a:solidFill>
+                  <a:schemeClr val="tx1"/>
+                </a:solidFill>
+                <a:latin typeface="+mn-lt"/>
+                <a:ea typeface="+mn-ea"/>
+                <a:cs typeface="+mn-cs"/>
+              </a:defRPr>
+            </a:lvl9pPr>
+          </a:lstStyle>
+          <a:p>
+            <a:r>
+              <a:rPr lang="en-US" sz="1600" b="0">
+                <a:ea typeface="+mj-lt"/>
+                <a:cs typeface="+mj-lt"/>
+              </a:rPr>
+              <a:t>Huge difference in Clicks (Internal=68 vs. </a:t>
+            </a:r>
+            <a:r>
+              <a:rPr lang="en-US" sz="1600" b="0" err="1">
+                <a:ea typeface="+mj-lt"/>
+                <a:cs typeface="+mj-lt"/>
+              </a:rPr>
+              <a:t>Certona</a:t>
+            </a:r>
+            <a:r>
+              <a:rPr lang="en-US" sz="1600" b="0">
+                <a:ea typeface="+mj-lt"/>
+                <a:cs typeface="+mj-lt"/>
+              </a:rPr>
+              <a:t>=235), but not necessarily revenue/purchase </a:t>
+            </a:r>
+            <a:endParaRPr lang="en-US" sz="1600" b="0"/>
+          </a:p>
+        </p:txBody>
+      </p:sp>
+      <p:cxnSp>
+        <p:nvCxnSpPr>
+          <p:cNvPr id="5" name="Straight Connector 4">
+            <a:extLst>
+              <a:ext uri="{FF2B5EF4-FFF2-40B4-BE49-F238E27FC236}">
+                <a16:creationId xmlns:a16="http://schemas.microsoft.com/office/drawing/2014/main" id="{31939B39-BD88-520C-EB40-DFA894BDD5EA}"/>
+              </a:ext>
+            </a:extLst>
+          </p:cNvPr>
+          <p:cNvCxnSpPr>
+            <a:cxnSpLocks/>
+          </p:cNvCxnSpPr>
+          <p:nvPr/>
+        </p:nvCxnSpPr>
+        <p:spPr>
+          <a:xfrm flipH="1">
+            <a:off x="4349364" y="1782872"/>
+            <a:ext cx="127220" cy="227168"/>
+          </a:xfrm>
+          <a:prstGeom prst="line">
+            <a:avLst/>
+          </a:prstGeom>
+        </p:spPr>
+        <p:style>
+          <a:lnRef idx="1">
+            <a:schemeClr val="dk1"/>
+          </a:lnRef>
+          <a:fillRef idx="0">
+            <a:schemeClr val="dk1"/>
+          </a:fillRef>
+          <a:effectRef idx="0">
+            <a:schemeClr val="dk1"/>
+          </a:effectRef>
+          <a:fontRef idx="minor">
+            <a:schemeClr val="tx1"/>
+          </a:fontRef>
+        </p:style>
+      </p:cxnSp>
+      <p:sp>
+        <p:nvSpPr>
+          <p:cNvPr id="6" name="Title 1">
+            <a:extLst>
+              <a:ext uri="{FF2B5EF4-FFF2-40B4-BE49-F238E27FC236}">
+                <a16:creationId xmlns:a16="http://schemas.microsoft.com/office/drawing/2014/main" id="{E5FC9221-7025-C0B5-9AFD-D7C005D3E849}"/>
+              </a:ext>
+            </a:extLst>
+          </p:cNvPr>
+          <p:cNvSpPr txBox="1">
+            <a:spLocks/>
+          </p:cNvSpPr>
+          <p:nvPr/>
+        </p:nvSpPr>
+        <p:spPr>
+          <a:xfrm>
+            <a:off x="1322317" y="268361"/>
+            <a:ext cx="8641191" cy="1266242"/>
+          </a:xfrm>
+          <a:prstGeom prst="rect">
+            <a:avLst/>
+          </a:prstGeom>
+        </p:spPr>
+        <p:txBody>
+          <a:bodyPr vert="horz" lIns="91440" tIns="45720" rIns="91440" bIns="45720" rtlCol="0" anchor="b">
+            <a:normAutofit/>
+          </a:bodyPr>
+          <a:lstStyle>
+            <a:lvl1pPr algn="l" defTabSz="914400" rtl="0" eaLnBrk="1" latinLnBrk="0" hangingPunct="1">
+              <a:lnSpc>
+                <a:spcPct val="90000"/>
+              </a:lnSpc>
+              <a:spcBef>
+                <a:spcPct val="0"/>
+              </a:spcBef>
+              <a:buNone/>
+              <a:defRPr lang="en-US" sz="2800" kern="1200" cap="all" spc="150" baseline="0" dirty="0">
+                <a:solidFill>
+                  <a:schemeClr val="tx1"/>
+                </a:solidFill>
+                <a:latin typeface="+mj-lt"/>
+                <a:ea typeface="+mj-ea"/>
+                <a:cs typeface="+mj-cs"/>
+              </a:defRPr>
+            </a:lvl1pPr>
+          </a:lstStyle>
+          <a:p>
+            <a:r>
+              <a:rPr lang="en-US">
+                <a:ea typeface="+mj-lt"/>
+                <a:cs typeface="+mj-lt"/>
+              </a:rPr>
+              <a:t>Case study : CERTONA CTR &gt; Internal ctr</a:t>
+            </a:r>
+            <a:endParaRPr lang="en-US"/>
+          </a:p>
+        </p:txBody>
+      </p:sp>
+      <p:pic>
+        <p:nvPicPr>
+          <p:cNvPr id="11" name="Content Placeholder 10" descr="A collage of different types of shoes&#10;&#10;AI-generated content may be incorrect.">
+            <a:extLst>
+              <a:ext uri="{FF2B5EF4-FFF2-40B4-BE49-F238E27FC236}">
+                <a16:creationId xmlns:a16="http://schemas.microsoft.com/office/drawing/2014/main" id="{DFFC05C7-E68E-2B21-4BF8-7A036F4B597E}"/>
+              </a:ext>
+            </a:extLst>
+          </p:cNvPr>
+          <p:cNvPicPr>
+            <a:picLocks noGrp="1" noChangeAspect="1"/>
+          </p:cNvPicPr>
+          <p:nvPr>
+            <p:ph sz="half" idx="14"/>
+          </p:nvPr>
+        </p:nvPicPr>
+        <p:blipFill>
+          <a:blip r:embed="rId3"/>
+          <a:stretch>
+            <a:fillRect/>
+          </a:stretch>
+        </p:blipFill>
+        <p:spPr>
+          <a:xfrm>
+            <a:off x="848046" y="2151162"/>
+            <a:ext cx="4480225" cy="1896899"/>
+          </a:xfrm>
+        </p:spPr>
+      </p:pic>
+      <p:pic>
+        <p:nvPicPr>
+          <p:cNvPr id="12" name="Picture 11" descr="A collage of a person sitting on the floor&#10;&#10;AI-generated content may be incorrect.">
+            <a:extLst>
+              <a:ext uri="{FF2B5EF4-FFF2-40B4-BE49-F238E27FC236}">
+                <a16:creationId xmlns:a16="http://schemas.microsoft.com/office/drawing/2014/main" id="{1DE0AAB5-E717-7F78-C942-225E4F8D44DC}"/>
+              </a:ext>
+            </a:extLst>
+          </p:cNvPr>
+          <p:cNvPicPr>
+            <a:picLocks noChangeAspect="1"/>
+          </p:cNvPicPr>
+          <p:nvPr/>
+        </p:nvPicPr>
+        <p:blipFill>
+          <a:blip r:embed="rId4"/>
+          <a:stretch>
+            <a:fillRect/>
+          </a:stretch>
+        </p:blipFill>
+        <p:spPr>
+          <a:xfrm>
+            <a:off x="1014737" y="4260013"/>
+            <a:ext cx="4146842" cy="2461461"/>
+          </a:xfrm>
+          <a:prstGeom prst="rect">
+            <a:avLst/>
+          </a:prstGeom>
+        </p:spPr>
+      </p:pic>
+      <p:sp>
+        <p:nvSpPr>
+          <p:cNvPr id="19" name="TextBox 18">
+            <a:extLst>
+              <a:ext uri="{FF2B5EF4-FFF2-40B4-BE49-F238E27FC236}">
+                <a16:creationId xmlns:a16="http://schemas.microsoft.com/office/drawing/2014/main" id="{8B2339DC-B128-5D8B-53F1-9DC2B3547C94}"/>
+              </a:ext>
+            </a:extLst>
+          </p:cNvPr>
+          <p:cNvSpPr txBox="1"/>
+          <p:nvPr/>
+        </p:nvSpPr>
+        <p:spPr>
+          <a:xfrm>
+            <a:off x="848046" y="4090385"/>
+            <a:ext cx="3573144" cy="1494822"/>
+          </a:xfrm>
+          <a:prstGeom prst="rect">
+            <a:avLst/>
+          </a:prstGeom>
+          <a:noFill/>
+          <a:ln w="28575">
+            <a:solidFill>
+              <a:schemeClr val="accent4">
+                <a:lumMod val="75000"/>
+              </a:schemeClr>
+            </a:solidFill>
+          </a:ln>
+        </p:spPr>
+        <p:txBody>
+          <a:bodyPr rot="0" spcFirstLastPara="0" vertOverflow="overflow" horzOverflow="overflow" vert="horz" wrap="square" lIns="91440" tIns="45720" rIns="91440" bIns="45720" numCol="1" spcCol="0" rtlCol="0" fromWordArt="0" anchor="t" anchorCtr="0" forceAA="0" compatLnSpc="1">
+            <a:prstTxWarp prst="textNoShape">
+              <a:avLst/>
+            </a:prstTxWarp>
+            <a:spAutoFit/>
+          </a:bodyPr>
+          <a:lstStyle/>
+          <a:p>
+            <a:pPr algn="l"/>
+            <a:endParaRPr lang="en-US"/>
+          </a:p>
+        </p:txBody>
+      </p:sp>
+      <p:sp>
+        <p:nvSpPr>
+          <p:cNvPr id="20" name="Rectangle 19">
+            <a:extLst>
+              <a:ext uri="{FF2B5EF4-FFF2-40B4-BE49-F238E27FC236}">
+                <a16:creationId xmlns:a16="http://schemas.microsoft.com/office/drawing/2014/main" id="{7C4FD9AF-1378-39D0-F0F8-B2D68201E90D}"/>
+              </a:ext>
+            </a:extLst>
+          </p:cNvPr>
+          <p:cNvSpPr/>
+          <p:nvPr/>
+        </p:nvSpPr>
+        <p:spPr>
+          <a:xfrm rot="16200000">
+            <a:off x="-384076" y="2940023"/>
+            <a:ext cx="1814569" cy="319178"/>
+          </a:xfrm>
+          <a:prstGeom prst="rect">
+            <a:avLst/>
+          </a:prstGeom>
+        </p:spPr>
+        <p:style>
+          <a:lnRef idx="2">
+            <a:schemeClr val="dk1">
+              <a:shade val="15000"/>
+            </a:schemeClr>
+          </a:lnRef>
+          <a:fillRef idx="1">
+            <a:schemeClr val="dk1"/>
+          </a:fillRef>
+          <a:effectRef idx="0">
+            <a:schemeClr val="dk1"/>
+          </a:effectRef>
+          <a:fontRef idx="minor">
+            <a:schemeClr val="lt1"/>
+          </a:fontRef>
+        </p:style>
+        <p:txBody>
+          <a:bodyPr rtlCol="0" anchor="ctr"/>
+          <a:lstStyle/>
+          <a:p>
+            <a:pPr algn="ctr"/>
+            <a:r>
+              <a:rPr lang="en-US"/>
+              <a:t>INTERNAL RECS</a:t>
+            </a:r>
+          </a:p>
+        </p:txBody>
+      </p:sp>
+      <p:sp>
+        <p:nvSpPr>
+          <p:cNvPr id="21" name="Rectangle 20">
+            <a:extLst>
+              <a:ext uri="{FF2B5EF4-FFF2-40B4-BE49-F238E27FC236}">
+                <a16:creationId xmlns:a16="http://schemas.microsoft.com/office/drawing/2014/main" id="{5090E525-08D9-1BF7-13BA-3B2CBE05AAFD}"/>
+              </a:ext>
+            </a:extLst>
+          </p:cNvPr>
+          <p:cNvSpPr/>
+          <p:nvPr/>
+        </p:nvSpPr>
+        <p:spPr>
+          <a:xfrm rot="16200000">
+            <a:off x="-384077" y="5254973"/>
+            <a:ext cx="1814569" cy="319178"/>
+          </a:xfrm>
+          <a:prstGeom prst="rect">
+            <a:avLst/>
+          </a:prstGeom>
+        </p:spPr>
+        <p:style>
+          <a:lnRef idx="2">
+            <a:schemeClr val="dk1">
+              <a:shade val="15000"/>
+            </a:schemeClr>
+          </a:lnRef>
+          <a:fillRef idx="1">
+            <a:schemeClr val="dk1"/>
+          </a:fillRef>
+          <a:effectRef idx="0">
+            <a:schemeClr val="dk1"/>
+          </a:effectRef>
+          <a:fontRef idx="minor">
+            <a:schemeClr val="lt1"/>
+          </a:fontRef>
+        </p:style>
+        <p:txBody>
+          <a:bodyPr rtlCol="0" anchor="ctr"/>
+          <a:lstStyle/>
+          <a:p>
+            <a:pPr algn="ctr"/>
+            <a:r>
+              <a:rPr lang="en-US"/>
+              <a:t>CERTONA</a:t>
+            </a:r>
+          </a:p>
+        </p:txBody>
+      </p:sp>
+      <p:sp>
+        <p:nvSpPr>
+          <p:cNvPr id="22" name="TextBox 21">
+            <a:extLst>
+              <a:ext uri="{FF2B5EF4-FFF2-40B4-BE49-F238E27FC236}">
+                <a16:creationId xmlns:a16="http://schemas.microsoft.com/office/drawing/2014/main" id="{2C8E0BE4-2FBA-CE2D-206E-DB0F84B6266B}"/>
+              </a:ext>
+            </a:extLst>
+          </p:cNvPr>
+          <p:cNvSpPr txBox="1"/>
+          <p:nvPr/>
+        </p:nvSpPr>
+        <p:spPr>
+          <a:xfrm>
+            <a:off x="5493519" y="2151162"/>
+            <a:ext cx="6580745" cy="2641236"/>
+          </a:xfrm>
+          <a:prstGeom prst="rect">
+            <a:avLst/>
+          </a:prstGeom>
+          <a:noFill/>
+        </p:spPr>
+        <p:txBody>
+          <a:bodyPr rot="0" spcFirstLastPara="0" vertOverflow="overflow" horzOverflow="overflow" vert="horz" wrap="square" lIns="91440" tIns="45720" rIns="91440" bIns="45720" numCol="1" spcCol="0" rtlCol="0" fromWordArt="0" anchor="t" anchorCtr="0" forceAA="0" compatLnSpc="1">
+            <a:prstTxWarp prst="textNoShape">
+              <a:avLst/>
+            </a:prstTxWarp>
+            <a:spAutoFit/>
+          </a:bodyPr>
+          <a:lstStyle/>
+          <a:p>
+            <a:pPr>
+              <a:lnSpc>
+                <a:spcPct val="150000"/>
+              </a:lnSpc>
+            </a:pPr>
+            <a:r>
+              <a:rPr lang="en-US" sz="1400"/>
+              <a:t>MF and NCF model </a:t>
+            </a:r>
+            <a:r>
+              <a:rPr lang="en-US" sz="1400">
+                <a:ea typeface="+mn-lt"/>
+                <a:cs typeface="+mn-lt"/>
+              </a:rPr>
+              <a:t>recommended these good items (Correlational &amp; semantic similarities) but candidate generation drops them ! </a:t>
+            </a:r>
+          </a:p>
+          <a:p>
+            <a:pPr marL="285750" indent="-285750">
+              <a:lnSpc>
+                <a:spcPct val="150000"/>
+              </a:lnSpc>
+              <a:buFont typeface="Arial"/>
+              <a:buChar char="•"/>
+            </a:pPr>
+            <a:r>
+              <a:rPr lang="en-US" sz="1400">
+                <a:ea typeface="+mn-lt"/>
+                <a:cs typeface="+mn-lt"/>
+              </a:rPr>
+              <a:t>Why</a:t>
+            </a:r>
+            <a:r>
+              <a:rPr lang="en-US" sz="1400" b="1">
+                <a:ea typeface="+mn-lt"/>
+                <a:cs typeface="+mn-lt"/>
+              </a:rPr>
+              <a:t> </a:t>
+            </a:r>
+            <a:r>
+              <a:rPr lang="en-US" sz="1400">
+                <a:ea typeface="+mn-lt"/>
+                <a:cs typeface="+mn-lt"/>
+              </a:rPr>
+              <a:t>875974002 and 710314012 are missing? </a:t>
+            </a:r>
+          </a:p>
+          <a:p>
+            <a:pPr marL="742950" lvl="1" indent="-285750">
+              <a:lnSpc>
+                <a:spcPct val="150000"/>
+              </a:lnSpc>
+              <a:buFont typeface="Arial"/>
+              <a:buChar char="•"/>
+            </a:pPr>
+            <a:r>
+              <a:rPr lang="en-US" sz="1400">
+                <a:ea typeface="+mn-lt"/>
+                <a:cs typeface="+mn-lt"/>
+              </a:rPr>
+              <a:t>Eliminated because they belong to MENS department</a:t>
+            </a:r>
+          </a:p>
+          <a:p>
+            <a:pPr marL="285750" indent="-285750">
+              <a:lnSpc>
+                <a:spcPct val="150000"/>
+              </a:lnSpc>
+              <a:buFont typeface="Arial"/>
+              <a:buChar char="•"/>
+            </a:pPr>
+            <a:r>
+              <a:rPr lang="en-US" sz="1400">
+                <a:ea typeface="+mn-lt"/>
+                <a:cs typeface="+mn-lt"/>
+              </a:rPr>
+              <a:t>Why</a:t>
+            </a:r>
+            <a:r>
+              <a:rPr lang="en-US" sz="1400" b="1">
+                <a:ea typeface="+mn-lt"/>
+                <a:cs typeface="+mn-lt"/>
+              </a:rPr>
+              <a:t> </a:t>
+            </a:r>
+            <a:r>
+              <a:rPr lang="en-US" sz="1400">
+                <a:ea typeface="+mn-lt"/>
+                <a:cs typeface="+mn-lt"/>
+              </a:rPr>
+              <a:t>463541012 and 882964012 are missing?</a:t>
+            </a:r>
+          </a:p>
+          <a:p>
+            <a:pPr marL="742950" lvl="1" indent="-285750">
+              <a:lnSpc>
+                <a:spcPct val="150000"/>
+              </a:lnSpc>
+              <a:buFont typeface="Arial"/>
+              <a:buChar char="•"/>
+            </a:pPr>
+            <a:r>
+              <a:rPr lang="en-US" sz="1400">
+                <a:ea typeface="+mn-lt"/>
+                <a:cs typeface="+mn-lt"/>
+              </a:rPr>
+              <a:t>Eliminated by size coverage and same-style conflict rules.</a:t>
+            </a:r>
+            <a:endParaRPr lang="en-US" sz="1400"/>
+          </a:p>
+          <a:p>
+            <a:pPr marL="285750" indent="-285750">
+              <a:lnSpc>
+                <a:spcPct val="150000"/>
+              </a:lnSpc>
+              <a:buFont typeface="Arial"/>
+              <a:buChar char="•"/>
+            </a:pPr>
+            <a:endParaRPr lang="en-US" sz="1400"/>
+          </a:p>
+          <a:p>
+            <a:pPr>
+              <a:lnSpc>
+                <a:spcPct val="150000"/>
+              </a:lnSpc>
+            </a:pPr>
+            <a:endParaRPr lang="en-US" sz="1400"/>
+          </a:p>
+        </p:txBody>
+      </p:sp>
+      <p:grpSp>
+        <p:nvGrpSpPr>
+          <p:cNvPr id="27" name="Group 26">
+            <a:extLst>
+              <a:ext uri="{FF2B5EF4-FFF2-40B4-BE49-F238E27FC236}">
+                <a16:creationId xmlns:a16="http://schemas.microsoft.com/office/drawing/2014/main" id="{83B43BE4-5632-E551-2F41-6D59390C6DA4}"/>
+              </a:ext>
+            </a:extLst>
+          </p:cNvPr>
+          <p:cNvGrpSpPr/>
+          <p:nvPr/>
+        </p:nvGrpSpPr>
+        <p:grpSpPr>
+          <a:xfrm>
+            <a:off x="5642912" y="4304809"/>
+            <a:ext cx="5558852" cy="2471582"/>
+            <a:chOff x="1610591" y="3609184"/>
+            <a:chExt cx="5558852" cy="2471582"/>
+          </a:xfrm>
+        </p:grpSpPr>
+        <p:pic>
+          <p:nvPicPr>
+            <p:cNvPr id="25" name="Picture 24" descr="A screenshot of a computer&#10;&#10;AI-generated content may be incorrect.">
+              <a:extLst>
+                <a:ext uri="{FF2B5EF4-FFF2-40B4-BE49-F238E27FC236}">
+                  <a16:creationId xmlns:a16="http://schemas.microsoft.com/office/drawing/2014/main" id="{45AA17B4-5135-ACF2-7EF9-1773A5FF1197}"/>
+                </a:ext>
+              </a:extLst>
+            </p:cNvPr>
+            <p:cNvPicPr>
+              <a:picLocks noChangeAspect="1"/>
+            </p:cNvPicPr>
+            <p:nvPr/>
+          </p:nvPicPr>
+          <p:blipFill rotWithShape="1">
+            <a:blip r:embed="rId5"/>
+            <a:srcRect l="968" t="33953" r="45155" b="-2334"/>
+            <a:stretch/>
+          </p:blipFill>
+          <p:spPr>
+            <a:xfrm>
+              <a:off x="1610591" y="3609184"/>
+              <a:ext cx="5558852" cy="2471582"/>
+            </a:xfrm>
+            <a:prstGeom prst="rect">
+              <a:avLst/>
+            </a:prstGeom>
+          </p:spPr>
+        </p:pic>
+        <p:sp>
+          <p:nvSpPr>
+            <p:cNvPr id="26" name="TextBox 25">
+              <a:extLst>
+                <a:ext uri="{FF2B5EF4-FFF2-40B4-BE49-F238E27FC236}">
+                  <a16:creationId xmlns:a16="http://schemas.microsoft.com/office/drawing/2014/main" id="{3F0729B9-88E8-A2FF-44E5-CF6D12FE4A65}"/>
+                </a:ext>
+              </a:extLst>
+            </p:cNvPr>
+            <p:cNvSpPr txBox="1"/>
+            <p:nvPr/>
+          </p:nvSpPr>
+          <p:spPr>
+            <a:xfrm>
+              <a:off x="2892530" y="4848810"/>
+              <a:ext cx="4276913" cy="369332"/>
+            </a:xfrm>
+            <a:prstGeom prst="rect">
+              <a:avLst/>
+            </a:prstGeom>
+            <a:solidFill>
+              <a:srgbClr val="EDD132">
+                <a:alpha val="17000"/>
+              </a:srgbClr>
+            </a:solidFill>
+            <a:ln w="28575">
+              <a:noFill/>
+            </a:ln>
+          </p:spPr>
+          <p:txBody>
+            <a:bodyPr rot="0" spcFirstLastPara="0" vertOverflow="overflow" horzOverflow="overflow" vert="horz" wrap="square" lIns="91440" tIns="45720" rIns="91440" bIns="45720" numCol="1" spcCol="0" rtlCol="0" fromWordArt="0" anchor="t" anchorCtr="0" forceAA="0" compatLnSpc="1">
+              <a:prstTxWarp prst="textNoShape">
+                <a:avLst/>
+              </a:prstTxWarp>
+              <a:spAutoFit/>
+            </a:bodyPr>
+            <a:lstStyle/>
+            <a:p>
+              <a:pPr algn="l"/>
+              <a:endParaRPr lang="en-US"/>
+            </a:p>
+          </p:txBody>
+        </p:sp>
+      </p:grpSp>
+    </p:spTree>
+    <p:extLst>
+      <p:ext uri="{BB962C8B-B14F-4D97-AF65-F5344CB8AC3E}">
+        <p14:creationId xmlns:p14="http://schemas.microsoft.com/office/powerpoint/2010/main" val="653080876"/>
+      </p:ext>
+    </p:extLst>
+  </p:cSld>
+  <p:clrMapOvr>
+    <a:masterClrMapping/>
+  </p:clrMapOvr>
+</p:sld>
+</file>
+
 <file path=ppt/theme/theme1.xml><?xml version="1.0" encoding="utf-8"?>
 <a:theme xmlns:a="http://schemas.openxmlformats.org/drawingml/2006/main" name="Custom">
   <a:themeElements>
